--- a/Documentation/IMS Project presentation.pptx
+++ b/Documentation/IMS Project presentation.pptx
@@ -4,31 +4,35 @@
   <p:sldMasterIdLst>
     <p:sldMasterId id="2147483660" r:id="rId1"/>
   </p:sldMasterIdLst>
+  <p:notesMasterIdLst>
+    <p:notesMasterId r:id="rId27"/>
+  </p:notesMasterIdLst>
   <p:sldIdLst>
     <p:sldId id="256" r:id="rId2"/>
     <p:sldId id="257" r:id="rId3"/>
     <p:sldId id="258" r:id="rId4"/>
-    <p:sldId id="259" r:id="rId5"/>
-    <p:sldId id="271" r:id="rId6"/>
-    <p:sldId id="272" r:id="rId7"/>
-    <p:sldId id="265" r:id="rId8"/>
-    <p:sldId id="266" r:id="rId9"/>
-    <p:sldId id="267" r:id="rId10"/>
-    <p:sldId id="268" r:id="rId11"/>
-    <p:sldId id="269" r:id="rId12"/>
-    <p:sldId id="270" r:id="rId13"/>
-    <p:sldId id="280" r:id="rId14"/>
-    <p:sldId id="281" r:id="rId15"/>
-    <p:sldId id="274" r:id="rId16"/>
+    <p:sldId id="298" r:id="rId5"/>
+    <p:sldId id="272" r:id="rId6"/>
+    <p:sldId id="282" r:id="rId7"/>
+    <p:sldId id="283" r:id="rId8"/>
+    <p:sldId id="297" r:id="rId9"/>
+    <p:sldId id="266" r:id="rId10"/>
+    <p:sldId id="299" r:id="rId11"/>
+    <p:sldId id="296" r:id="rId12"/>
+    <p:sldId id="268" r:id="rId13"/>
+    <p:sldId id="270" r:id="rId14"/>
+    <p:sldId id="280" r:id="rId15"/>
+    <p:sldId id="295" r:id="rId16"/>
     <p:sldId id="273" r:id="rId17"/>
-    <p:sldId id="276" r:id="rId18"/>
-    <p:sldId id="275" r:id="rId19"/>
-    <p:sldId id="277" r:id="rId20"/>
-    <p:sldId id="278" r:id="rId21"/>
-    <p:sldId id="279" r:id="rId22"/>
-    <p:sldId id="260" r:id="rId23"/>
-    <p:sldId id="261" r:id="rId24"/>
-    <p:sldId id="264" r:id="rId25"/>
+    <p:sldId id="294" r:id="rId18"/>
+    <p:sldId id="290" r:id="rId19"/>
+    <p:sldId id="302" r:id="rId20"/>
+    <p:sldId id="293" r:id="rId21"/>
+    <p:sldId id="278" r:id="rId22"/>
+    <p:sldId id="291" r:id="rId23"/>
+    <p:sldId id="260" r:id="rId24"/>
+    <p:sldId id="301" r:id="rId25"/>
+    <p:sldId id="264" r:id="rId26"/>
   </p:sldIdLst>
   <p:sldSz cx="12192000" cy="6858000"/>
   <p:notesSz cx="6858000" cy="9144000"/>
@@ -135,6 +139,552 @@
 </p:presentation>
 </file>
 
+<file path=ppt/notesMasters/notesMaster1.xml><?xml version="1.0" encoding="utf-8"?>
+<p:notesMaster xmlns:a="http://schemas.openxmlformats.org/drawingml/2006/main" xmlns:r="http://schemas.openxmlformats.org/officeDocument/2006/relationships" xmlns:p="http://schemas.openxmlformats.org/presentationml/2006/main">
+  <p:cSld>
+    <p:bg>
+      <p:bgRef idx="1001">
+        <a:schemeClr val="bg1"/>
+      </p:bgRef>
+    </p:bg>
+    <p:spTree>
+      <p:nvGrpSpPr>
+        <p:cNvPr id="1" name=""/>
+        <p:cNvGrpSpPr/>
+        <p:nvPr/>
+      </p:nvGrpSpPr>
+      <p:grpSpPr>
+        <a:xfrm>
+          <a:off x="0" y="0"/>
+          <a:ext cx="0" cy="0"/>
+          <a:chOff x="0" y="0"/>
+          <a:chExt cx="0" cy="0"/>
+        </a:xfrm>
+      </p:grpSpPr>
+      <p:sp>
+        <p:nvSpPr>
+          <p:cNvPr id="2" name="Header Placeholder 1"/>
+          <p:cNvSpPr>
+            <a:spLocks noGrp="1"/>
+          </p:cNvSpPr>
+          <p:nvPr>
+            <p:ph type="hdr" sz="quarter"/>
+          </p:nvPr>
+        </p:nvSpPr>
+        <p:spPr>
+          <a:xfrm>
+            <a:off x="0" y="0"/>
+            <a:ext cx="2971800" cy="458788"/>
+          </a:xfrm>
+          <a:prstGeom prst="rect">
+            <a:avLst/>
+          </a:prstGeom>
+        </p:spPr>
+        <p:txBody>
+          <a:bodyPr vert="horz" lIns="91440" tIns="45720" rIns="91440" bIns="45720" rtlCol="0"/>
+          <a:lstStyle>
+            <a:lvl1pPr algn="l">
+              <a:defRPr sz="1200"/>
+            </a:lvl1pPr>
+          </a:lstStyle>
+          <a:p>
+            <a:endParaRPr lang="en-GB"/>
+          </a:p>
+        </p:txBody>
+      </p:sp>
+      <p:sp>
+        <p:nvSpPr>
+          <p:cNvPr id="3" name="Date Placeholder 2"/>
+          <p:cNvSpPr>
+            <a:spLocks noGrp="1"/>
+          </p:cNvSpPr>
+          <p:nvPr>
+            <p:ph type="dt" idx="1"/>
+          </p:nvPr>
+        </p:nvSpPr>
+        <p:spPr>
+          <a:xfrm>
+            <a:off x="3884613" y="0"/>
+            <a:ext cx="2971800" cy="458788"/>
+          </a:xfrm>
+          <a:prstGeom prst="rect">
+            <a:avLst/>
+          </a:prstGeom>
+        </p:spPr>
+        <p:txBody>
+          <a:bodyPr vert="horz" lIns="91440" tIns="45720" rIns="91440" bIns="45720" rtlCol="0"/>
+          <a:lstStyle>
+            <a:lvl1pPr algn="r">
+              <a:defRPr sz="1200"/>
+            </a:lvl1pPr>
+          </a:lstStyle>
+          <a:p>
+            <a:fld id="{2E4E9A53-9CC2-4E5F-AA20-8E7068D60BCA}" type="datetimeFigureOut">
+              <a:rPr lang="en-GB" smtClean="0"/>
+              <a:t>07/01/2021</a:t>
+            </a:fld>
+            <a:endParaRPr lang="en-GB"/>
+          </a:p>
+        </p:txBody>
+      </p:sp>
+      <p:sp>
+        <p:nvSpPr>
+          <p:cNvPr id="4" name="Slide Image Placeholder 3"/>
+          <p:cNvSpPr>
+            <a:spLocks noGrp="1" noRot="1" noChangeAspect="1"/>
+          </p:cNvSpPr>
+          <p:nvPr>
+            <p:ph type="sldImg" idx="2"/>
+          </p:nvPr>
+        </p:nvSpPr>
+        <p:spPr>
+          <a:xfrm>
+            <a:off x="685800" y="1143000"/>
+            <a:ext cx="5486400" cy="3086100"/>
+          </a:xfrm>
+          <a:prstGeom prst="rect">
+            <a:avLst/>
+          </a:prstGeom>
+          <a:noFill/>
+          <a:ln w="12700">
+            <a:solidFill>
+              <a:prstClr val="black"/>
+            </a:solidFill>
+          </a:ln>
+        </p:spPr>
+        <p:txBody>
+          <a:bodyPr vert="horz" lIns="91440" tIns="45720" rIns="91440" bIns="45720" rtlCol="0" anchor="ctr"/>
+          <a:lstStyle/>
+          <a:p>
+            <a:endParaRPr lang="en-GB"/>
+          </a:p>
+        </p:txBody>
+      </p:sp>
+      <p:sp>
+        <p:nvSpPr>
+          <p:cNvPr id="5" name="Notes Placeholder 4"/>
+          <p:cNvSpPr>
+            <a:spLocks noGrp="1"/>
+          </p:cNvSpPr>
+          <p:nvPr>
+            <p:ph type="body" sz="quarter" idx="3"/>
+          </p:nvPr>
+        </p:nvSpPr>
+        <p:spPr>
+          <a:xfrm>
+            <a:off x="685800" y="4400550"/>
+            <a:ext cx="5486400" cy="3600450"/>
+          </a:xfrm>
+          <a:prstGeom prst="rect">
+            <a:avLst/>
+          </a:prstGeom>
+        </p:spPr>
+        <p:txBody>
+          <a:bodyPr vert="horz" lIns="91440" tIns="45720" rIns="91440" bIns="45720" rtlCol="0"/>
+          <a:lstStyle/>
+          <a:p>
+            <a:pPr lvl="0"/>
+            <a:r>
+              <a:rPr lang="en-US"/>
+              <a:t>Click to edit Master text styles</a:t>
+            </a:r>
+          </a:p>
+          <a:p>
+            <a:pPr lvl="1"/>
+            <a:r>
+              <a:rPr lang="en-US"/>
+              <a:t>Second level</a:t>
+            </a:r>
+          </a:p>
+          <a:p>
+            <a:pPr lvl="2"/>
+            <a:r>
+              <a:rPr lang="en-US"/>
+              <a:t>Third level</a:t>
+            </a:r>
+          </a:p>
+          <a:p>
+            <a:pPr lvl="3"/>
+            <a:r>
+              <a:rPr lang="en-US"/>
+              <a:t>Fourth level</a:t>
+            </a:r>
+          </a:p>
+          <a:p>
+            <a:pPr lvl="4"/>
+            <a:r>
+              <a:rPr lang="en-US"/>
+              <a:t>Fifth level</a:t>
+            </a:r>
+            <a:endParaRPr lang="en-GB"/>
+          </a:p>
+        </p:txBody>
+      </p:sp>
+      <p:sp>
+        <p:nvSpPr>
+          <p:cNvPr id="6" name="Footer Placeholder 5"/>
+          <p:cNvSpPr>
+            <a:spLocks noGrp="1"/>
+          </p:cNvSpPr>
+          <p:nvPr>
+            <p:ph type="ftr" sz="quarter" idx="4"/>
+          </p:nvPr>
+        </p:nvSpPr>
+        <p:spPr>
+          <a:xfrm>
+            <a:off x="0" y="8685213"/>
+            <a:ext cx="2971800" cy="458787"/>
+          </a:xfrm>
+          <a:prstGeom prst="rect">
+            <a:avLst/>
+          </a:prstGeom>
+        </p:spPr>
+        <p:txBody>
+          <a:bodyPr vert="horz" lIns="91440" tIns="45720" rIns="91440" bIns="45720" rtlCol="0" anchor="b"/>
+          <a:lstStyle>
+            <a:lvl1pPr algn="l">
+              <a:defRPr sz="1200"/>
+            </a:lvl1pPr>
+          </a:lstStyle>
+          <a:p>
+            <a:endParaRPr lang="en-GB"/>
+          </a:p>
+        </p:txBody>
+      </p:sp>
+      <p:sp>
+        <p:nvSpPr>
+          <p:cNvPr id="7" name="Slide Number Placeholder 6"/>
+          <p:cNvSpPr>
+            <a:spLocks noGrp="1"/>
+          </p:cNvSpPr>
+          <p:nvPr>
+            <p:ph type="sldNum" sz="quarter" idx="5"/>
+          </p:nvPr>
+        </p:nvSpPr>
+        <p:spPr>
+          <a:xfrm>
+            <a:off x="3884613" y="8685213"/>
+            <a:ext cx="2971800" cy="458787"/>
+          </a:xfrm>
+          <a:prstGeom prst="rect">
+            <a:avLst/>
+          </a:prstGeom>
+        </p:spPr>
+        <p:txBody>
+          <a:bodyPr vert="horz" lIns="91440" tIns="45720" rIns="91440" bIns="45720" rtlCol="0" anchor="b"/>
+          <a:lstStyle>
+            <a:lvl1pPr algn="r">
+              <a:defRPr sz="1200"/>
+            </a:lvl1pPr>
+          </a:lstStyle>
+          <a:p>
+            <a:fld id="{373FA0CC-7918-46FB-9D1D-CE4206E9FDF7}" type="slidenum">
+              <a:rPr lang="en-GB" smtClean="0"/>
+              <a:t>‹#›</a:t>
+            </a:fld>
+            <a:endParaRPr lang="en-GB"/>
+          </a:p>
+        </p:txBody>
+      </p:sp>
+    </p:spTree>
+    <p:extLst>
+      <p:ext uri="{BB962C8B-B14F-4D97-AF65-F5344CB8AC3E}">
+        <p14:creationId xmlns:p14="http://schemas.microsoft.com/office/powerpoint/2010/main" val="1943965161"/>
+      </p:ext>
+    </p:extLst>
+  </p:cSld>
+  <p:clrMap bg1="lt1" tx1="dk1" bg2="lt2" tx2="dk2" accent1="accent1" accent2="accent2" accent3="accent3" accent4="accent4" accent5="accent5" accent6="accent6" hlink="hlink" folHlink="folHlink"/>
+  <p:notesStyle>
+    <a:lvl1pPr marL="0" algn="l" defTabSz="914400" rtl="0" eaLnBrk="1" latinLnBrk="0" hangingPunct="1">
+      <a:defRPr sz="1200" kern="1200">
+        <a:solidFill>
+          <a:schemeClr val="tx1"/>
+        </a:solidFill>
+        <a:latin typeface="+mn-lt"/>
+        <a:ea typeface="+mn-ea"/>
+        <a:cs typeface="+mn-cs"/>
+      </a:defRPr>
+    </a:lvl1pPr>
+    <a:lvl2pPr marL="457200" algn="l" defTabSz="914400" rtl="0" eaLnBrk="1" latinLnBrk="0" hangingPunct="1">
+      <a:defRPr sz="1200" kern="1200">
+        <a:solidFill>
+          <a:schemeClr val="tx1"/>
+        </a:solidFill>
+        <a:latin typeface="+mn-lt"/>
+        <a:ea typeface="+mn-ea"/>
+        <a:cs typeface="+mn-cs"/>
+      </a:defRPr>
+    </a:lvl2pPr>
+    <a:lvl3pPr marL="914400" algn="l" defTabSz="914400" rtl="0" eaLnBrk="1" latinLnBrk="0" hangingPunct="1">
+      <a:defRPr sz="1200" kern="1200">
+        <a:solidFill>
+          <a:schemeClr val="tx1"/>
+        </a:solidFill>
+        <a:latin typeface="+mn-lt"/>
+        <a:ea typeface="+mn-ea"/>
+        <a:cs typeface="+mn-cs"/>
+      </a:defRPr>
+    </a:lvl3pPr>
+    <a:lvl4pPr marL="1371600" algn="l" defTabSz="914400" rtl="0" eaLnBrk="1" latinLnBrk="0" hangingPunct="1">
+      <a:defRPr sz="1200" kern="1200">
+        <a:solidFill>
+          <a:schemeClr val="tx1"/>
+        </a:solidFill>
+        <a:latin typeface="+mn-lt"/>
+        <a:ea typeface="+mn-ea"/>
+        <a:cs typeface="+mn-cs"/>
+      </a:defRPr>
+    </a:lvl4pPr>
+    <a:lvl5pPr marL="1828800" algn="l" defTabSz="914400" rtl="0" eaLnBrk="1" latinLnBrk="0" hangingPunct="1">
+      <a:defRPr sz="1200" kern="1200">
+        <a:solidFill>
+          <a:schemeClr val="tx1"/>
+        </a:solidFill>
+        <a:latin typeface="+mn-lt"/>
+        <a:ea typeface="+mn-ea"/>
+        <a:cs typeface="+mn-cs"/>
+      </a:defRPr>
+    </a:lvl5pPr>
+    <a:lvl6pPr marL="2286000" algn="l" defTabSz="914400" rtl="0" eaLnBrk="1" latinLnBrk="0" hangingPunct="1">
+      <a:defRPr sz="1200" kern="1200">
+        <a:solidFill>
+          <a:schemeClr val="tx1"/>
+        </a:solidFill>
+        <a:latin typeface="+mn-lt"/>
+        <a:ea typeface="+mn-ea"/>
+        <a:cs typeface="+mn-cs"/>
+      </a:defRPr>
+    </a:lvl6pPr>
+    <a:lvl7pPr marL="2743200" algn="l" defTabSz="914400" rtl="0" eaLnBrk="1" latinLnBrk="0" hangingPunct="1">
+      <a:defRPr sz="1200" kern="1200">
+        <a:solidFill>
+          <a:schemeClr val="tx1"/>
+        </a:solidFill>
+        <a:latin typeface="+mn-lt"/>
+        <a:ea typeface="+mn-ea"/>
+        <a:cs typeface="+mn-cs"/>
+      </a:defRPr>
+    </a:lvl7pPr>
+    <a:lvl8pPr marL="3200400" algn="l" defTabSz="914400" rtl="0" eaLnBrk="1" latinLnBrk="0" hangingPunct="1">
+      <a:defRPr sz="1200" kern="1200">
+        <a:solidFill>
+          <a:schemeClr val="tx1"/>
+        </a:solidFill>
+        <a:latin typeface="+mn-lt"/>
+        <a:ea typeface="+mn-ea"/>
+        <a:cs typeface="+mn-cs"/>
+      </a:defRPr>
+    </a:lvl8pPr>
+    <a:lvl9pPr marL="3657600" algn="l" defTabSz="914400" rtl="0" eaLnBrk="1" latinLnBrk="0" hangingPunct="1">
+      <a:defRPr sz="1200" kern="1200">
+        <a:solidFill>
+          <a:schemeClr val="tx1"/>
+        </a:solidFill>
+        <a:latin typeface="+mn-lt"/>
+        <a:ea typeface="+mn-ea"/>
+        <a:cs typeface="+mn-cs"/>
+      </a:defRPr>
+    </a:lvl9pPr>
+  </p:notesStyle>
+</p:notesMaster>
+</file>
+
+<file path=ppt/notesSlides/notesSlide1.xml><?xml version="1.0" encoding="utf-8"?>
+<p:notes xmlns:a="http://schemas.openxmlformats.org/drawingml/2006/main" xmlns:r="http://schemas.openxmlformats.org/officeDocument/2006/relationships" xmlns:p="http://schemas.openxmlformats.org/presentationml/2006/main">
+  <p:cSld>
+    <p:spTree>
+      <p:nvGrpSpPr>
+        <p:cNvPr id="1" name=""/>
+        <p:cNvGrpSpPr/>
+        <p:nvPr/>
+      </p:nvGrpSpPr>
+      <p:grpSpPr>
+        <a:xfrm>
+          <a:off x="0" y="0"/>
+          <a:ext cx="0" cy="0"/>
+          <a:chOff x="0" y="0"/>
+          <a:chExt cx="0" cy="0"/>
+        </a:xfrm>
+      </p:grpSpPr>
+      <p:sp>
+        <p:nvSpPr>
+          <p:cNvPr id="2" name="Slide Image Placeholder 1"/>
+          <p:cNvSpPr>
+            <a:spLocks noGrp="1" noRot="1" noChangeAspect="1"/>
+          </p:cNvSpPr>
+          <p:nvPr>
+            <p:ph type="sldImg"/>
+          </p:nvPr>
+        </p:nvSpPr>
+        <p:spPr/>
+      </p:sp>
+      <p:sp>
+        <p:nvSpPr>
+          <p:cNvPr id="3" name="Notes Placeholder 2"/>
+          <p:cNvSpPr>
+            <a:spLocks noGrp="1"/>
+          </p:cNvSpPr>
+          <p:nvPr>
+            <p:ph type="body" idx="1"/>
+          </p:nvPr>
+        </p:nvSpPr>
+        <p:spPr/>
+        <p:txBody>
+          <a:bodyPr/>
+          <a:lstStyle/>
+          <a:p>
+            <a:r>
+              <a:rPr lang="en-GB" dirty="0"/>
+              <a:t>- Highlight the fact that the IMS speaks to the </a:t>
+            </a:r>
+            <a:r>
+              <a:rPr lang="en-GB" dirty="0" err="1"/>
+              <a:t>CrudController</a:t>
+            </a:r>
+            <a:r>
+              <a:rPr lang="en-GB" dirty="0"/>
+              <a:t> interface</a:t>
+            </a:r>
+          </a:p>
+        </p:txBody>
+      </p:sp>
+      <p:sp>
+        <p:nvSpPr>
+          <p:cNvPr id="4" name="Slide Number Placeholder 3"/>
+          <p:cNvSpPr>
+            <a:spLocks noGrp="1"/>
+          </p:cNvSpPr>
+          <p:nvPr>
+            <p:ph type="sldNum" sz="quarter" idx="5"/>
+          </p:nvPr>
+        </p:nvSpPr>
+        <p:spPr/>
+        <p:txBody>
+          <a:bodyPr/>
+          <a:lstStyle/>
+          <a:p>
+            <a:fld id="{373FA0CC-7918-46FB-9D1D-CE4206E9FDF7}" type="slidenum">
+              <a:rPr lang="en-GB" smtClean="0"/>
+              <a:t>18</a:t>
+            </a:fld>
+            <a:endParaRPr lang="en-GB"/>
+          </a:p>
+        </p:txBody>
+      </p:sp>
+    </p:spTree>
+    <p:extLst>
+      <p:ext uri="{BB962C8B-B14F-4D97-AF65-F5344CB8AC3E}">
+        <p14:creationId xmlns:p14="http://schemas.microsoft.com/office/powerpoint/2010/main" val="3231517338"/>
+      </p:ext>
+    </p:extLst>
+  </p:cSld>
+  <p:clrMapOvr>
+    <a:masterClrMapping/>
+  </p:clrMapOvr>
+</p:notes>
+</file>
+
+<file path=ppt/notesSlides/notesSlide2.xml><?xml version="1.0" encoding="utf-8"?>
+<p:notes xmlns:a="http://schemas.openxmlformats.org/drawingml/2006/main" xmlns:r="http://schemas.openxmlformats.org/officeDocument/2006/relationships" xmlns:p="http://schemas.openxmlformats.org/presentationml/2006/main">
+  <p:cSld>
+    <p:spTree>
+      <p:nvGrpSpPr>
+        <p:cNvPr id="1" name=""/>
+        <p:cNvGrpSpPr/>
+        <p:nvPr/>
+      </p:nvGrpSpPr>
+      <p:grpSpPr>
+        <a:xfrm>
+          <a:off x="0" y="0"/>
+          <a:ext cx="0" cy="0"/>
+          <a:chOff x="0" y="0"/>
+          <a:chExt cx="0" cy="0"/>
+        </a:xfrm>
+      </p:grpSpPr>
+      <p:sp>
+        <p:nvSpPr>
+          <p:cNvPr id="2" name="Slide Image Placeholder 1"/>
+          <p:cNvSpPr>
+            <a:spLocks noGrp="1" noRot="1" noChangeAspect="1"/>
+          </p:cNvSpPr>
+          <p:nvPr>
+            <p:ph type="sldImg"/>
+          </p:nvPr>
+        </p:nvSpPr>
+        <p:spPr/>
+      </p:sp>
+      <p:sp>
+        <p:nvSpPr>
+          <p:cNvPr id="3" name="Notes Placeholder 2"/>
+          <p:cNvSpPr>
+            <a:spLocks noGrp="1"/>
+          </p:cNvSpPr>
+          <p:nvPr>
+            <p:ph type="body" idx="1"/>
+          </p:nvPr>
+        </p:nvSpPr>
+        <p:spPr/>
+        <p:txBody>
+          <a:bodyPr/>
+          <a:lstStyle/>
+          <a:p>
+            <a:pPr marL="171450" indent="-171450">
+              <a:buFontTx/>
+              <a:buChar char="-"/>
+            </a:pPr>
+            <a:r>
+              <a:rPr lang="en-GB" dirty="0"/>
+              <a:t>Talk about why you did FAIL tests</a:t>
+            </a:r>
+          </a:p>
+          <a:p>
+            <a:pPr marL="171450" indent="-171450">
+              <a:buFontTx/>
+              <a:buChar char="-"/>
+            </a:pPr>
+            <a:r>
+              <a:rPr lang="en-GB" dirty="0"/>
+              <a:t>Talk about Equals tests</a:t>
+            </a:r>
+          </a:p>
+        </p:txBody>
+      </p:sp>
+      <p:sp>
+        <p:nvSpPr>
+          <p:cNvPr id="4" name="Slide Number Placeholder 3"/>
+          <p:cNvSpPr>
+            <a:spLocks noGrp="1"/>
+          </p:cNvSpPr>
+          <p:nvPr>
+            <p:ph type="sldNum" sz="quarter" idx="5"/>
+          </p:nvPr>
+        </p:nvSpPr>
+        <p:spPr/>
+        <p:txBody>
+          <a:bodyPr/>
+          <a:lstStyle/>
+          <a:p>
+            <a:fld id="{373FA0CC-7918-46FB-9D1D-CE4206E9FDF7}" type="slidenum">
+              <a:rPr lang="en-GB" smtClean="0"/>
+              <a:t>23</a:t>
+            </a:fld>
+            <a:endParaRPr lang="en-GB"/>
+          </a:p>
+        </p:txBody>
+      </p:sp>
+    </p:spTree>
+    <p:extLst>
+      <p:ext uri="{BB962C8B-B14F-4D97-AF65-F5344CB8AC3E}">
+        <p14:creationId xmlns:p14="http://schemas.microsoft.com/office/powerpoint/2010/main" val="1037166011"/>
+      </p:ext>
+    </p:extLst>
+  </p:cSld>
+  <p:clrMapOvr>
+    <a:masterClrMapping/>
+  </p:clrMapOvr>
+</p:notes>
+</file>
+
 <file path=ppt/slideLayouts/slideLayout1.xml><?xml version="1.0" encoding="utf-8"?>
 <p:sldLayout xmlns:a="http://schemas.openxmlformats.org/drawingml/2006/main" xmlns:r="http://schemas.openxmlformats.org/officeDocument/2006/relationships" xmlns:p="http://schemas.openxmlformats.org/presentationml/2006/main" showMasterSp="0" type="title" preserve="1">
   <p:cSld name="Title Slide">
@@ -361,7 +911,7 @@
           <a:p>
             <a:fld id="{9F592656-CB5A-4927-9B31-2802E8AFE7C4}" type="datetimeFigureOut">
               <a:rPr lang="en-GB" smtClean="0"/>
-              <a:t>04/01/2021</a:t>
+              <a:t>07/01/2021</a:t>
             </a:fld>
             <a:endParaRPr lang="en-GB"/>
           </a:p>
@@ -569,7 +1119,7 @@
           <a:p>
             <a:fld id="{9F592656-CB5A-4927-9B31-2802E8AFE7C4}" type="datetimeFigureOut">
               <a:rPr lang="en-GB" smtClean="0"/>
-              <a:t>04/01/2021</a:t>
+              <a:t>07/01/2021</a:t>
             </a:fld>
             <a:endParaRPr lang="en-GB"/>
           </a:p>
@@ -825,7 +1375,7 @@
           <a:p>
             <a:fld id="{9F592656-CB5A-4927-9B31-2802E8AFE7C4}" type="datetimeFigureOut">
               <a:rPr lang="en-GB" smtClean="0"/>
-              <a:t>04/01/2021</a:t>
+              <a:t>07/01/2021</a:t>
             </a:fld>
             <a:endParaRPr lang="en-GB"/>
           </a:p>
@@ -999,7 +1549,7 @@
           <a:p>
             <a:fld id="{9F592656-CB5A-4927-9B31-2802E8AFE7C4}" type="datetimeFigureOut">
               <a:rPr lang="en-GB" smtClean="0"/>
-              <a:t>04/01/2021</a:t>
+              <a:t>07/01/2021</a:t>
             </a:fld>
             <a:endParaRPr lang="en-GB"/>
           </a:p>
@@ -1342,7 +1892,7 @@
           <a:p>
             <a:fld id="{9F592656-CB5A-4927-9B31-2802E8AFE7C4}" type="datetimeFigureOut">
               <a:rPr lang="en-GB" smtClean="0"/>
-              <a:t>04/01/2021</a:t>
+              <a:t>07/01/2021</a:t>
             </a:fld>
             <a:endParaRPr lang="en-GB"/>
           </a:p>
@@ -1617,7 +2167,7 @@
           <a:p>
             <a:fld id="{9F592656-CB5A-4927-9B31-2802E8AFE7C4}" type="datetimeFigureOut">
               <a:rPr lang="en-GB" smtClean="0"/>
-              <a:t>04/01/2021</a:t>
+              <a:t>07/01/2021</a:t>
             </a:fld>
             <a:endParaRPr lang="en-GB"/>
           </a:p>
@@ -1996,7 +2546,7 @@
           <a:p>
             <a:fld id="{9F592656-CB5A-4927-9B31-2802E8AFE7C4}" type="datetimeFigureOut">
               <a:rPr lang="en-GB" smtClean="0"/>
-              <a:t>04/01/2021</a:t>
+              <a:t>07/01/2021</a:t>
             </a:fld>
             <a:endParaRPr lang="en-GB"/>
           </a:p>
@@ -2114,7 +2664,7 @@
           <a:p>
             <a:fld id="{9F592656-CB5A-4927-9B31-2802E8AFE7C4}" type="datetimeFigureOut">
               <a:rPr lang="en-GB" smtClean="0"/>
-              <a:t>04/01/2021</a:t>
+              <a:t>07/01/2021</a:t>
             </a:fld>
             <a:endParaRPr lang="en-GB"/>
           </a:p>
@@ -2285,7 +2835,7 @@
           <a:p>
             <a:fld id="{9F592656-CB5A-4927-9B31-2802E8AFE7C4}" type="datetimeFigureOut">
               <a:rPr lang="en-GB" smtClean="0"/>
-              <a:t>04/01/2021</a:t>
+              <a:t>07/01/2021</a:t>
             </a:fld>
             <a:endParaRPr lang="en-GB"/>
           </a:p>
@@ -2639,7 +3189,7 @@
           <a:p>
             <a:fld id="{9F592656-CB5A-4927-9B31-2802E8AFE7C4}" type="datetimeFigureOut">
               <a:rPr lang="en-GB" smtClean="0"/>
-              <a:t>04/01/2021</a:t>
+              <a:t>07/01/2021</a:t>
             </a:fld>
             <a:endParaRPr lang="en-GB"/>
           </a:p>
@@ -3021,7 +3571,7 @@
           <a:p>
             <a:fld id="{9F592656-CB5A-4927-9B31-2802E8AFE7C4}" type="datetimeFigureOut">
               <a:rPr lang="en-GB" smtClean="0"/>
-              <a:t>04/01/2021</a:t>
+              <a:t>07/01/2021</a:t>
             </a:fld>
             <a:endParaRPr lang="en-GB"/>
           </a:p>
@@ -3308,7 +3858,7 @@
           <a:p>
             <a:fld id="{9F592656-CB5A-4927-9B31-2802E8AFE7C4}" type="datetimeFigureOut">
               <a:rPr lang="en-GB" smtClean="0"/>
-              <a:t>04/01/2021</a:t>
+              <a:t>07/01/2021</a:t>
             </a:fld>
             <a:endParaRPr lang="en-GB"/>
           </a:p>
@@ -3929,7 +4479,7 @@
           <p:cNvPr id="2" name="Title 1">
             <a:extLst>
               <a:ext uri="{FF2B5EF4-FFF2-40B4-BE49-F238E27FC236}">
-                <a16:creationId xmlns:a16="http://schemas.microsoft.com/office/drawing/2014/main" id="{C720BC1B-055A-40F6-8B83-9DC6C80EF6A1}"/>
+                <a16:creationId xmlns:a16="http://schemas.microsoft.com/office/drawing/2014/main" id="{8A704845-E2DB-42E9-8CA2-D1F25A5EF86C}"/>
               </a:ext>
             </a:extLst>
           </p:cNvPr>
@@ -3947,96 +4497,1136 @@
           <a:p>
             <a:r>
               <a:rPr lang="en-GB" dirty="0"/>
-              <a:t>Project management board: Kanban</a:t>
-            </a:r>
-          </a:p>
-        </p:txBody>
-      </p:sp>
-      <p:pic>
-        <p:nvPicPr>
-          <p:cNvPr id="5" name="Picture 4">
+              <a:t>CI Pipeline</a:t>
+            </a:r>
+          </a:p>
+        </p:txBody>
+      </p:sp>
+      <p:sp>
+        <p:nvSpPr>
+          <p:cNvPr id="8" name="Text Placeholder 7">
             <a:extLst>
               <a:ext uri="{FF2B5EF4-FFF2-40B4-BE49-F238E27FC236}">
-                <a16:creationId xmlns:a16="http://schemas.microsoft.com/office/drawing/2014/main" id="{59E95FAC-4488-45B1-838A-FA58F936AFBE}"/>
+                <a16:creationId xmlns:a16="http://schemas.microsoft.com/office/drawing/2014/main" id="{04935064-C784-4933-8247-22D7508029D6}"/>
               </a:ext>
             </a:extLst>
           </p:cNvPr>
-          <p:cNvPicPr>
-            <a:picLocks noChangeAspect="1"/>
-          </p:cNvPicPr>
-          <p:nvPr/>
-        </p:nvPicPr>
-        <p:blipFill>
-          <a:blip r:embed="rId2">
+          <p:cNvSpPr>
+            <a:spLocks noGrp="1"/>
+          </p:cNvSpPr>
+          <p:nvPr>
+            <p:ph type="body" sz="half" idx="2"/>
+          </p:nvPr>
+        </p:nvSpPr>
+        <p:spPr/>
+        <p:txBody>
+          <a:bodyPr/>
+          <a:lstStyle/>
+          <a:p>
+            <a:pPr marL="285750" indent="-285750">
+              <a:buFont typeface="Arial" panose="020B0604020202020204" pitchFamily="34" charset="0"/>
+              <a:buChar char="•"/>
+            </a:pPr>
+            <a:endParaRPr lang="en-GB" dirty="0"/>
+          </a:p>
+        </p:txBody>
+      </p:sp>
+      <p:sp>
+        <p:nvSpPr>
+          <p:cNvPr id="5" name="Rectangle: Rounded Corners 4">
             <a:extLst>
-              <a:ext uri="{28A0092B-C50C-407E-A947-70E740481C1C}">
-                <a14:useLocalDpi xmlns:a14="http://schemas.microsoft.com/office/drawing/2010/main" val="0"/>
+              <a:ext uri="{FF2B5EF4-FFF2-40B4-BE49-F238E27FC236}">
+                <a16:creationId xmlns:a16="http://schemas.microsoft.com/office/drawing/2014/main" id="{5EC61E4D-E802-4AAA-81D2-FCEA236C2659}"/>
               </a:ext>
             </a:extLst>
-          </a:blip>
-          <a:stretch>
-            <a:fillRect/>
-          </a:stretch>
-        </p:blipFill>
+          </p:cNvPr>
+          <p:cNvSpPr/>
+          <p:nvPr/>
+        </p:nvSpPr>
         <p:spPr>
           <a:xfrm>
-            <a:off x="192226" y="1787192"/>
-            <a:ext cx="6653074" cy="4350899"/>
+            <a:off x="652112" y="3429000"/>
+            <a:ext cx="1802331" cy="822960"/>
+          </a:xfrm>
+          <a:prstGeom prst="roundRect">
+            <a:avLst/>
+          </a:prstGeom>
+        </p:spPr>
+        <p:style>
+          <a:lnRef idx="2">
+            <a:schemeClr val="accent1">
+              <a:shade val="50000"/>
+            </a:schemeClr>
+          </a:lnRef>
+          <a:fillRef idx="1">
+            <a:schemeClr val="accent1"/>
+          </a:fillRef>
+          <a:effectRef idx="0">
+            <a:schemeClr val="accent1"/>
+          </a:effectRef>
+          <a:fontRef idx="minor">
+            <a:schemeClr val="lt1"/>
+          </a:fontRef>
+        </p:style>
+        <p:txBody>
+          <a:bodyPr rtlCol="0" anchor="ctr"/>
+          <a:lstStyle/>
+          <a:p>
+            <a:pPr algn="ctr"/>
+            <a:r>
+              <a:rPr lang="en-GB" dirty="0">
+                <a:ln w="0"/>
+                <a:solidFill>
+                  <a:schemeClr val="tx1"/>
+                </a:solidFill>
+                <a:effectLst>
+                  <a:outerShdw blurRad="38100" dist="19050" dir="2700000" algn="tl" rotWithShape="0">
+                    <a:schemeClr val="dk1">
+                      <a:alpha val="40000"/>
+                    </a:schemeClr>
+                  </a:outerShdw>
+                </a:effectLst>
+              </a:rPr>
+              <a:t>Database Server</a:t>
+            </a:r>
+          </a:p>
+        </p:txBody>
+      </p:sp>
+      <p:sp>
+        <p:nvSpPr>
+          <p:cNvPr id="20" name="Rectangle: Rounded Corners 19">
+            <a:extLst>
+              <a:ext uri="{FF2B5EF4-FFF2-40B4-BE49-F238E27FC236}">
+                <a16:creationId xmlns:a16="http://schemas.microsoft.com/office/drawing/2014/main" id="{BD6E45E3-9B92-4CB8-B093-1D74BB552E44}"/>
+              </a:ext>
+            </a:extLst>
+          </p:cNvPr>
+          <p:cNvSpPr/>
+          <p:nvPr/>
+        </p:nvSpPr>
+        <p:spPr>
+          <a:xfrm>
+            <a:off x="1291241" y="610767"/>
+            <a:ext cx="1802331" cy="822960"/>
+          </a:xfrm>
+          <a:prstGeom prst="roundRect">
+            <a:avLst/>
+          </a:prstGeom>
+        </p:spPr>
+        <p:style>
+          <a:lnRef idx="2">
+            <a:schemeClr val="accent1">
+              <a:shade val="50000"/>
+            </a:schemeClr>
+          </a:lnRef>
+          <a:fillRef idx="1">
+            <a:schemeClr val="accent1"/>
+          </a:fillRef>
+          <a:effectRef idx="0">
+            <a:schemeClr val="accent1"/>
+          </a:effectRef>
+          <a:fontRef idx="minor">
+            <a:schemeClr val="lt1"/>
+          </a:fontRef>
+        </p:style>
+        <p:txBody>
+          <a:bodyPr rtlCol="0" anchor="ctr"/>
+          <a:lstStyle/>
+          <a:p>
+            <a:pPr algn="ctr"/>
+            <a:r>
+              <a:rPr lang="en-GB" dirty="0">
+                <a:ln w="0"/>
+                <a:solidFill>
+                  <a:schemeClr val="tx1"/>
+                </a:solidFill>
+                <a:effectLst>
+                  <a:outerShdw blurRad="38100" dist="19050" dir="2700000" algn="tl" rotWithShape="0">
+                    <a:schemeClr val="dk1">
+                      <a:alpha val="40000"/>
+                    </a:schemeClr>
+                  </a:outerShdw>
+                </a:effectLst>
+              </a:rPr>
+              <a:t>Source Code</a:t>
+            </a:r>
+          </a:p>
+        </p:txBody>
+      </p:sp>
+      <p:sp>
+        <p:nvSpPr>
+          <p:cNvPr id="22" name="Rectangle: Rounded Corners 21">
+            <a:extLst>
+              <a:ext uri="{FF2B5EF4-FFF2-40B4-BE49-F238E27FC236}">
+                <a16:creationId xmlns:a16="http://schemas.microsoft.com/office/drawing/2014/main" id="{1C7CD734-B0CF-43D5-ABE5-C1AA834B5A08}"/>
+              </a:ext>
+            </a:extLst>
+          </p:cNvPr>
+          <p:cNvSpPr/>
+          <p:nvPr/>
+        </p:nvSpPr>
+        <p:spPr>
+          <a:xfrm>
+            <a:off x="4632704" y="629083"/>
+            <a:ext cx="1802331" cy="822960"/>
+          </a:xfrm>
+          <a:prstGeom prst="roundRect">
+            <a:avLst/>
+          </a:prstGeom>
+        </p:spPr>
+        <p:style>
+          <a:lnRef idx="2">
+            <a:schemeClr val="accent1">
+              <a:shade val="50000"/>
+            </a:schemeClr>
+          </a:lnRef>
+          <a:fillRef idx="1">
+            <a:schemeClr val="accent1"/>
+          </a:fillRef>
+          <a:effectRef idx="0">
+            <a:schemeClr val="accent1"/>
+          </a:effectRef>
+          <a:fontRef idx="minor">
+            <a:schemeClr val="lt1"/>
+          </a:fontRef>
+        </p:style>
+        <p:txBody>
+          <a:bodyPr rtlCol="0" anchor="ctr"/>
+          <a:lstStyle/>
+          <a:p>
+            <a:pPr algn="ctr"/>
+            <a:r>
+              <a:rPr lang="en-GB" dirty="0">
+                <a:ln w="0"/>
+                <a:solidFill>
+                  <a:schemeClr val="tx1"/>
+                </a:solidFill>
+                <a:effectLst>
+                  <a:outerShdw blurRad="38100" dist="19050" dir="2700000" algn="tl" rotWithShape="0">
+                    <a:schemeClr val="dk1">
+                      <a:alpha val="40000"/>
+                    </a:schemeClr>
+                  </a:outerShdw>
+                </a:effectLst>
+              </a:rPr>
+              <a:t>Version Control System</a:t>
+            </a:r>
+          </a:p>
+        </p:txBody>
+      </p:sp>
+      <p:sp>
+        <p:nvSpPr>
+          <p:cNvPr id="24" name="Rectangle: Rounded Corners 23">
+            <a:extLst>
+              <a:ext uri="{FF2B5EF4-FFF2-40B4-BE49-F238E27FC236}">
+                <a16:creationId xmlns:a16="http://schemas.microsoft.com/office/drawing/2014/main" id="{369786F6-242C-41DD-8AE8-D85DEDB0D683}"/>
+              </a:ext>
+            </a:extLst>
+          </p:cNvPr>
+          <p:cNvSpPr/>
+          <p:nvPr/>
+        </p:nvSpPr>
+        <p:spPr>
+          <a:xfrm>
+            <a:off x="7992999" y="629083"/>
+            <a:ext cx="1802331" cy="822960"/>
+          </a:xfrm>
+          <a:prstGeom prst="roundRect">
+            <a:avLst/>
+          </a:prstGeom>
+        </p:spPr>
+        <p:style>
+          <a:lnRef idx="2">
+            <a:schemeClr val="accent1">
+              <a:shade val="50000"/>
+            </a:schemeClr>
+          </a:lnRef>
+          <a:fillRef idx="1">
+            <a:schemeClr val="accent1"/>
+          </a:fillRef>
+          <a:effectRef idx="0">
+            <a:schemeClr val="accent1"/>
+          </a:effectRef>
+          <a:fontRef idx="minor">
+            <a:schemeClr val="lt1"/>
+          </a:fontRef>
+        </p:style>
+        <p:txBody>
+          <a:bodyPr rtlCol="0" anchor="ctr"/>
+          <a:lstStyle/>
+          <a:p>
+            <a:pPr algn="ctr"/>
+            <a:r>
+              <a:rPr lang="en-GB" dirty="0">
+                <a:ln w="0"/>
+                <a:solidFill>
+                  <a:schemeClr val="tx1"/>
+                </a:solidFill>
+                <a:effectLst>
+                  <a:outerShdw blurRad="38100" dist="19050" dir="2700000" algn="tl" rotWithShape="0">
+                    <a:schemeClr val="dk1">
+                      <a:alpha val="40000"/>
+                    </a:schemeClr>
+                  </a:outerShdw>
+                </a:effectLst>
+              </a:rPr>
+              <a:t>Project Tracking</a:t>
+            </a:r>
+          </a:p>
+        </p:txBody>
+      </p:sp>
+      <p:sp>
+        <p:nvSpPr>
+          <p:cNvPr id="26" name="Rectangle: Rounded Corners 25">
+            <a:extLst>
+              <a:ext uri="{FF2B5EF4-FFF2-40B4-BE49-F238E27FC236}">
+                <a16:creationId xmlns:a16="http://schemas.microsoft.com/office/drawing/2014/main" id="{85E9F682-017E-46CF-A55B-6E5D49610210}"/>
+              </a:ext>
+            </a:extLst>
+          </p:cNvPr>
+          <p:cNvSpPr/>
+          <p:nvPr/>
+        </p:nvSpPr>
+        <p:spPr>
+          <a:xfrm>
+            <a:off x="7256842" y="2266467"/>
+            <a:ext cx="1802331" cy="822960"/>
+          </a:xfrm>
+          <a:prstGeom prst="roundRect">
+            <a:avLst/>
+          </a:prstGeom>
+        </p:spPr>
+        <p:style>
+          <a:lnRef idx="2">
+            <a:schemeClr val="accent1">
+              <a:shade val="50000"/>
+            </a:schemeClr>
+          </a:lnRef>
+          <a:fillRef idx="1">
+            <a:schemeClr val="accent1"/>
+          </a:fillRef>
+          <a:effectRef idx="0">
+            <a:schemeClr val="accent1"/>
+          </a:effectRef>
+          <a:fontRef idx="minor">
+            <a:schemeClr val="lt1"/>
+          </a:fontRef>
+        </p:style>
+        <p:txBody>
+          <a:bodyPr rtlCol="0" anchor="ctr"/>
+          <a:lstStyle/>
+          <a:p>
+            <a:pPr algn="ctr"/>
+            <a:r>
+              <a:rPr lang="en-GB" dirty="0">
+                <a:ln w="0"/>
+                <a:solidFill>
+                  <a:schemeClr val="tx1"/>
+                </a:solidFill>
+                <a:effectLst>
+                  <a:outerShdw blurRad="38100" dist="19050" dir="2700000" algn="tl" rotWithShape="0">
+                    <a:schemeClr val="dk1">
+                      <a:alpha val="40000"/>
+                    </a:schemeClr>
+                  </a:outerShdw>
+                </a:effectLst>
+              </a:rPr>
+              <a:t>Build Tool</a:t>
+            </a:r>
+          </a:p>
+        </p:txBody>
+      </p:sp>
+      <p:sp>
+        <p:nvSpPr>
+          <p:cNvPr id="28" name="Rectangle: Rounded Corners 27">
+            <a:extLst>
+              <a:ext uri="{FF2B5EF4-FFF2-40B4-BE49-F238E27FC236}">
+                <a16:creationId xmlns:a16="http://schemas.microsoft.com/office/drawing/2014/main" id="{1462B468-CBC1-40B5-AF14-CD5222B64BAD}"/>
+              </a:ext>
+            </a:extLst>
+          </p:cNvPr>
+          <p:cNvSpPr/>
+          <p:nvPr/>
+        </p:nvSpPr>
+        <p:spPr>
+          <a:xfrm>
+            <a:off x="10036374" y="3524255"/>
+            <a:ext cx="1802331" cy="822960"/>
+          </a:xfrm>
+          <a:prstGeom prst="roundRect">
+            <a:avLst/>
+          </a:prstGeom>
+        </p:spPr>
+        <p:style>
+          <a:lnRef idx="2">
+            <a:schemeClr val="accent1">
+              <a:shade val="50000"/>
+            </a:schemeClr>
+          </a:lnRef>
+          <a:fillRef idx="1">
+            <a:schemeClr val="accent1"/>
+          </a:fillRef>
+          <a:effectRef idx="0">
+            <a:schemeClr val="accent1"/>
+          </a:effectRef>
+          <a:fontRef idx="minor">
+            <a:schemeClr val="lt1"/>
+          </a:fontRef>
+        </p:style>
+        <p:txBody>
+          <a:bodyPr rtlCol="0" anchor="ctr"/>
+          <a:lstStyle/>
+          <a:p>
+            <a:pPr algn="ctr"/>
+            <a:r>
+              <a:rPr lang="en-GB" dirty="0">
+                <a:ln w="0"/>
+                <a:solidFill>
+                  <a:schemeClr val="tx1"/>
+                </a:solidFill>
+                <a:effectLst>
+                  <a:outerShdw blurRad="38100" dist="19050" dir="2700000" algn="tl" rotWithShape="0">
+                    <a:schemeClr val="dk1">
+                      <a:alpha val="40000"/>
+                    </a:schemeClr>
+                  </a:outerShdw>
+                </a:effectLst>
+              </a:rPr>
+              <a:t>Automated Testing</a:t>
+            </a:r>
+          </a:p>
+        </p:txBody>
+      </p:sp>
+      <p:sp>
+        <p:nvSpPr>
+          <p:cNvPr id="9" name="TextBox 8">
+            <a:extLst>
+              <a:ext uri="{FF2B5EF4-FFF2-40B4-BE49-F238E27FC236}">
+                <a16:creationId xmlns:a16="http://schemas.microsoft.com/office/drawing/2014/main" id="{CDDFDE6A-C79D-4926-B70C-FCB3059ACDBB}"/>
+              </a:ext>
+            </a:extLst>
+          </p:cNvPr>
+          <p:cNvSpPr txBox="1"/>
+          <p:nvPr/>
+        </p:nvSpPr>
+        <p:spPr>
+          <a:xfrm>
+            <a:off x="10131423" y="4356358"/>
+            <a:ext cx="1612231" cy="307777"/>
           </a:xfrm>
           <a:prstGeom prst="rect">
             <a:avLst/>
           </a:prstGeom>
+          <a:noFill/>
         </p:spPr>
-      </p:pic>
-      <p:sp>
-        <p:nvSpPr>
-          <p:cNvPr id="6" name="Content Placeholder 2">
+        <p:txBody>
+          <a:bodyPr wrap="square" rtlCol="0">
+            <a:spAutoFit/>
+          </a:bodyPr>
+          <a:lstStyle/>
+          <a:p>
+            <a:pPr algn="ctr"/>
+            <a:r>
+              <a:rPr lang="en-GB" sz="1400" dirty="0"/>
+              <a:t>JUnit, Mockito</a:t>
+            </a:r>
+          </a:p>
+        </p:txBody>
+      </p:sp>
+      <p:sp>
+        <p:nvSpPr>
+          <p:cNvPr id="29" name="TextBox 28">
             <a:extLst>
               <a:ext uri="{FF2B5EF4-FFF2-40B4-BE49-F238E27FC236}">
-                <a16:creationId xmlns:a16="http://schemas.microsoft.com/office/drawing/2014/main" id="{C22AEF2B-9707-4BEB-A187-474C91F95608}"/>
+                <a16:creationId xmlns:a16="http://schemas.microsoft.com/office/drawing/2014/main" id="{7244B814-9360-47EE-BB6E-0A55FF84545D}"/>
               </a:ext>
             </a:extLst>
           </p:cNvPr>
-          <p:cNvSpPr>
-            <a:spLocks noGrp="1"/>
-          </p:cNvSpPr>
-          <p:nvPr>
-            <p:ph idx="1"/>
-          </p:nvPr>
+          <p:cNvSpPr txBox="1"/>
+          <p:nvPr/>
         </p:nvSpPr>
         <p:spPr>
           <a:xfrm>
-            <a:off x="6934200" y="1845734"/>
-            <a:ext cx="4221480" cy="4023360"/>
+            <a:off x="7351891" y="3072740"/>
+            <a:ext cx="1612231" cy="307777"/>
           </a:xfrm>
+          <a:prstGeom prst="rect">
+            <a:avLst/>
+          </a:prstGeom>
+          <a:noFill/>
         </p:spPr>
         <p:txBody>
-          <a:bodyPr/>
-          <a:lstStyle/>
-          <a:p>
-            <a:r>
-              <a:rPr lang="en-GB" dirty="0"/>
-              <a:t>To effectively manage my project, I adopted an Agile approach.</a:t>
-            </a:r>
-          </a:p>
-          <a:p>
-            <a:r>
-              <a:rPr lang="en-GB" dirty="0"/>
-              <a:t>I used a Kanban board (a feature of Jira) to manage my project.</a:t>
-            </a:r>
-          </a:p>
-          <a:p>
-            <a:r>
-              <a:rPr lang="en-GB" dirty="0"/>
-              <a:t>The first step of the planning was to add to the backlog.</a:t>
-            </a:r>
-          </a:p>
-        </p:txBody>
-      </p:sp>
+          <a:bodyPr wrap="square" rtlCol="0">
+            <a:spAutoFit/>
+          </a:bodyPr>
+          <a:lstStyle/>
+          <a:p>
+            <a:pPr algn="ctr"/>
+            <a:r>
+              <a:rPr lang="en-GB" sz="1400" dirty="0"/>
+              <a:t>Maven</a:t>
+            </a:r>
+          </a:p>
+        </p:txBody>
+      </p:sp>
+      <p:grpSp>
+        <p:nvGrpSpPr>
+          <p:cNvPr id="17" name="Group 16">
+            <a:extLst>
+              <a:ext uri="{FF2B5EF4-FFF2-40B4-BE49-F238E27FC236}">
+                <a16:creationId xmlns:a16="http://schemas.microsoft.com/office/drawing/2014/main" id="{8DB6385E-A19C-457E-A0A5-2F805B606983}"/>
+              </a:ext>
+            </a:extLst>
+          </p:cNvPr>
+          <p:cNvGrpSpPr/>
+          <p:nvPr/>
+        </p:nvGrpSpPr>
+        <p:grpSpPr>
+          <a:xfrm rot="18600287">
+            <a:off x="1050802" y="2417114"/>
+            <a:ext cx="1386214" cy="514530"/>
+            <a:chOff x="3244517" y="2870367"/>
+            <a:chExt cx="2036746" cy="767741"/>
+          </a:xfrm>
+        </p:grpSpPr>
+        <p:cxnSp>
+          <p:nvCxnSpPr>
+            <p:cNvPr id="13" name="Straight Arrow Connector 12">
+              <a:extLst>
+                <a:ext uri="{FF2B5EF4-FFF2-40B4-BE49-F238E27FC236}">
+                  <a16:creationId xmlns:a16="http://schemas.microsoft.com/office/drawing/2014/main" id="{49259163-F12A-46CA-9D09-84D6C7BC8888}"/>
+                </a:ext>
+              </a:extLst>
+            </p:cNvPr>
+            <p:cNvCxnSpPr/>
+            <p:nvPr/>
+          </p:nvCxnSpPr>
+          <p:spPr>
+            <a:xfrm flipV="1">
+              <a:off x="3244517" y="2870367"/>
+              <a:ext cx="1989220" cy="558633"/>
+            </a:xfrm>
+            <a:prstGeom prst="straightConnector1">
+              <a:avLst/>
+            </a:prstGeom>
+            <a:ln>
+              <a:tailEnd type="triangle"/>
+            </a:ln>
+          </p:spPr>
+          <p:style>
+            <a:lnRef idx="1">
+              <a:schemeClr val="accent1"/>
+            </a:lnRef>
+            <a:fillRef idx="0">
+              <a:schemeClr val="accent1"/>
+            </a:fillRef>
+            <a:effectRef idx="0">
+              <a:schemeClr val="accent1"/>
+            </a:effectRef>
+            <a:fontRef idx="minor">
+              <a:schemeClr val="tx1"/>
+            </a:fontRef>
+          </p:style>
+        </p:cxnSp>
+        <p:cxnSp>
+          <p:nvCxnSpPr>
+            <p:cNvPr id="35" name="Straight Arrow Connector 34">
+              <a:extLst>
+                <a:ext uri="{FF2B5EF4-FFF2-40B4-BE49-F238E27FC236}">
+                  <a16:creationId xmlns:a16="http://schemas.microsoft.com/office/drawing/2014/main" id="{3BDBC9E9-EDE4-4908-A8AB-52DB8EA764BB}"/>
+                </a:ext>
+              </a:extLst>
+            </p:cNvPr>
+            <p:cNvCxnSpPr>
+              <a:cxnSpLocks/>
+            </p:cNvCxnSpPr>
+            <p:nvPr/>
+          </p:nvCxnSpPr>
+          <p:spPr>
+            <a:xfrm flipH="1">
+              <a:off x="3392905" y="3113934"/>
+              <a:ext cx="1888358" cy="524174"/>
+            </a:xfrm>
+            <a:prstGeom prst="straightConnector1">
+              <a:avLst/>
+            </a:prstGeom>
+            <a:ln>
+              <a:tailEnd type="triangle"/>
+            </a:ln>
+          </p:spPr>
+          <p:style>
+            <a:lnRef idx="1">
+              <a:schemeClr val="accent1"/>
+            </a:lnRef>
+            <a:fillRef idx="0">
+              <a:schemeClr val="accent1"/>
+            </a:fillRef>
+            <a:effectRef idx="0">
+              <a:schemeClr val="accent1"/>
+            </a:effectRef>
+            <a:fontRef idx="minor">
+              <a:schemeClr val="tx1"/>
+            </a:fontRef>
+          </p:style>
+        </p:cxnSp>
+      </p:grpSp>
+      <p:grpSp>
+        <p:nvGrpSpPr>
+          <p:cNvPr id="36" name="Group 35">
+            <a:extLst>
+              <a:ext uri="{FF2B5EF4-FFF2-40B4-BE49-F238E27FC236}">
+                <a16:creationId xmlns:a16="http://schemas.microsoft.com/office/drawing/2014/main" id="{456928E2-2D32-4C23-B3FC-AD002AC04FD1}"/>
+              </a:ext>
+            </a:extLst>
+          </p:cNvPr>
+          <p:cNvGrpSpPr/>
+          <p:nvPr/>
+        </p:nvGrpSpPr>
+        <p:grpSpPr>
+          <a:xfrm rot="891813">
+            <a:off x="3130556" y="750010"/>
+            <a:ext cx="1386214" cy="514530"/>
+            <a:chOff x="3244517" y="2870367"/>
+            <a:chExt cx="2036746" cy="767741"/>
+          </a:xfrm>
+        </p:grpSpPr>
+        <p:cxnSp>
+          <p:nvCxnSpPr>
+            <p:cNvPr id="37" name="Straight Arrow Connector 36">
+              <a:extLst>
+                <a:ext uri="{FF2B5EF4-FFF2-40B4-BE49-F238E27FC236}">
+                  <a16:creationId xmlns:a16="http://schemas.microsoft.com/office/drawing/2014/main" id="{357B48D4-1B9F-43BA-A0DE-AA583AA53257}"/>
+                </a:ext>
+              </a:extLst>
+            </p:cNvPr>
+            <p:cNvCxnSpPr/>
+            <p:nvPr/>
+          </p:nvCxnSpPr>
+          <p:spPr>
+            <a:xfrm flipV="1">
+              <a:off x="3244517" y="2870367"/>
+              <a:ext cx="1989220" cy="558633"/>
+            </a:xfrm>
+            <a:prstGeom prst="straightConnector1">
+              <a:avLst/>
+            </a:prstGeom>
+            <a:ln>
+              <a:tailEnd type="triangle"/>
+            </a:ln>
+          </p:spPr>
+          <p:style>
+            <a:lnRef idx="1">
+              <a:schemeClr val="accent1"/>
+            </a:lnRef>
+            <a:fillRef idx="0">
+              <a:schemeClr val="accent1"/>
+            </a:fillRef>
+            <a:effectRef idx="0">
+              <a:schemeClr val="accent1"/>
+            </a:effectRef>
+            <a:fontRef idx="minor">
+              <a:schemeClr val="tx1"/>
+            </a:fontRef>
+          </p:style>
+        </p:cxnSp>
+        <p:cxnSp>
+          <p:nvCxnSpPr>
+            <p:cNvPr id="38" name="Straight Arrow Connector 37">
+              <a:extLst>
+                <a:ext uri="{FF2B5EF4-FFF2-40B4-BE49-F238E27FC236}">
+                  <a16:creationId xmlns:a16="http://schemas.microsoft.com/office/drawing/2014/main" id="{912FDC2B-4F87-4B73-9B8E-572DF708D789}"/>
+                </a:ext>
+              </a:extLst>
+            </p:cNvPr>
+            <p:cNvCxnSpPr>
+              <a:cxnSpLocks/>
+            </p:cNvCxnSpPr>
+            <p:nvPr/>
+          </p:nvCxnSpPr>
+          <p:spPr>
+            <a:xfrm flipH="1">
+              <a:off x="3392905" y="3113934"/>
+              <a:ext cx="1888358" cy="524174"/>
+            </a:xfrm>
+            <a:prstGeom prst="straightConnector1">
+              <a:avLst/>
+            </a:prstGeom>
+            <a:ln>
+              <a:tailEnd type="triangle"/>
+            </a:ln>
+          </p:spPr>
+          <p:style>
+            <a:lnRef idx="1">
+              <a:schemeClr val="accent1"/>
+            </a:lnRef>
+            <a:fillRef idx="0">
+              <a:schemeClr val="accent1"/>
+            </a:fillRef>
+            <a:effectRef idx="0">
+              <a:schemeClr val="accent1"/>
+            </a:effectRef>
+            <a:fontRef idx="minor">
+              <a:schemeClr val="tx1"/>
+            </a:fontRef>
+          </p:style>
+        </p:cxnSp>
+      </p:grpSp>
+      <p:grpSp>
+        <p:nvGrpSpPr>
+          <p:cNvPr id="39" name="Group 38">
+            <a:extLst>
+              <a:ext uri="{FF2B5EF4-FFF2-40B4-BE49-F238E27FC236}">
+                <a16:creationId xmlns:a16="http://schemas.microsoft.com/office/drawing/2014/main" id="{60A87B94-0515-45FE-9C10-49154B9AA354}"/>
+              </a:ext>
+            </a:extLst>
+          </p:cNvPr>
+          <p:cNvGrpSpPr/>
+          <p:nvPr/>
+        </p:nvGrpSpPr>
+        <p:grpSpPr>
+          <a:xfrm rot="972249">
+            <a:off x="6516887" y="793966"/>
+            <a:ext cx="1386214" cy="514530"/>
+            <a:chOff x="3244517" y="2870367"/>
+            <a:chExt cx="2036746" cy="767741"/>
+          </a:xfrm>
+        </p:grpSpPr>
+        <p:cxnSp>
+          <p:nvCxnSpPr>
+            <p:cNvPr id="40" name="Straight Arrow Connector 39">
+              <a:extLst>
+                <a:ext uri="{FF2B5EF4-FFF2-40B4-BE49-F238E27FC236}">
+                  <a16:creationId xmlns:a16="http://schemas.microsoft.com/office/drawing/2014/main" id="{77E50F08-2387-4267-A201-A3739D9DCEE5}"/>
+                </a:ext>
+              </a:extLst>
+            </p:cNvPr>
+            <p:cNvCxnSpPr/>
+            <p:nvPr/>
+          </p:nvCxnSpPr>
+          <p:spPr>
+            <a:xfrm flipV="1">
+              <a:off x="3244517" y="2870367"/>
+              <a:ext cx="1989220" cy="558633"/>
+            </a:xfrm>
+            <a:prstGeom prst="straightConnector1">
+              <a:avLst/>
+            </a:prstGeom>
+            <a:ln>
+              <a:tailEnd type="triangle"/>
+            </a:ln>
+          </p:spPr>
+          <p:style>
+            <a:lnRef idx="1">
+              <a:schemeClr val="accent1"/>
+            </a:lnRef>
+            <a:fillRef idx="0">
+              <a:schemeClr val="accent1"/>
+            </a:fillRef>
+            <a:effectRef idx="0">
+              <a:schemeClr val="accent1"/>
+            </a:effectRef>
+            <a:fontRef idx="minor">
+              <a:schemeClr val="tx1"/>
+            </a:fontRef>
+          </p:style>
+        </p:cxnSp>
+        <p:cxnSp>
+          <p:nvCxnSpPr>
+            <p:cNvPr id="41" name="Straight Arrow Connector 40">
+              <a:extLst>
+                <a:ext uri="{FF2B5EF4-FFF2-40B4-BE49-F238E27FC236}">
+                  <a16:creationId xmlns:a16="http://schemas.microsoft.com/office/drawing/2014/main" id="{931A9D0A-991A-4D7C-9CF9-74FA0651762B}"/>
+                </a:ext>
+              </a:extLst>
+            </p:cNvPr>
+            <p:cNvCxnSpPr>
+              <a:cxnSpLocks/>
+            </p:cNvCxnSpPr>
+            <p:nvPr/>
+          </p:nvCxnSpPr>
+          <p:spPr>
+            <a:xfrm flipH="1">
+              <a:off x="3392905" y="3113934"/>
+              <a:ext cx="1888358" cy="524174"/>
+            </a:xfrm>
+            <a:prstGeom prst="straightConnector1">
+              <a:avLst/>
+            </a:prstGeom>
+            <a:ln>
+              <a:tailEnd type="triangle"/>
+            </a:ln>
+          </p:spPr>
+          <p:style>
+            <a:lnRef idx="1">
+              <a:schemeClr val="accent1"/>
+            </a:lnRef>
+            <a:fillRef idx="0">
+              <a:schemeClr val="accent1"/>
+            </a:fillRef>
+            <a:effectRef idx="0">
+              <a:schemeClr val="accent1"/>
+            </a:effectRef>
+            <a:fontRef idx="minor">
+              <a:schemeClr val="tx1"/>
+            </a:fontRef>
+          </p:style>
+        </p:cxnSp>
+      </p:grpSp>
+      <p:sp>
+        <p:nvSpPr>
+          <p:cNvPr id="42" name="TextBox 41">
+            <a:extLst>
+              <a:ext uri="{FF2B5EF4-FFF2-40B4-BE49-F238E27FC236}">
+                <a16:creationId xmlns:a16="http://schemas.microsoft.com/office/drawing/2014/main" id="{B306F988-6C0E-4B28-BC3A-17C4D072442E}"/>
+              </a:ext>
+            </a:extLst>
+          </p:cNvPr>
+          <p:cNvSpPr txBox="1"/>
+          <p:nvPr/>
+        </p:nvSpPr>
+        <p:spPr>
+          <a:xfrm>
+            <a:off x="8088048" y="1453508"/>
+            <a:ext cx="1612231" cy="307777"/>
+          </a:xfrm>
+          <a:prstGeom prst="rect">
+            <a:avLst/>
+          </a:prstGeom>
+          <a:noFill/>
+        </p:spPr>
+        <p:txBody>
+          <a:bodyPr wrap="square" rtlCol="0">
+            <a:spAutoFit/>
+          </a:bodyPr>
+          <a:lstStyle/>
+          <a:p>
+            <a:pPr algn="ctr"/>
+            <a:r>
+              <a:rPr lang="en-GB" sz="1400" dirty="0"/>
+              <a:t>Jira</a:t>
+            </a:r>
+          </a:p>
+        </p:txBody>
+      </p:sp>
+      <p:sp>
+        <p:nvSpPr>
+          <p:cNvPr id="43" name="TextBox 42">
+            <a:extLst>
+              <a:ext uri="{FF2B5EF4-FFF2-40B4-BE49-F238E27FC236}">
+                <a16:creationId xmlns:a16="http://schemas.microsoft.com/office/drawing/2014/main" id="{89E2884B-FC42-43AE-B041-DBF88BC058F4}"/>
+              </a:ext>
+            </a:extLst>
+          </p:cNvPr>
+          <p:cNvSpPr txBox="1"/>
+          <p:nvPr/>
+        </p:nvSpPr>
+        <p:spPr>
+          <a:xfrm>
+            <a:off x="4727753" y="1491696"/>
+            <a:ext cx="1612231" cy="307777"/>
+          </a:xfrm>
+          <a:prstGeom prst="rect">
+            <a:avLst/>
+          </a:prstGeom>
+          <a:noFill/>
+        </p:spPr>
+        <p:txBody>
+          <a:bodyPr wrap="square" rtlCol="0">
+            <a:spAutoFit/>
+          </a:bodyPr>
+          <a:lstStyle/>
+          <a:p>
+            <a:pPr algn="ctr"/>
+            <a:r>
+              <a:rPr lang="en-GB" sz="1400" dirty="0"/>
+              <a:t>Git/</a:t>
+            </a:r>
+            <a:r>
+              <a:rPr lang="en-GB" sz="1400" dirty="0" err="1"/>
+              <a:t>Github</a:t>
+            </a:r>
+            <a:endParaRPr lang="en-GB" sz="1400" dirty="0"/>
+          </a:p>
+        </p:txBody>
+      </p:sp>
+      <p:sp>
+        <p:nvSpPr>
+          <p:cNvPr id="44" name="TextBox 43">
+            <a:extLst>
+              <a:ext uri="{FF2B5EF4-FFF2-40B4-BE49-F238E27FC236}">
+                <a16:creationId xmlns:a16="http://schemas.microsoft.com/office/drawing/2014/main" id="{4914B5A5-CDBE-4FFF-8FCE-E31078E70D06}"/>
+              </a:ext>
+            </a:extLst>
+          </p:cNvPr>
+          <p:cNvSpPr txBox="1"/>
+          <p:nvPr/>
+        </p:nvSpPr>
+        <p:spPr>
+          <a:xfrm>
+            <a:off x="1386290" y="1440561"/>
+            <a:ext cx="1612231" cy="307777"/>
+          </a:xfrm>
+          <a:prstGeom prst="rect">
+            <a:avLst/>
+          </a:prstGeom>
+          <a:noFill/>
+        </p:spPr>
+        <p:txBody>
+          <a:bodyPr wrap="square" rtlCol="0">
+            <a:spAutoFit/>
+          </a:bodyPr>
+          <a:lstStyle/>
+          <a:p>
+            <a:pPr algn="ctr"/>
+            <a:r>
+              <a:rPr lang="en-GB" sz="1400" dirty="0"/>
+              <a:t>Java</a:t>
+            </a:r>
+          </a:p>
+        </p:txBody>
+      </p:sp>
+      <p:sp>
+        <p:nvSpPr>
+          <p:cNvPr id="45" name="TextBox 44">
+            <a:extLst>
+              <a:ext uri="{FF2B5EF4-FFF2-40B4-BE49-F238E27FC236}">
+                <a16:creationId xmlns:a16="http://schemas.microsoft.com/office/drawing/2014/main" id="{BB41AE1B-CD80-4728-8920-048E36FB9527}"/>
+              </a:ext>
+            </a:extLst>
+          </p:cNvPr>
+          <p:cNvSpPr txBox="1"/>
+          <p:nvPr/>
+        </p:nvSpPr>
+        <p:spPr>
+          <a:xfrm>
+            <a:off x="747161" y="4246485"/>
+            <a:ext cx="1612231" cy="307777"/>
+          </a:xfrm>
+          <a:prstGeom prst="rect">
+            <a:avLst/>
+          </a:prstGeom>
+          <a:noFill/>
+        </p:spPr>
+        <p:txBody>
+          <a:bodyPr wrap="square" rtlCol="0">
+            <a:spAutoFit/>
+          </a:bodyPr>
+          <a:lstStyle/>
+          <a:p>
+            <a:pPr algn="ctr"/>
+            <a:r>
+              <a:rPr lang="en-GB" sz="1400" dirty="0"/>
+              <a:t>MySQL</a:t>
+            </a:r>
+          </a:p>
+        </p:txBody>
+      </p:sp>
+      <p:grpSp>
+        <p:nvGrpSpPr>
+          <p:cNvPr id="46" name="Group 45">
+            <a:extLst>
+              <a:ext uri="{FF2B5EF4-FFF2-40B4-BE49-F238E27FC236}">
+                <a16:creationId xmlns:a16="http://schemas.microsoft.com/office/drawing/2014/main" id="{A6634B01-2697-49BA-BA8A-7E2432F42377}"/>
+              </a:ext>
+            </a:extLst>
+          </p:cNvPr>
+          <p:cNvGrpSpPr/>
+          <p:nvPr/>
+        </p:nvGrpSpPr>
+        <p:grpSpPr>
+          <a:xfrm rot="3757307">
+            <a:off x="6330168" y="1606232"/>
+            <a:ext cx="1032026" cy="514530"/>
+            <a:chOff x="3244517" y="2870367"/>
+            <a:chExt cx="2036746" cy="767741"/>
+          </a:xfrm>
+        </p:grpSpPr>
+        <p:cxnSp>
+          <p:nvCxnSpPr>
+            <p:cNvPr id="47" name="Straight Arrow Connector 46">
+              <a:extLst>
+                <a:ext uri="{FF2B5EF4-FFF2-40B4-BE49-F238E27FC236}">
+                  <a16:creationId xmlns:a16="http://schemas.microsoft.com/office/drawing/2014/main" id="{FD1D350B-130D-4E85-A5BA-353991B1515B}"/>
+                </a:ext>
+              </a:extLst>
+            </p:cNvPr>
+            <p:cNvCxnSpPr/>
+            <p:nvPr/>
+          </p:nvCxnSpPr>
+          <p:spPr>
+            <a:xfrm flipV="1">
+              <a:off x="3244517" y="2870367"/>
+              <a:ext cx="1989220" cy="558633"/>
+            </a:xfrm>
+            <a:prstGeom prst="straightConnector1">
+              <a:avLst/>
+            </a:prstGeom>
+            <a:ln>
+              <a:tailEnd type="triangle"/>
+            </a:ln>
+          </p:spPr>
+          <p:style>
+            <a:lnRef idx="1">
+              <a:schemeClr val="accent1"/>
+            </a:lnRef>
+            <a:fillRef idx="0">
+              <a:schemeClr val="accent1"/>
+            </a:fillRef>
+            <a:effectRef idx="0">
+              <a:schemeClr val="accent1"/>
+            </a:effectRef>
+            <a:fontRef idx="minor">
+              <a:schemeClr val="tx1"/>
+            </a:fontRef>
+          </p:style>
+        </p:cxnSp>
+        <p:cxnSp>
+          <p:nvCxnSpPr>
+            <p:cNvPr id="48" name="Straight Arrow Connector 47">
+              <a:extLst>
+                <a:ext uri="{FF2B5EF4-FFF2-40B4-BE49-F238E27FC236}">
+                  <a16:creationId xmlns:a16="http://schemas.microsoft.com/office/drawing/2014/main" id="{F4C39E97-42D0-49EA-B40A-69DE29F15C1B}"/>
+                </a:ext>
+              </a:extLst>
+            </p:cNvPr>
+            <p:cNvCxnSpPr>
+              <a:cxnSpLocks/>
+            </p:cNvCxnSpPr>
+            <p:nvPr/>
+          </p:nvCxnSpPr>
+          <p:spPr>
+            <a:xfrm flipH="1">
+              <a:off x="3392905" y="3113934"/>
+              <a:ext cx="1888358" cy="524174"/>
+            </a:xfrm>
+            <a:prstGeom prst="straightConnector1">
+              <a:avLst/>
+            </a:prstGeom>
+            <a:ln>
+              <a:tailEnd type="triangle"/>
+            </a:ln>
+          </p:spPr>
+          <p:style>
+            <a:lnRef idx="1">
+              <a:schemeClr val="accent1"/>
+            </a:lnRef>
+            <a:fillRef idx="0">
+              <a:schemeClr val="accent1"/>
+            </a:fillRef>
+            <a:effectRef idx="0">
+              <a:schemeClr val="accent1"/>
+            </a:effectRef>
+            <a:fontRef idx="minor">
+              <a:schemeClr val="tx1"/>
+            </a:fontRef>
+          </p:style>
+        </p:cxnSp>
+      </p:grpSp>
+      <p:grpSp>
+        <p:nvGrpSpPr>
+          <p:cNvPr id="49" name="Group 48">
+            <a:extLst>
+              <a:ext uri="{FF2B5EF4-FFF2-40B4-BE49-F238E27FC236}">
+                <a16:creationId xmlns:a16="http://schemas.microsoft.com/office/drawing/2014/main" id="{7B03DEA7-36D1-4B03-977F-CF5703D86C8E}"/>
+              </a:ext>
+            </a:extLst>
+          </p:cNvPr>
+          <p:cNvGrpSpPr/>
+          <p:nvPr/>
+        </p:nvGrpSpPr>
+        <p:grpSpPr>
+          <a:xfrm rot="3382241">
+            <a:off x="8987249" y="3046824"/>
+            <a:ext cx="1032026" cy="514530"/>
+            <a:chOff x="3244517" y="2870367"/>
+            <a:chExt cx="2036746" cy="767741"/>
+          </a:xfrm>
+        </p:grpSpPr>
+        <p:cxnSp>
+          <p:nvCxnSpPr>
+            <p:cNvPr id="50" name="Straight Arrow Connector 49">
+              <a:extLst>
+                <a:ext uri="{FF2B5EF4-FFF2-40B4-BE49-F238E27FC236}">
+                  <a16:creationId xmlns:a16="http://schemas.microsoft.com/office/drawing/2014/main" id="{695288BC-6D26-4F7E-BC97-FBAD407A59D6}"/>
+                </a:ext>
+              </a:extLst>
+            </p:cNvPr>
+            <p:cNvCxnSpPr/>
+            <p:nvPr/>
+          </p:nvCxnSpPr>
+          <p:spPr>
+            <a:xfrm flipV="1">
+              <a:off x="3244517" y="2870367"/>
+              <a:ext cx="1989220" cy="558633"/>
+            </a:xfrm>
+            <a:prstGeom prst="straightConnector1">
+              <a:avLst/>
+            </a:prstGeom>
+            <a:ln>
+              <a:tailEnd type="triangle"/>
+            </a:ln>
+          </p:spPr>
+          <p:style>
+            <a:lnRef idx="1">
+              <a:schemeClr val="accent1"/>
+            </a:lnRef>
+            <a:fillRef idx="0">
+              <a:schemeClr val="accent1"/>
+            </a:fillRef>
+            <a:effectRef idx="0">
+              <a:schemeClr val="accent1"/>
+            </a:effectRef>
+            <a:fontRef idx="minor">
+              <a:schemeClr val="tx1"/>
+            </a:fontRef>
+          </p:style>
+        </p:cxnSp>
+        <p:cxnSp>
+          <p:nvCxnSpPr>
+            <p:cNvPr id="51" name="Straight Arrow Connector 50">
+              <a:extLst>
+                <a:ext uri="{FF2B5EF4-FFF2-40B4-BE49-F238E27FC236}">
+                  <a16:creationId xmlns:a16="http://schemas.microsoft.com/office/drawing/2014/main" id="{EB167858-FE01-4F59-8AAC-15CFFD2FFADF}"/>
+                </a:ext>
+              </a:extLst>
+            </p:cNvPr>
+            <p:cNvCxnSpPr>
+              <a:cxnSpLocks/>
+            </p:cNvCxnSpPr>
+            <p:nvPr/>
+          </p:nvCxnSpPr>
+          <p:spPr>
+            <a:xfrm flipH="1">
+              <a:off x="3392905" y="3113934"/>
+              <a:ext cx="1888358" cy="524174"/>
+            </a:xfrm>
+            <a:prstGeom prst="straightConnector1">
+              <a:avLst/>
+            </a:prstGeom>
+            <a:ln>
+              <a:tailEnd type="triangle"/>
+            </a:ln>
+          </p:spPr>
+          <p:style>
+            <a:lnRef idx="1">
+              <a:schemeClr val="accent1"/>
+            </a:lnRef>
+            <a:fillRef idx="0">
+              <a:schemeClr val="accent1"/>
+            </a:fillRef>
+            <a:effectRef idx="0">
+              <a:schemeClr val="accent1"/>
+            </a:effectRef>
+            <a:fontRef idx="minor">
+              <a:schemeClr val="tx1"/>
+            </a:fontRef>
+          </p:style>
+        </p:cxnSp>
+      </p:grpSp>
     </p:spTree>
     <p:extLst>
       <p:ext uri="{BB962C8B-B14F-4D97-AF65-F5344CB8AC3E}">
-        <p14:creationId xmlns:p14="http://schemas.microsoft.com/office/powerpoint/2010/main" val="4210207571"/>
+        <p14:creationId xmlns:p14="http://schemas.microsoft.com/office/powerpoint/2010/main" val="2928166330"/>
       </p:ext>
     </p:extLst>
   </p:cSld>
@@ -4068,7 +5658,7 @@
           <p:cNvPr id="2" name="Title 1">
             <a:extLst>
               <a:ext uri="{FF2B5EF4-FFF2-40B4-BE49-F238E27FC236}">
-                <a16:creationId xmlns:a16="http://schemas.microsoft.com/office/drawing/2014/main" id="{C720BC1B-055A-40F6-8B83-9DC6C80EF6A1}"/>
+                <a16:creationId xmlns:a16="http://schemas.microsoft.com/office/drawing/2014/main" id="{17DF7405-7712-47FD-B5D8-6385DB916825}"/>
               </a:ext>
             </a:extLst>
           </p:cNvPr>
@@ -4086,17 +5676,17 @@
           <a:p>
             <a:r>
               <a:rPr lang="en-GB" dirty="0"/>
-              <a:t>Project management board: Kanban</a:t>
-            </a:r>
-          </a:p>
-        </p:txBody>
-      </p:sp>
-      <p:sp>
-        <p:nvSpPr>
-          <p:cNvPr id="6" name="Content Placeholder 2">
+              <a:t>Scope</a:t>
+            </a:r>
+          </a:p>
+        </p:txBody>
+      </p:sp>
+      <p:sp>
+        <p:nvSpPr>
+          <p:cNvPr id="3" name="Content Placeholder 2">
             <a:extLst>
               <a:ext uri="{FF2B5EF4-FFF2-40B4-BE49-F238E27FC236}">
-                <a16:creationId xmlns:a16="http://schemas.microsoft.com/office/drawing/2014/main" id="{C22AEF2B-9707-4BEB-A187-474C91F95608}"/>
+                <a16:creationId xmlns:a16="http://schemas.microsoft.com/office/drawing/2014/main" id="{EB5CA05E-3598-4C75-993A-C9FF53B2435F}"/>
               </a:ext>
             </a:extLst>
           </p:cNvPr>
@@ -4107,63 +5697,144 @@
             <p:ph idx="1"/>
           </p:nvPr>
         </p:nvSpPr>
-        <p:spPr>
-          <a:xfrm>
-            <a:off x="6934200" y="1845734"/>
-            <a:ext cx="4221480" cy="4023360"/>
-          </a:xfrm>
-        </p:spPr>
-        <p:txBody>
-          <a:bodyPr/>
-          <a:lstStyle/>
-          <a:p>
-            <a:r>
-              <a:rPr lang="en-GB" dirty="0"/>
-              <a:t>At the start of the day I would create a sprint and work on it throughout the day until marking it as done.</a:t>
-            </a:r>
-          </a:p>
-        </p:txBody>
-      </p:sp>
-      <p:pic>
-        <p:nvPicPr>
-          <p:cNvPr id="4" name="Picture 3">
-            <a:extLst>
-              <a:ext uri="{FF2B5EF4-FFF2-40B4-BE49-F238E27FC236}">
-                <a16:creationId xmlns:a16="http://schemas.microsoft.com/office/drawing/2014/main" id="{3C7644CC-C9FD-464D-83B4-9EA14C59F822}"/>
-              </a:ext>
-            </a:extLst>
-          </p:cNvPr>
-          <p:cNvPicPr>
-            <a:picLocks noChangeAspect="1"/>
-          </p:cNvPicPr>
-          <p:nvPr/>
-        </p:nvPicPr>
-        <p:blipFill>
-          <a:blip r:embed="rId2">
-            <a:extLst>
-              <a:ext uri="{28A0092B-C50C-407E-A947-70E740481C1C}">
-                <a14:useLocalDpi xmlns:a14="http://schemas.microsoft.com/office/drawing/2010/main" val="0"/>
-              </a:ext>
-            </a:extLst>
-          </a:blip>
-          <a:stretch>
-            <a:fillRect/>
-          </a:stretch>
-        </p:blipFill>
-        <p:spPr>
-          <a:xfrm>
-            <a:off x="854204" y="1796356"/>
-            <a:ext cx="4936996" cy="4283646"/>
-          </a:xfrm>
-          <a:prstGeom prst="rect">
-            <a:avLst/>
-          </a:prstGeom>
-        </p:spPr>
-      </p:pic>
+        <p:spPr/>
+        <p:txBody>
+          <a:bodyPr>
+            <a:normAutofit/>
+          </a:bodyPr>
+          <a:lstStyle/>
+          <a:p>
+            <a:pPr>
+              <a:buFont typeface="Wingdings" panose="05000000000000000000" pitchFamily="2" charset="2"/>
+              <a:buChar char="q"/>
+            </a:pPr>
+            <a:r>
+              <a:rPr lang="en-GB" sz="1700" dirty="0"/>
+              <a:t> A </a:t>
+            </a:r>
+            <a:r>
+              <a:rPr lang="en-GB" sz="1700" b="1" dirty="0"/>
+              <a:t>risk assessment </a:t>
+            </a:r>
+            <a:r>
+              <a:rPr lang="en-GB" sz="1700" dirty="0"/>
+              <a:t>which outlines the issues and risks faced during the project timeframe</a:t>
+            </a:r>
+          </a:p>
+          <a:p>
+            <a:pPr>
+              <a:buFont typeface="Wingdings" panose="05000000000000000000" pitchFamily="2" charset="2"/>
+              <a:buChar char="q"/>
+            </a:pPr>
+            <a:r>
+              <a:rPr lang="en-GB" sz="1700" dirty="0"/>
+              <a:t> Code fully integrated into a </a:t>
+            </a:r>
+            <a:r>
+              <a:rPr lang="en-GB" sz="1700" b="1" dirty="0"/>
+              <a:t>Version Control System</a:t>
+            </a:r>
+          </a:p>
+          <a:p>
+            <a:pPr>
+              <a:buFont typeface="Wingdings" panose="05000000000000000000" pitchFamily="2" charset="2"/>
+              <a:buChar char="q"/>
+            </a:pPr>
+            <a:r>
+              <a:rPr lang="en-GB" sz="1700" dirty="0"/>
+              <a:t> </a:t>
+            </a:r>
+            <a:r>
+              <a:rPr lang="en-GB" sz="1700" dirty="0">
+                <a:highlight>
+                  <a:srgbClr val="FFFF00"/>
+                </a:highlight>
+              </a:rPr>
+              <a:t>A </a:t>
+            </a:r>
+            <a:r>
+              <a:rPr lang="en-GB" sz="1700" b="1" dirty="0">
+                <a:highlight>
+                  <a:srgbClr val="FFFF00"/>
+                </a:highlight>
+              </a:rPr>
+              <a:t>project management board</a:t>
+            </a:r>
+          </a:p>
+          <a:p>
+            <a:pPr>
+              <a:buFont typeface="Wingdings" panose="05000000000000000000" pitchFamily="2" charset="2"/>
+              <a:buChar char="q"/>
+            </a:pPr>
+            <a:r>
+              <a:rPr lang="en-GB" sz="1700" dirty="0"/>
+              <a:t> A </a:t>
+            </a:r>
+            <a:r>
+              <a:rPr lang="en-GB" sz="1700" b="1" dirty="0"/>
+              <a:t>relational database </a:t>
+            </a:r>
+            <a:r>
+              <a:rPr lang="en-GB" sz="1700" dirty="0"/>
+              <a:t>used to persist data for the project</a:t>
+            </a:r>
+          </a:p>
+          <a:p>
+            <a:pPr>
+              <a:buFont typeface="Wingdings" panose="05000000000000000000" pitchFamily="2" charset="2"/>
+              <a:buChar char="q"/>
+            </a:pPr>
+            <a:r>
+              <a:rPr lang="en-GB" sz="1700" dirty="0"/>
+              <a:t> A functional application </a:t>
+            </a:r>
+            <a:r>
+              <a:rPr lang="en-GB" sz="1700" b="1" dirty="0"/>
+              <a:t>back-end</a:t>
+            </a:r>
+            <a:endParaRPr lang="en-GB" sz="1700" dirty="0"/>
+          </a:p>
+          <a:p>
+            <a:pPr>
+              <a:buFont typeface="Wingdings" panose="05000000000000000000" pitchFamily="2" charset="2"/>
+              <a:buChar char="q"/>
+            </a:pPr>
+            <a:r>
+              <a:rPr lang="en-GB" sz="1700" dirty="0"/>
+              <a:t> A </a:t>
+            </a:r>
+            <a:r>
+              <a:rPr lang="en-GB" sz="1700" b="1" dirty="0"/>
+              <a:t>build</a:t>
+            </a:r>
+            <a:r>
+              <a:rPr lang="en-GB" sz="1700" dirty="0"/>
+              <a:t> of the application</a:t>
+            </a:r>
+          </a:p>
+          <a:p>
+            <a:pPr>
+              <a:buFont typeface="Wingdings" panose="05000000000000000000" pitchFamily="2" charset="2"/>
+              <a:buChar char="q"/>
+            </a:pPr>
+            <a:r>
+              <a:rPr lang="en-GB" sz="1700" b="1" dirty="0"/>
+              <a:t> Unit tests </a:t>
+            </a:r>
+            <a:r>
+              <a:rPr lang="en-GB" sz="1700" dirty="0"/>
+              <a:t>for validation of the application</a:t>
+            </a:r>
+          </a:p>
+          <a:p>
+            <a:endParaRPr lang="en-GB" dirty="0"/>
+          </a:p>
+        </p:txBody>
+      </p:sp>
     </p:spTree>
     <p:extLst>
       <p:ext uri="{BB962C8B-B14F-4D97-AF65-F5344CB8AC3E}">
-        <p14:creationId xmlns:p14="http://schemas.microsoft.com/office/powerpoint/2010/main" val="2652692294"/>
+        <p14:creationId xmlns:p14="http://schemas.microsoft.com/office/powerpoint/2010/main" val="4201891913"/>
       </p:ext>
     </p:extLst>
   </p:cSld>
@@ -4220,10 +5891,10 @@
       </p:sp>
       <p:sp>
         <p:nvSpPr>
-          <p:cNvPr id="6" name="Content Placeholder 2">
+          <p:cNvPr id="7" name="Text Placeholder 6">
             <a:extLst>
               <a:ext uri="{FF2B5EF4-FFF2-40B4-BE49-F238E27FC236}">
-                <a16:creationId xmlns:a16="http://schemas.microsoft.com/office/drawing/2014/main" id="{C22AEF2B-9707-4BEB-A187-474C91F95608}"/>
+                <a16:creationId xmlns:a16="http://schemas.microsoft.com/office/drawing/2014/main" id="{FC5F67A3-B7E1-409C-962D-42E7F84FD1AD}"/>
               </a:ext>
             </a:extLst>
           </p:cNvPr>
@@ -4231,67 +5902,41 @@
             <a:spLocks noGrp="1"/>
           </p:cNvSpPr>
           <p:nvPr>
-            <p:ph idx="1"/>
-          </p:nvPr>
-        </p:nvSpPr>
-        <p:spPr>
-          <a:xfrm>
-            <a:off x="6934200" y="1845734"/>
-            <a:ext cx="4221480" cy="4023360"/>
-          </a:xfrm>
-        </p:spPr>
+            <p:ph type="body" sz="half" idx="2"/>
+          </p:nvPr>
+        </p:nvSpPr>
+        <p:spPr/>
         <p:txBody>
           <a:bodyPr/>
           <a:lstStyle/>
           <a:p>
+            <a:pPr marL="285750" indent="-285750">
+              <a:buFont typeface="Wingdings" panose="05000000000000000000" pitchFamily="2" charset="2"/>
+              <a:buChar char="Ø"/>
+            </a:pPr>
             <a:r>
               <a:rPr lang="en-GB" dirty="0"/>
-              <a:t>The following epics were created:</a:t>
-            </a:r>
-          </a:p>
-          <a:p>
-            <a:pPr lvl="1"/>
+              <a:t>To effectively manage my project, an Agile approach was adopted.</a:t>
+            </a:r>
+          </a:p>
+          <a:p>
+            <a:pPr marL="285750" indent="-285750">
+              <a:buFont typeface="Wingdings" panose="05000000000000000000" pitchFamily="2" charset="2"/>
+              <a:buChar char="Ø"/>
+            </a:pPr>
             <a:r>
               <a:rPr lang="en-GB" dirty="0"/>
-              <a:t>CRUD functionality</a:t>
-            </a:r>
-          </a:p>
-          <a:p>
-            <a:pPr lvl="1"/>
+              <a:t>A Kanban board (a feature of Jira) was used to manage the project.</a:t>
+            </a:r>
+          </a:p>
+          <a:p>
+            <a:pPr marL="285750" indent="-285750">
+              <a:buFont typeface="Wingdings" panose="05000000000000000000" pitchFamily="2" charset="2"/>
+              <a:buChar char="Ø"/>
+            </a:pPr>
             <a:r>
               <a:rPr lang="en-GB" dirty="0"/>
-              <a:t>Runnable jar</a:t>
-            </a:r>
-          </a:p>
-          <a:p>
-            <a:pPr lvl="1"/>
-            <a:r>
-              <a:rPr lang="en-GB" dirty="0"/>
-              <a:t>Insights</a:t>
-            </a:r>
-          </a:p>
-          <a:p>
-            <a:pPr lvl="1"/>
-            <a:r>
-              <a:rPr lang="en-GB" dirty="0"/>
-              <a:t>Order manipulation</a:t>
-            </a:r>
-          </a:p>
-          <a:p>
-            <a:pPr lvl="1"/>
-            <a:r>
-              <a:rPr lang="en-GB" dirty="0"/>
-              <a:t>Testing</a:t>
-            </a:r>
-          </a:p>
-          <a:p>
-            <a:pPr lvl="1"/>
-            <a:endParaRPr lang="en-GB" dirty="0"/>
-          </a:p>
-          <a:p>
-            <a:r>
-              <a:rPr lang="en-GB" dirty="0"/>
-              <a:t>All epics were successfully completed.</a:t>
+              <a:t>The first step of the planning was to add an exhaustive list of user stories to the backlog.</a:t>
             </a:r>
           </a:p>
           <a:p>
@@ -4301,17 +5946,19 @@
       </p:sp>
       <p:pic>
         <p:nvPicPr>
-          <p:cNvPr id="5" name="Picture 4">
+          <p:cNvPr id="8" name="Content Placeholder 7">
             <a:extLst>
               <a:ext uri="{FF2B5EF4-FFF2-40B4-BE49-F238E27FC236}">
-                <a16:creationId xmlns:a16="http://schemas.microsoft.com/office/drawing/2014/main" id="{7A95E5D1-F71E-43EB-AFE2-4EECCCA6988C}"/>
+                <a16:creationId xmlns:a16="http://schemas.microsoft.com/office/drawing/2014/main" id="{37A92C93-C30C-4C6E-B570-B9BD151121F2}"/>
               </a:ext>
             </a:extLst>
           </p:cNvPr>
           <p:cNvPicPr>
-            <a:picLocks noChangeAspect="1"/>
+            <a:picLocks noGrp="1" noChangeAspect="1"/>
           </p:cNvPicPr>
-          <p:nvPr/>
+          <p:nvPr>
+            <p:ph idx="1"/>
+          </p:nvPr>
         </p:nvPicPr>
         <p:blipFill>
           <a:blip r:embed="rId2">
@@ -4327,18 +5974,28 @@
         </p:blipFill>
         <p:spPr>
           <a:xfrm>
-            <a:off x="1441266" y="1845734"/>
-            <a:ext cx="2629267" cy="4067743"/>
+            <a:off x="4298132" y="909073"/>
+            <a:ext cx="7497812" cy="4903330"/>
           </a:xfrm>
           <a:prstGeom prst="rect">
             <a:avLst/>
           </a:prstGeom>
+          <a:ln>
+            <a:noFill/>
+          </a:ln>
+          <a:effectLst>
+            <a:outerShdw blurRad="292100" dist="139700" dir="2700000" algn="tl" rotWithShape="0">
+              <a:srgbClr val="333333">
+                <a:alpha val="65000"/>
+              </a:srgbClr>
+            </a:outerShdw>
+          </a:effectLst>
         </p:spPr>
       </p:pic>
     </p:spTree>
     <p:extLst>
       <p:ext uri="{BB962C8B-B14F-4D97-AF65-F5344CB8AC3E}">
-        <p14:creationId xmlns:p14="http://schemas.microsoft.com/office/powerpoint/2010/main" val="1534878430"/>
+        <p14:creationId xmlns:p14="http://schemas.microsoft.com/office/powerpoint/2010/main" val="4210207571"/>
       </p:ext>
     </p:extLst>
   </p:cSld>
@@ -4370,7 +6027,7 @@
           <p:cNvPr id="2" name="Title 1">
             <a:extLst>
               <a:ext uri="{FF2B5EF4-FFF2-40B4-BE49-F238E27FC236}">
-                <a16:creationId xmlns:a16="http://schemas.microsoft.com/office/drawing/2014/main" id="{3452C65C-76B0-4993-AF1C-C0364149EE70}"/>
+                <a16:creationId xmlns:a16="http://schemas.microsoft.com/office/drawing/2014/main" id="{C720BC1B-055A-40F6-8B83-9DC6C80EF6A1}"/>
               </a:ext>
             </a:extLst>
           </p:cNvPr>
@@ -4388,17 +6045,17 @@
           <a:p>
             <a:r>
               <a:rPr lang="en-GB" dirty="0"/>
-              <a:t>Sprint review</a:t>
-            </a:r>
-          </a:p>
-        </p:txBody>
-      </p:sp>
-      <p:sp>
-        <p:nvSpPr>
-          <p:cNvPr id="3" name="Content Placeholder 2">
+              <a:t>Project management board: Kanban</a:t>
+            </a:r>
+          </a:p>
+        </p:txBody>
+      </p:sp>
+      <p:sp>
+        <p:nvSpPr>
+          <p:cNvPr id="3" name="Text Placeholder 2">
             <a:extLst>
               <a:ext uri="{FF2B5EF4-FFF2-40B4-BE49-F238E27FC236}">
-                <a16:creationId xmlns:a16="http://schemas.microsoft.com/office/drawing/2014/main" id="{A368E04E-1B54-4126-8406-D4CA777AA311}"/>
+                <a16:creationId xmlns:a16="http://schemas.microsoft.com/office/drawing/2014/main" id="{0497D2A0-BCC4-4360-B823-9C48A01085E9}"/>
               </a:ext>
             </a:extLst>
           </p:cNvPr>
@@ -4406,42 +6063,147 @@
             <a:spLocks noGrp="1"/>
           </p:cNvSpPr>
           <p:nvPr>
+            <p:ph type="body" sz="half" idx="2"/>
+          </p:nvPr>
+        </p:nvSpPr>
+        <p:spPr/>
+        <p:txBody>
+          <a:bodyPr/>
+          <a:lstStyle/>
+          <a:p>
+            <a:pPr marL="285750" indent="-285750">
+              <a:buFont typeface="Wingdings" panose="05000000000000000000" pitchFamily="2" charset="2"/>
+              <a:buChar char="Ø"/>
+            </a:pPr>
+            <a:r>
+              <a:rPr lang="en-GB" dirty="0"/>
+              <a:t>The following epics were created:</a:t>
+            </a:r>
+          </a:p>
+          <a:p>
+            <a:pPr marL="628650" lvl="1" indent="-171450">
+              <a:buFont typeface="Arial" panose="020B0604020202020204" pitchFamily="34" charset="0"/>
+              <a:buChar char="•"/>
+            </a:pPr>
+            <a:r>
+              <a:rPr lang="en-GB" dirty="0"/>
+              <a:t>CRUD functionality</a:t>
+            </a:r>
+          </a:p>
+          <a:p>
+            <a:pPr marL="628650" lvl="1" indent="-171450">
+              <a:buFont typeface="Arial" panose="020B0604020202020204" pitchFamily="34" charset="0"/>
+              <a:buChar char="•"/>
+            </a:pPr>
+            <a:r>
+              <a:rPr lang="en-GB" dirty="0"/>
+              <a:t>Runnable jar</a:t>
+            </a:r>
+          </a:p>
+          <a:p>
+            <a:pPr marL="628650" lvl="1" indent="-171450">
+              <a:buFont typeface="Arial" panose="020B0604020202020204" pitchFamily="34" charset="0"/>
+              <a:buChar char="•"/>
+            </a:pPr>
+            <a:r>
+              <a:rPr lang="en-GB" dirty="0"/>
+              <a:t>Insights</a:t>
+            </a:r>
+          </a:p>
+          <a:p>
+            <a:pPr marL="628650" lvl="1" indent="-171450">
+              <a:buFont typeface="Arial" panose="020B0604020202020204" pitchFamily="34" charset="0"/>
+              <a:buChar char="•"/>
+            </a:pPr>
+            <a:r>
+              <a:rPr lang="en-GB" dirty="0"/>
+              <a:t>Order manipulation</a:t>
+            </a:r>
+          </a:p>
+          <a:p>
+            <a:pPr marL="628650" lvl="1" indent="-171450">
+              <a:buFont typeface="Arial" panose="020B0604020202020204" pitchFamily="34" charset="0"/>
+              <a:buChar char="•"/>
+            </a:pPr>
+            <a:r>
+              <a:rPr lang="en-GB" dirty="0"/>
+              <a:t>Testing</a:t>
+            </a:r>
+          </a:p>
+          <a:p>
+            <a:pPr lvl="1"/>
+            <a:endParaRPr lang="en-GB" dirty="0"/>
+          </a:p>
+          <a:p>
+            <a:pPr marL="285750" indent="-285750">
+              <a:buFont typeface="Arial" panose="020B0604020202020204" pitchFamily="34" charset="0"/>
+              <a:buChar char="•"/>
+            </a:pPr>
+            <a:r>
+              <a:rPr lang="en-GB" dirty="0"/>
+              <a:t>All epics were successfully completed</a:t>
+            </a:r>
+          </a:p>
+          <a:p>
+            <a:endParaRPr lang="en-GB" dirty="0"/>
+          </a:p>
+          <a:p>
+            <a:endParaRPr lang="en-GB" dirty="0"/>
+          </a:p>
+        </p:txBody>
+      </p:sp>
+      <p:pic>
+        <p:nvPicPr>
+          <p:cNvPr id="7" name="Content Placeholder 6">
+            <a:extLst>
+              <a:ext uri="{FF2B5EF4-FFF2-40B4-BE49-F238E27FC236}">
+                <a16:creationId xmlns:a16="http://schemas.microsoft.com/office/drawing/2014/main" id="{3C112D96-4661-415B-B770-06B371BE76B1}"/>
+              </a:ext>
+            </a:extLst>
+          </p:cNvPr>
+          <p:cNvPicPr>
+            <a:picLocks noGrp="1" noChangeAspect="1"/>
+          </p:cNvPicPr>
+          <p:nvPr>
             <p:ph idx="1"/>
           </p:nvPr>
-        </p:nvSpPr>
-        <p:spPr/>
-        <p:txBody>
-          <a:bodyPr/>
-          <a:lstStyle/>
-          <a:p>
-            <a:r>
-              <a:rPr lang="en-GB" dirty="0"/>
-              <a:t>The CRUD functionality epic for customers/orders/items was completed successfully</a:t>
-            </a:r>
-          </a:p>
-          <a:p>
-            <a:r>
-              <a:rPr lang="en-GB" dirty="0"/>
-              <a:t>I wanted to add an extra ”</a:t>
-            </a:r>
-            <a:r>
-              <a:rPr lang="en-GB" dirty="0" err="1"/>
-              <a:t>date_placed</a:t>
-            </a:r>
-            <a:r>
-              <a:rPr lang="en-GB" dirty="0"/>
-              <a:t>” feature to the orders but this sprint got left behind because it was difficult to test</a:t>
-            </a:r>
-          </a:p>
-          <a:p>
-            <a:endParaRPr lang="en-GB" dirty="0"/>
-          </a:p>
-        </p:txBody>
-      </p:sp>
+        </p:nvPicPr>
+        <p:blipFill>
+          <a:blip r:embed="rId2">
+            <a:extLst>
+              <a:ext uri="{28A0092B-C50C-407E-A947-70E740481C1C}">
+                <a14:useLocalDpi xmlns:a14="http://schemas.microsoft.com/office/drawing/2010/main" val="0"/>
+              </a:ext>
+            </a:extLst>
+          </a:blip>
+          <a:stretch>
+            <a:fillRect/>
+          </a:stretch>
+        </p:blipFill>
+        <p:spPr>
+          <a:xfrm>
+            <a:off x="6154945" y="433478"/>
+            <a:ext cx="3784186" cy="5854520"/>
+          </a:xfrm>
+          <a:prstGeom prst="rect">
+            <a:avLst/>
+          </a:prstGeom>
+          <a:ln>
+            <a:noFill/>
+          </a:ln>
+          <a:effectLst>
+            <a:outerShdw blurRad="292100" dist="139700" dir="2700000" algn="tl" rotWithShape="0">
+              <a:srgbClr val="333333">
+                <a:alpha val="65000"/>
+              </a:srgbClr>
+            </a:outerShdw>
+          </a:effectLst>
+        </p:spPr>
+      </p:pic>
     </p:spTree>
     <p:extLst>
       <p:ext uri="{BB962C8B-B14F-4D97-AF65-F5344CB8AC3E}">
-        <p14:creationId xmlns:p14="http://schemas.microsoft.com/office/powerpoint/2010/main" val="1360288338"/>
+        <p14:creationId xmlns:p14="http://schemas.microsoft.com/office/powerpoint/2010/main" val="1534878430"/>
       </p:ext>
     </p:extLst>
   </p:cSld>
@@ -4491,7 +6253,7 @@
           <a:p>
             <a:r>
               <a:rPr lang="en-GB" dirty="0"/>
-              <a:t>Sprint retrospective</a:t>
+              <a:t>Sprint review</a:t>
             </a:r>
           </a:p>
         </p:txBody>
@@ -4517,72 +6279,50 @@
           <a:bodyPr/>
           <a:lstStyle/>
           <a:p>
-            <a:r>
-              <a:rPr lang="en-GB" dirty="0" err="1"/>
-              <a:t>Utililse</a:t>
-            </a:r>
+            <a:pPr>
+              <a:buFont typeface="Wingdings" panose="05000000000000000000" pitchFamily="2" charset="2"/>
+              <a:buChar char="Ø"/>
+            </a:pPr>
             <a:r>
               <a:rPr lang="en-GB" dirty="0"/>
-              <a:t> </a:t>
-            </a:r>
-            <a:r>
-              <a:rPr lang="en-GB" b="1" dirty="0"/>
-              <a:t>.ignore </a:t>
-            </a:r>
+              <a:t>Most of the Sprints were completed successfully, though some were left behind due to difficulty or lack of time:</a:t>
+            </a:r>
+          </a:p>
+          <a:p>
+            <a:pPr lvl="1">
+              <a:buFont typeface="Wingdings" panose="05000000000000000000" pitchFamily="2" charset="2"/>
+              <a:buChar char="Ø"/>
+            </a:pPr>
             <a:r>
               <a:rPr lang="en-GB" dirty="0"/>
-              <a:t>file more often and use </a:t>
-            </a:r>
-            <a:r>
-              <a:rPr lang="en-GB" b="1" dirty="0"/>
-              <a:t>”git add x” </a:t>
-            </a:r>
+              <a:t>Customer email</a:t>
+            </a:r>
+          </a:p>
+          <a:p>
+            <a:pPr lvl="1">
+              <a:buFont typeface="Wingdings" panose="05000000000000000000" pitchFamily="2" charset="2"/>
+              <a:buChar char="Ø"/>
+            </a:pPr>
             <a:r>
               <a:rPr lang="en-GB" dirty="0"/>
-              <a:t>instead of </a:t>
-            </a:r>
-            <a:r>
-              <a:rPr lang="en-GB" b="1" dirty="0"/>
-              <a:t>“git add .”</a:t>
-            </a:r>
-          </a:p>
-          <a:p>
-            <a:pPr lvl="1"/>
+              <a:t>Orderline feature:</a:t>
+            </a:r>
+          </a:p>
+          <a:p>
+            <a:pPr lvl="2">
+              <a:buFont typeface="Wingdings" panose="05000000000000000000" pitchFamily="2" charset="2"/>
+              <a:buChar char="Ø"/>
+            </a:pPr>
             <a:r>
               <a:rPr lang="en-GB" dirty="0"/>
-              <a:t>This makes it clear which files have been changed after a commit. </a:t>
-            </a:r>
-          </a:p>
-          <a:p>
-            <a:pPr lvl="1"/>
-            <a:r>
-              <a:rPr lang="en-GB" dirty="0"/>
-              <a:t>I made the mistake of using “git add .” frequently and spotted the mistake later on in the project.</a:t>
-            </a:r>
-          </a:p>
-          <a:p>
-            <a:pPr lvl="1"/>
-            <a:endParaRPr lang="en-GB"/>
-          </a:p>
-          <a:p>
-            <a:r>
-              <a:rPr lang="en-GB"/>
-              <a:t> </a:t>
-            </a:r>
-            <a:endParaRPr lang="en-GB" dirty="0"/>
-          </a:p>
-          <a:p>
-            <a:pPr lvl="1"/>
-            <a:endParaRPr lang="en-GB" dirty="0"/>
-          </a:p>
-          <a:p>
-            <a:endParaRPr lang="en-GB" dirty="0"/>
-          </a:p>
-          <a:p>
-            <a:pPr lvl="1"/>
-            <a:endParaRPr lang="en-GB" dirty="0"/>
-          </a:p>
-          <a:p>
+              <a:t>Multiple items with the same id can be contained in one line in an order</a:t>
+            </a:r>
+          </a:p>
+          <a:p>
+            <a:pPr>
+              <a:buFont typeface="Wingdings" panose="05000000000000000000" pitchFamily="2" charset="2"/>
+              <a:buChar char="Ø"/>
+            </a:pPr>
             <a:endParaRPr lang="en-GB" dirty="0"/>
           </a:p>
         </p:txBody>
@@ -4590,7 +6330,7 @@
     </p:spTree>
     <p:extLst>
       <p:ext uri="{BB962C8B-B14F-4D97-AF65-F5344CB8AC3E}">
-        <p14:creationId xmlns:p14="http://schemas.microsoft.com/office/powerpoint/2010/main" val="2830572830"/>
+        <p14:creationId xmlns:p14="http://schemas.microsoft.com/office/powerpoint/2010/main" val="1360288338"/>
       </p:ext>
     </p:extLst>
   </p:cSld>
@@ -4668,39 +6408,75 @@
           </a:bodyPr>
           <a:lstStyle/>
           <a:p>
+            <a:pPr>
+              <a:buFont typeface="Wingdings" panose="05000000000000000000" pitchFamily="2" charset="2"/>
+              <a:buChar char="q"/>
+            </a:pPr>
             <a:r>
               <a:rPr lang="en-GB" sz="1700" dirty="0"/>
-              <a:t>• Code fully integrated into a Version Control System using the feature-branch model: master/dev/multiple features.</a:t>
-            </a:r>
-          </a:p>
-          <a:p>
+              <a:t> A </a:t>
+            </a:r>
+            <a:r>
+              <a:rPr lang="en-GB" sz="1700" b="1" dirty="0"/>
+              <a:t>risk assessment </a:t>
+            </a:r>
             <a:r>
               <a:rPr lang="en-GB" sz="1700" dirty="0"/>
-              <a:t>• A project management board with full expansion on user stories, acceptance criteria and tasks needed to complete the project.</a:t>
-            </a:r>
-          </a:p>
-          <a:p>
+              <a:t>which outlines the issues and risks faced during the project timeframe</a:t>
+            </a:r>
+          </a:p>
+          <a:p>
+            <a:pPr>
+              <a:buFont typeface="Wingdings" panose="05000000000000000000" pitchFamily="2" charset="2"/>
+              <a:buChar char="q"/>
+            </a:pPr>
             <a:r>
               <a:rPr lang="en-GB" sz="1700" dirty="0"/>
-              <a:t>• A risk assessment which outlines the issues and risks faced during the project timeframe.</a:t>
-            </a:r>
-          </a:p>
-          <a:p>
+              <a:t> Code fully integrated into a </a:t>
+            </a:r>
+            <a:r>
+              <a:rPr lang="en-GB" sz="1700" b="1" dirty="0"/>
+              <a:t>Version Control System</a:t>
+            </a:r>
+          </a:p>
+          <a:p>
+            <a:pPr>
+              <a:buFont typeface="Wingdings" panose="05000000000000000000" pitchFamily="2" charset="2"/>
+              <a:buChar char="q"/>
+            </a:pPr>
+            <a:r>
+              <a:rPr lang="en-GB" sz="1700" dirty="0"/>
+              <a:t> A </a:t>
+            </a:r>
+            <a:r>
+              <a:rPr lang="en-GB" sz="1700" b="1" dirty="0"/>
+              <a:t>project management board</a:t>
+            </a:r>
+          </a:p>
+          <a:p>
+            <a:pPr>
+              <a:buFont typeface="Wingdings" panose="05000000000000000000" pitchFamily="2" charset="2"/>
+              <a:buChar char="q"/>
+            </a:pPr>
+            <a:r>
+              <a:rPr lang="en-GB" sz="1700" dirty="0"/>
+              <a:t> </a:t>
+            </a:r>
             <a:r>
               <a:rPr lang="en-GB" sz="1700" dirty="0">
                 <a:highlight>
                   <a:srgbClr val="FFFF00"/>
                 </a:highlight>
               </a:rPr>
-              <a:t>• A relational database used to persist data for the project, containing the customers, products, orders, and </a:t>
-            </a:r>
-            <a:r>
-              <a:rPr lang="en-GB" sz="1700" dirty="0" err="1">
+              <a:t>A </a:t>
+            </a:r>
+            <a:r>
+              <a:rPr lang="en-GB" sz="1700" b="1" dirty="0">
                 <a:highlight>
                   <a:srgbClr val="FFFF00"/>
                 </a:highlight>
               </a:rPr>
-              <a:t>orders_items</a:t>
+              <a:t>relational database </a:t>
             </a:r>
             <a:r>
               <a:rPr lang="en-GB" sz="1700" dirty="0">
@@ -4708,25 +6484,54 @@
                   <a:srgbClr val="FFFF00"/>
                 </a:highlight>
               </a:rPr>
-              <a:t> tables. Relationships should be modelled using an ERD.</a:t>
-            </a:r>
-          </a:p>
-          <a:p>
+              <a:t>used to persist data for the project</a:t>
+            </a:r>
+          </a:p>
+          <a:p>
+            <a:pPr>
+              <a:buFont typeface="Wingdings" panose="05000000000000000000" pitchFamily="2" charset="2"/>
+              <a:buChar char="q"/>
+            </a:pPr>
             <a:r>
               <a:rPr lang="en-GB" sz="1700" dirty="0"/>
-              <a:t>• A functional application ‘back-end’, following best practices and design principles, in the language that you have covered during training, meeting the requirements set on your project management board.</a:t>
-            </a:r>
-          </a:p>
-          <a:p>
+              <a:t> A functional application </a:t>
+            </a:r>
+            <a:r>
+              <a:rPr lang="en-GB" sz="1700" b="1" dirty="0"/>
+              <a:t>back-end</a:t>
+            </a:r>
+            <a:endParaRPr lang="en-GB" sz="1700" dirty="0"/>
+          </a:p>
+          <a:p>
+            <a:pPr>
+              <a:buFont typeface="Wingdings" panose="05000000000000000000" pitchFamily="2" charset="2"/>
+              <a:buChar char="q"/>
+            </a:pPr>
             <a:r>
               <a:rPr lang="en-GB" sz="1700" dirty="0"/>
-              <a:t>• A build of your application, including any dependencies it might need, produced using an integrated build tool. </a:t>
-            </a:r>
-          </a:p>
-          <a:p>
+              <a:t> A </a:t>
+            </a:r>
+            <a:r>
+              <a:rPr lang="en-GB" sz="1700" b="1" dirty="0"/>
+              <a:t>build</a:t>
+            </a:r>
             <a:r>
               <a:rPr lang="en-GB" sz="1700" dirty="0"/>
-              <a:t>• Unit tests for validation of the application. You should aim to reach the industry standard of 80% test coverage.</a:t>
+              <a:t> of the application</a:t>
+            </a:r>
+          </a:p>
+          <a:p>
+            <a:pPr>
+              <a:buFont typeface="Wingdings" panose="05000000000000000000" pitchFamily="2" charset="2"/>
+              <a:buChar char="q"/>
+            </a:pPr>
+            <a:r>
+              <a:rPr lang="en-GB" sz="1700" b="1" dirty="0"/>
+              <a:t> Unit tests </a:t>
+            </a:r>
+            <a:r>
+              <a:rPr lang="en-GB" sz="1700" dirty="0"/>
+              <a:t>for validation of the application</a:t>
             </a:r>
           </a:p>
           <a:p>
@@ -4737,7 +6542,7 @@
     </p:spTree>
     <p:extLst>
       <p:ext uri="{BB962C8B-B14F-4D97-AF65-F5344CB8AC3E}">
-        <p14:creationId xmlns:p14="http://schemas.microsoft.com/office/powerpoint/2010/main" val="3038891388"/>
+        <p14:creationId xmlns:p14="http://schemas.microsoft.com/office/powerpoint/2010/main" val="111843475"/>
       </p:ext>
     </p:extLst>
   </p:cSld>
@@ -4787,7 +6592,7 @@
           <a:p>
             <a:r>
               <a:rPr lang="en-GB" dirty="0"/>
-              <a:t>Relational database: ERD model</a:t>
+              <a:t>Relational database: MySQL</a:t>
             </a:r>
           </a:p>
         </p:txBody>
@@ -4805,10 +6610,10 @@
             <a:picLocks noGrp="1" noChangeAspect="1"/>
           </p:cNvPicPr>
           <p:nvPr>
-            <p:ph idx="1"/>
+            <p:ph type="pic" idx="1"/>
           </p:nvPr>
         </p:nvPicPr>
-        <p:blipFill>
+        <p:blipFill rotWithShape="1">
           <a:blip r:embed="rId2">
             <a:extLst>
               <a:ext uri="{28A0092B-C50C-407E-A947-70E740481C1C}">
@@ -4816,17 +6621,89 @@
               </a:ext>
             </a:extLst>
           </a:blip>
-          <a:stretch>
-            <a:fillRect/>
-          </a:stretch>
+          <a:srcRect l="1904" t="18732" r="3080" b="14115"/>
+          <a:stretch/>
         </p:blipFill>
         <p:spPr>
           <a:xfrm>
-            <a:off x="50800" y="2738050"/>
-            <a:ext cx="12090400" cy="2192091"/>
+            <a:off x="107683" y="1894216"/>
+            <a:ext cx="11976634" cy="1534784"/>
           </a:xfrm>
+          <a:prstGeom prst="roundRect">
+            <a:avLst>
+              <a:gd name="adj" fmla="val 8594"/>
+            </a:avLst>
+          </a:prstGeom>
+          <a:solidFill>
+            <a:srgbClr val="FFFFFF">
+              <a:shade val="85000"/>
+            </a:srgbClr>
+          </a:solidFill>
+          <a:ln>
+            <a:noFill/>
+          </a:ln>
+          <a:effectLst>
+            <a:reflection blurRad="12700" stA="38000" endPos="28000" dist="5000" dir="5400000" sy="-100000" algn="bl" rotWithShape="0"/>
+          </a:effectLst>
         </p:spPr>
       </p:pic>
+      <p:sp>
+        <p:nvSpPr>
+          <p:cNvPr id="3" name="Text Placeholder 2">
+            <a:extLst>
+              <a:ext uri="{FF2B5EF4-FFF2-40B4-BE49-F238E27FC236}">
+                <a16:creationId xmlns:a16="http://schemas.microsoft.com/office/drawing/2014/main" id="{D5E73DBB-5B2A-4E76-BD28-B525AEF99202}"/>
+              </a:ext>
+            </a:extLst>
+          </p:cNvPr>
+          <p:cNvSpPr>
+            <a:spLocks noGrp="1"/>
+          </p:cNvSpPr>
+          <p:nvPr>
+            <p:ph type="body" sz="half" idx="2"/>
+          </p:nvPr>
+        </p:nvSpPr>
+        <p:spPr/>
+        <p:txBody>
+          <a:bodyPr>
+            <a:normAutofit fontScale="92500" lnSpcReduction="20000"/>
+          </a:bodyPr>
+          <a:lstStyle/>
+          <a:p>
+            <a:pPr marL="285750" indent="-285750">
+              <a:buFont typeface="Arial" panose="020B0604020202020204" pitchFamily="34" charset="0"/>
+              <a:buChar char="•"/>
+            </a:pPr>
+            <a:r>
+              <a:rPr lang="en-GB" sz="1200" dirty="0"/>
+              <a:t>A relational database (used to persist data for the project) was created using MySQL</a:t>
+            </a:r>
+          </a:p>
+          <a:p>
+            <a:pPr marL="285750" indent="-285750">
+              <a:buFont typeface="Arial" panose="020B0604020202020204" pitchFamily="34" charset="0"/>
+              <a:buChar char="•"/>
+            </a:pPr>
+            <a:r>
+              <a:rPr lang="en-GB" sz="1200" dirty="0"/>
+              <a:t>The above ERD diagram was implemented in the relational database</a:t>
+            </a:r>
+          </a:p>
+          <a:p>
+            <a:pPr marL="285750" indent="-285750">
+              <a:buFont typeface="Arial" panose="020B0604020202020204" pitchFamily="34" charset="0"/>
+              <a:buChar char="•"/>
+            </a:pPr>
+            <a:r>
+              <a:rPr lang="en-GB" sz="1200" dirty="0"/>
+              <a:t>An intermediary orderline table was created because mySQL does not support many-to-many relationships</a:t>
+            </a:r>
+          </a:p>
+          <a:p>
+            <a:endParaRPr lang="en-GB" dirty="0"/>
+          </a:p>
+        </p:txBody>
+      </p:sp>
     </p:spTree>
     <p:extLst>
       <p:ext uri="{BB962C8B-B14F-4D97-AF65-F5344CB8AC3E}">
@@ -4908,57 +6785,130 @@
           </a:bodyPr>
           <a:lstStyle/>
           <a:p>
+            <a:pPr>
+              <a:buFont typeface="Wingdings" panose="05000000000000000000" pitchFamily="2" charset="2"/>
+              <a:buChar char="q"/>
+            </a:pPr>
             <a:r>
               <a:rPr lang="en-GB" sz="1700" dirty="0"/>
-              <a:t>• Code fully integrated into a Version Control System using the feature-branch model: master/dev/multiple features.</a:t>
-            </a:r>
-          </a:p>
-          <a:p>
+              <a:t> A </a:t>
+            </a:r>
+            <a:r>
+              <a:rPr lang="en-GB" sz="1700" b="1" dirty="0"/>
+              <a:t>risk assessment </a:t>
+            </a:r>
             <a:r>
               <a:rPr lang="en-GB" sz="1700" dirty="0"/>
-              <a:t>• A project management board with full expansion on user stories, acceptance criteria and tasks needed to complete the project.</a:t>
-            </a:r>
-          </a:p>
-          <a:p>
+              <a:t>which outlines the issues and risks faced during the project timeframe</a:t>
+            </a:r>
+          </a:p>
+          <a:p>
+            <a:pPr>
+              <a:buFont typeface="Wingdings" panose="05000000000000000000" pitchFamily="2" charset="2"/>
+              <a:buChar char="q"/>
+            </a:pPr>
             <a:r>
               <a:rPr lang="en-GB" sz="1700" dirty="0"/>
-              <a:t>• A risk assessment which outlines the issues and risks faced during the project timeframe.</a:t>
-            </a:r>
-          </a:p>
-          <a:p>
+              <a:t> Code fully integrated into a </a:t>
+            </a:r>
+            <a:r>
+              <a:rPr lang="en-GB" sz="1700" b="1" dirty="0"/>
+              <a:t>Version Control System</a:t>
+            </a:r>
+          </a:p>
+          <a:p>
+            <a:pPr>
+              <a:buFont typeface="Wingdings" panose="05000000000000000000" pitchFamily="2" charset="2"/>
+              <a:buChar char="q"/>
+            </a:pPr>
             <a:r>
               <a:rPr lang="en-GB" sz="1700" dirty="0"/>
-              <a:t>• A relational database used to persist data for the project, containing the customers, products, orders, and </a:t>
-            </a:r>
-            <a:r>
-              <a:rPr lang="en-GB" sz="1700" dirty="0" err="1"/>
-              <a:t>orders_items</a:t>
-            </a:r>
+              <a:t> A </a:t>
+            </a:r>
+            <a:r>
+              <a:rPr lang="en-GB" sz="1700" b="1" dirty="0"/>
+              <a:t>project management board</a:t>
+            </a:r>
+          </a:p>
+          <a:p>
+            <a:pPr>
+              <a:buFont typeface="Wingdings" panose="05000000000000000000" pitchFamily="2" charset="2"/>
+              <a:buChar char="q"/>
+            </a:pPr>
             <a:r>
               <a:rPr lang="en-GB" sz="1700" dirty="0"/>
-              <a:t> tables. Relationships should be modelled using an ERD.</a:t>
-            </a:r>
-          </a:p>
-          <a:p>
+              <a:t> A </a:t>
+            </a:r>
+            <a:r>
+              <a:rPr lang="en-GB" sz="1700" b="1" dirty="0"/>
+              <a:t>relational database </a:t>
+            </a:r>
+            <a:r>
+              <a:rPr lang="en-GB" sz="1700" dirty="0"/>
+              <a:t>used to persist data for the project</a:t>
+            </a:r>
+          </a:p>
+          <a:p>
+            <a:pPr>
+              <a:buFont typeface="Wingdings" panose="05000000000000000000" pitchFamily="2" charset="2"/>
+              <a:buChar char="q"/>
+            </a:pPr>
+            <a:r>
+              <a:rPr lang="en-GB" sz="1700" dirty="0"/>
+              <a:t> </a:t>
+            </a:r>
             <a:r>
               <a:rPr lang="en-GB" sz="1700" dirty="0">
                 <a:highlight>
                   <a:srgbClr val="FFFF00"/>
                 </a:highlight>
               </a:rPr>
-              <a:t>• A functional application ‘back-end’, following best practices and design principles, in the language that you have covered during training, meeting the requirements set on your project management board.</a:t>
-            </a:r>
-          </a:p>
-          <a:p>
+              <a:t>A functional application </a:t>
+            </a:r>
+            <a:r>
+              <a:rPr lang="en-GB" sz="1700" b="1" dirty="0">
+                <a:highlight>
+                  <a:srgbClr val="FFFF00"/>
+                </a:highlight>
+              </a:rPr>
+              <a:t>back-end</a:t>
+            </a:r>
+            <a:endParaRPr lang="en-GB" sz="1700" dirty="0">
+              <a:highlight>
+                <a:srgbClr val="FFFF00"/>
+              </a:highlight>
+            </a:endParaRPr>
+          </a:p>
+          <a:p>
+            <a:pPr>
+              <a:buFont typeface="Wingdings" panose="05000000000000000000" pitchFamily="2" charset="2"/>
+              <a:buChar char="q"/>
+            </a:pPr>
             <a:r>
               <a:rPr lang="en-GB" sz="1700" dirty="0"/>
-              <a:t>• A build of your application, including any dependencies it might need, produced using an integrated build tool. </a:t>
-            </a:r>
-          </a:p>
-          <a:p>
+              <a:t> A </a:t>
+            </a:r>
+            <a:r>
+              <a:rPr lang="en-GB" sz="1700" b="1" dirty="0"/>
+              <a:t>build</a:t>
+            </a:r>
             <a:r>
               <a:rPr lang="en-GB" sz="1700" dirty="0"/>
-              <a:t>• Unit tests for validation of the application. You should aim to reach the industry standard of 80% test coverage.</a:t>
+              <a:t> of the application</a:t>
+            </a:r>
+          </a:p>
+          <a:p>
+            <a:pPr>
+              <a:buFont typeface="Wingdings" panose="05000000000000000000" pitchFamily="2" charset="2"/>
+              <a:buChar char="q"/>
+            </a:pPr>
+            <a:r>
+              <a:rPr lang="en-GB" sz="1700" b="1" dirty="0"/>
+              <a:t> Unit tests </a:t>
+            </a:r>
+            <a:r>
+              <a:rPr lang="en-GB" sz="1700" dirty="0"/>
+              <a:t>for validation of the application</a:t>
             </a:r>
           </a:p>
           <a:p>
@@ -4969,7 +6919,7 @@
     </p:spTree>
     <p:extLst>
       <p:ext uri="{BB962C8B-B14F-4D97-AF65-F5344CB8AC3E}">
-        <p14:creationId xmlns:p14="http://schemas.microsoft.com/office/powerpoint/2010/main" val="3322814738"/>
+        <p14:creationId xmlns:p14="http://schemas.microsoft.com/office/powerpoint/2010/main" val="2560833778"/>
       </p:ext>
     </p:extLst>
   </p:cSld>
@@ -5024,22 +6974,106 @@
           </a:p>
         </p:txBody>
       </p:sp>
+      <p:sp>
+        <p:nvSpPr>
+          <p:cNvPr id="7" name="Text Placeholder 6">
+            <a:extLst>
+              <a:ext uri="{FF2B5EF4-FFF2-40B4-BE49-F238E27FC236}">
+                <a16:creationId xmlns:a16="http://schemas.microsoft.com/office/drawing/2014/main" id="{27037C04-2457-4338-A931-4B4C76CED3C3}"/>
+              </a:ext>
+            </a:extLst>
+          </p:cNvPr>
+          <p:cNvSpPr>
+            <a:spLocks noGrp="1"/>
+          </p:cNvSpPr>
+          <p:nvPr>
+            <p:ph type="body" sz="half" idx="2"/>
+          </p:nvPr>
+        </p:nvSpPr>
+        <p:spPr/>
+        <p:txBody>
+          <a:bodyPr/>
+          <a:lstStyle/>
+          <a:p>
+            <a:r>
+              <a:rPr lang="en-GB" sz="1600" dirty="0"/>
+              <a:t>Good practices and design principles were followed:</a:t>
+            </a:r>
+          </a:p>
+          <a:p>
+            <a:pPr marL="285750" indent="-285750">
+              <a:buFont typeface="Arial" panose="020B0604020202020204" pitchFamily="34" charset="0"/>
+              <a:buChar char="•"/>
+            </a:pPr>
+            <a:r>
+              <a:rPr lang="en-GB" sz="1600" dirty="0" err="1"/>
+              <a:t>ObjectControllers</a:t>
+            </a:r>
+            <a:r>
+              <a:rPr lang="en-GB" sz="1600" dirty="0"/>
+              <a:t> only instantiate their own </a:t>
+            </a:r>
+            <a:r>
+              <a:rPr lang="en-GB" sz="1600" dirty="0" err="1"/>
+              <a:t>ObjectDAO</a:t>
+            </a:r>
+            <a:endParaRPr lang="en-GB" sz="1600" dirty="0"/>
+          </a:p>
+          <a:p>
+            <a:pPr marL="285750" indent="-285750">
+              <a:buFont typeface="Arial" panose="020B0604020202020204" pitchFamily="34" charset="0"/>
+              <a:buChar char="•"/>
+            </a:pPr>
+            <a:r>
+              <a:rPr lang="en-GB" sz="1600" dirty="0" err="1"/>
+              <a:t>ObjectControllers</a:t>
+            </a:r>
+            <a:r>
+              <a:rPr lang="en-GB" sz="1600" dirty="0"/>
+              <a:t> do not instantiate other </a:t>
+            </a:r>
+            <a:r>
+              <a:rPr lang="en-GB" sz="1600" dirty="0" err="1"/>
+              <a:t>ObjectControllers</a:t>
+            </a:r>
+            <a:endParaRPr lang="en-GB" sz="1600" dirty="0"/>
+          </a:p>
+          <a:p>
+            <a:pPr marL="285750" indent="-285750">
+              <a:buFont typeface="Arial" panose="020B0604020202020204" pitchFamily="34" charset="0"/>
+              <a:buChar char="•"/>
+            </a:pPr>
+            <a:r>
+              <a:rPr lang="en-GB" sz="1600" dirty="0"/>
+              <a:t>DAOs do not instantiate other DAOs</a:t>
+            </a:r>
+          </a:p>
+          <a:p>
+            <a:endParaRPr lang="en-GB" sz="1600" dirty="0"/>
+          </a:p>
+          <a:p>
+            <a:endParaRPr lang="en-GB" dirty="0"/>
+          </a:p>
+        </p:txBody>
+      </p:sp>
       <p:pic>
         <p:nvPicPr>
-          <p:cNvPr id="5" name="Picture 4">
+          <p:cNvPr id="6" name="Content Placeholder 5">
             <a:extLst>
               <a:ext uri="{FF2B5EF4-FFF2-40B4-BE49-F238E27FC236}">
-                <a16:creationId xmlns:a16="http://schemas.microsoft.com/office/drawing/2014/main" id="{C0AA39A8-6807-4940-9018-A79331A129A1}"/>
+                <a16:creationId xmlns:a16="http://schemas.microsoft.com/office/drawing/2014/main" id="{3A85A16C-C2AB-492E-BEDF-E3AB63A6BE15}"/>
               </a:ext>
             </a:extLst>
           </p:cNvPr>
           <p:cNvPicPr>
-            <a:picLocks noChangeAspect="1"/>
+            <a:picLocks noGrp="1" noChangeAspect="1"/>
           </p:cNvPicPr>
-          <p:nvPr/>
+          <p:nvPr>
+            <p:ph idx="1"/>
+          </p:nvPr>
         </p:nvPicPr>
         <p:blipFill>
-          <a:blip r:embed="rId2">
+          <a:blip r:embed="rId3">
             <a:extLst>
               <a:ext uri="{28A0092B-C50C-407E-A947-70E740481C1C}">
                 <a14:useLocalDpi xmlns:a14="http://schemas.microsoft.com/office/drawing/2010/main" val="0"/>
@@ -5052,18 +7086,28 @@
         </p:blipFill>
         <p:spPr>
           <a:xfrm>
-            <a:off x="3975321" y="1878770"/>
-            <a:ext cx="3543079" cy="4328989"/>
+            <a:off x="4359274" y="195801"/>
+            <a:ext cx="7375526" cy="6466398"/>
           </a:xfrm>
           <a:prstGeom prst="rect">
             <a:avLst/>
           </a:prstGeom>
+          <a:ln>
+            <a:noFill/>
+          </a:ln>
+          <a:effectLst>
+            <a:outerShdw blurRad="292100" dist="139700" dir="2700000" algn="tl" rotWithShape="0">
+              <a:srgbClr val="333333">
+                <a:alpha val="65000"/>
+              </a:srgbClr>
+            </a:outerShdw>
+          </a:effectLst>
         </p:spPr>
       </p:pic>
     </p:spTree>
     <p:extLst>
       <p:ext uri="{BB962C8B-B14F-4D97-AF65-F5344CB8AC3E}">
-        <p14:creationId xmlns:p14="http://schemas.microsoft.com/office/powerpoint/2010/main" val="2604005325"/>
+        <p14:creationId xmlns:p14="http://schemas.microsoft.com/office/powerpoint/2010/main" val="3889725939"/>
       </p:ext>
     </p:extLst>
   </p:cSld>
@@ -5095,7 +7139,7 @@
           <p:cNvPr id="2" name="Title 1">
             <a:extLst>
               <a:ext uri="{FF2B5EF4-FFF2-40B4-BE49-F238E27FC236}">
-                <a16:creationId xmlns:a16="http://schemas.microsoft.com/office/drawing/2014/main" id="{17DF7405-7712-47FD-B5D8-6385DB916825}"/>
+                <a16:creationId xmlns:a16="http://schemas.microsoft.com/office/drawing/2014/main" id="{81813717-0B21-4CF8-BE88-66034481BF2E}"/>
               </a:ext>
             </a:extLst>
           </p:cNvPr>
@@ -5113,96 +7157,145 @@
           <a:p>
             <a:r>
               <a:rPr lang="en-GB" dirty="0"/>
-              <a:t>Scope</a:t>
-            </a:r>
-          </a:p>
-        </p:txBody>
-      </p:sp>
-      <p:sp>
-        <p:nvSpPr>
-          <p:cNvPr id="3" name="Content Placeholder 2">
+              <a:t>Extra features</a:t>
+            </a:r>
+          </a:p>
+        </p:txBody>
+      </p:sp>
+      <p:pic>
+        <p:nvPicPr>
+          <p:cNvPr id="6" name="Content Placeholder 5">
             <a:extLst>
               <a:ext uri="{FF2B5EF4-FFF2-40B4-BE49-F238E27FC236}">
-                <a16:creationId xmlns:a16="http://schemas.microsoft.com/office/drawing/2014/main" id="{EB5CA05E-3598-4C75-993A-C9FF53B2435F}"/>
+                <a16:creationId xmlns:a16="http://schemas.microsoft.com/office/drawing/2014/main" id="{A9443D8D-1157-461F-B557-9D5061C7C2B1}"/>
               </a:ext>
             </a:extLst>
           </p:cNvPr>
-          <p:cNvSpPr>
-            <a:spLocks noGrp="1"/>
-          </p:cNvSpPr>
+          <p:cNvPicPr>
+            <a:picLocks noGrp="1" noChangeAspect="1"/>
+          </p:cNvPicPr>
           <p:nvPr>
             <p:ph idx="1"/>
           </p:nvPr>
+        </p:nvPicPr>
+        <p:blipFill>
+          <a:blip r:embed="rId2"/>
+          <a:stretch>
+            <a:fillRect/>
+          </a:stretch>
+        </p:blipFill>
+        <p:spPr>
+          <a:xfrm>
+            <a:off x="5065712" y="2255838"/>
+            <a:ext cx="5962650" cy="2209800"/>
+          </a:xfrm>
+          <a:prstGeom prst="rect">
+            <a:avLst/>
+          </a:prstGeom>
+          <a:ln>
+            <a:noFill/>
+          </a:ln>
+          <a:effectLst>
+            <a:outerShdw blurRad="292100" dist="139700" dir="2700000" algn="tl" rotWithShape="0">
+              <a:srgbClr val="333333">
+                <a:alpha val="65000"/>
+              </a:srgbClr>
+            </a:outerShdw>
+          </a:effectLst>
+        </p:spPr>
+      </p:pic>
+      <p:sp>
+        <p:nvSpPr>
+          <p:cNvPr id="4" name="Text Placeholder 3">
+            <a:extLst>
+              <a:ext uri="{FF2B5EF4-FFF2-40B4-BE49-F238E27FC236}">
+                <a16:creationId xmlns:a16="http://schemas.microsoft.com/office/drawing/2014/main" id="{A16A7B20-1D7F-494C-8F7F-898C87CAEF0F}"/>
+              </a:ext>
+            </a:extLst>
+          </p:cNvPr>
+          <p:cNvSpPr>
+            <a:spLocks noGrp="1"/>
+          </p:cNvSpPr>
+          <p:nvPr>
+            <p:ph type="body" sz="half" idx="2"/>
+          </p:nvPr>
         </p:nvSpPr>
         <p:spPr/>
         <p:txBody>
-          <a:bodyPr>
-            <a:normAutofit/>
-          </a:bodyPr>
-          <a:lstStyle/>
-          <a:p>
-            <a:r>
-              <a:rPr lang="en-GB" sz="1700" dirty="0"/>
-              <a:t>• Code fully integrated into a Version Control System using the feature-branch model: master/dev/multiple features.</a:t>
-            </a:r>
-          </a:p>
-          <a:p>
-            <a:r>
-              <a:rPr lang="en-GB" sz="1700" dirty="0"/>
-              <a:t>• A project management board with full expansion on user stories, acceptance criteria and tasks needed to complete the project.</a:t>
-            </a:r>
-          </a:p>
-          <a:p>
-            <a:r>
-              <a:rPr lang="en-GB" sz="1700" dirty="0"/>
-              <a:t>• A risk assessment which outlines the issues and risks faced during the project timeframe.</a:t>
-            </a:r>
-          </a:p>
-          <a:p>
-            <a:r>
-              <a:rPr lang="en-GB" sz="1700" dirty="0"/>
-              <a:t>• A relational database used to persist data for the project, containing the customers, products, orders, and </a:t>
-            </a:r>
-            <a:r>
-              <a:rPr lang="en-GB" sz="1700" dirty="0" err="1"/>
-              <a:t>orders_items</a:t>
-            </a:r>
-            <a:r>
-              <a:rPr lang="en-GB" sz="1700" dirty="0"/>
-              <a:t> tables. Relationships should be modelled using an ERD.</a:t>
-            </a:r>
-          </a:p>
-          <a:p>
-            <a:r>
-              <a:rPr lang="en-GB" sz="1700" dirty="0"/>
-              <a:t>• A functional application ‘back-end’, following best practices and design principles, in the language that you have covered during training, meeting the requirements set on your project management board.</a:t>
-            </a:r>
-          </a:p>
-          <a:p>
-            <a:r>
-              <a:rPr lang="en-GB" sz="1700" dirty="0">
-                <a:highlight>
-                  <a:srgbClr val="FFFF00"/>
-                </a:highlight>
+          <a:bodyPr/>
+          <a:lstStyle/>
+          <a:p>
+            <a:pPr marL="285750" indent="-285750">
+              <a:buFont typeface="Arial" panose="020B0604020202020204" pitchFamily="34" charset="0"/>
+              <a:buChar char="•"/>
+            </a:pPr>
+            <a:r>
+              <a:rPr lang="en-GB" dirty="0"/>
+              <a:t>When updating an order, the following extra features have been implemented:</a:t>
+            </a:r>
+          </a:p>
+          <a:p>
+            <a:pPr marL="285750" indent="-285750">
+              <a:buFont typeface="Arial" panose="020B0604020202020204" pitchFamily="34" charset="0"/>
+              <a:buChar char="•"/>
+            </a:pPr>
+            <a:r>
+              <a:rPr lang="en-GB" dirty="0">
+                <a:solidFill>
+                  <a:schemeClr val="tx1"/>
+                </a:solidFill>
               </a:rPr>
-              <a:t>• A build of your application, including any dependencies it might need, produced using an integrated build tool. </a:t>
-            </a:r>
-          </a:p>
-          <a:p>
-            <a:r>
-              <a:rPr lang="en-GB" sz="1700" dirty="0"/>
-              <a:t>• Unit tests for validation of the application. You should aim to reach the industry standard of 80% test coverage.</a:t>
-            </a:r>
-          </a:p>
-          <a:p>
-            <a:endParaRPr lang="en-GB" dirty="0"/>
+              <a:t>Stock:</a:t>
+            </a:r>
+          </a:p>
+          <a:p>
+            <a:pPr marL="742950" lvl="1" indent="-285750">
+              <a:buFont typeface="Arial" panose="020B0604020202020204" pitchFamily="34" charset="0"/>
+              <a:buChar char="•"/>
+            </a:pPr>
+            <a:r>
+              <a:rPr lang="en-GB" dirty="0">
+                <a:solidFill>
+                  <a:schemeClr val="bg1"/>
+                </a:solidFill>
+              </a:rPr>
+              <a:t>An item is not added to an order if the quantity required exceeds the item stock</a:t>
+            </a:r>
+          </a:p>
+          <a:p>
+            <a:pPr marL="285750" indent="-285750">
+              <a:buFont typeface="Arial" panose="020B0604020202020204" pitchFamily="34" charset="0"/>
+              <a:buChar char="•"/>
+            </a:pPr>
+            <a:r>
+              <a:rPr lang="en-GB" dirty="0">
+                <a:solidFill>
+                  <a:schemeClr val="tx1"/>
+                </a:solidFill>
+              </a:rPr>
+              <a:t>DateTime:</a:t>
+            </a:r>
+          </a:p>
+          <a:p>
+            <a:pPr marL="742950" lvl="1" indent="-285750">
+              <a:buFont typeface="Arial" panose="020B0604020202020204" pitchFamily="34" charset="0"/>
+              <a:buChar char="•"/>
+            </a:pPr>
+            <a:r>
+              <a:rPr lang="en-GB" dirty="0">
+                <a:solidFill>
+                  <a:schemeClr val="bg1"/>
+                </a:solidFill>
+              </a:rPr>
+              <a:t>Each time an item is added to or deleted from an order, the date and time for that order is updated</a:t>
+            </a:r>
           </a:p>
         </p:txBody>
       </p:sp>
     </p:spTree>
     <p:extLst>
       <p:ext uri="{BB962C8B-B14F-4D97-AF65-F5344CB8AC3E}">
-        <p14:creationId xmlns:p14="http://schemas.microsoft.com/office/powerpoint/2010/main" val="2945754879"/>
+        <p14:creationId xmlns:p14="http://schemas.microsoft.com/office/powerpoint/2010/main" val="1047626363"/>
       </p:ext>
     </p:extLst>
   </p:cSld>
@@ -5344,7 +7437,7 @@
           <p:cNvPr id="2" name="Title 1">
             <a:extLst>
               <a:ext uri="{FF2B5EF4-FFF2-40B4-BE49-F238E27FC236}">
-                <a16:creationId xmlns:a16="http://schemas.microsoft.com/office/drawing/2014/main" id="{3E6B4067-F3A5-4405-A55D-A43F49B7C911}"/>
+                <a16:creationId xmlns:a16="http://schemas.microsoft.com/office/drawing/2014/main" id="{17DF7405-7712-47FD-B5D8-6385DB916825}"/>
               </a:ext>
             </a:extLst>
           </p:cNvPr>
@@ -5362,7 +7455,7 @@
           <a:p>
             <a:r>
               <a:rPr lang="en-GB" dirty="0"/>
-              <a:t>Build of application: fat .jar</a:t>
+              <a:t>Scope</a:t>
             </a:r>
           </a:p>
         </p:txBody>
@@ -5372,7 +7465,7 @@
           <p:cNvPr id="3" name="Content Placeholder 2">
             <a:extLst>
               <a:ext uri="{FF2B5EF4-FFF2-40B4-BE49-F238E27FC236}">
-                <a16:creationId xmlns:a16="http://schemas.microsoft.com/office/drawing/2014/main" id="{8444611C-A189-4099-93B6-ED89EA93D4D1}"/>
+                <a16:creationId xmlns:a16="http://schemas.microsoft.com/office/drawing/2014/main" id="{EB5CA05E-3598-4C75-993A-C9FF53B2435F}"/>
               </a:ext>
             </a:extLst>
           </p:cNvPr>
@@ -5385,20 +7478,146 @@
         </p:nvSpPr>
         <p:spPr/>
         <p:txBody>
-          <a:bodyPr/>
-          <a:lstStyle/>
-          <a:p>
-            <a:r>
-              <a:rPr lang="en-GB" dirty="0"/>
-              <a:t>I will now provide a demonstration of the application and its features.</a:t>
-            </a:r>
+          <a:bodyPr>
+            <a:normAutofit/>
+          </a:bodyPr>
+          <a:lstStyle/>
+          <a:p>
+            <a:pPr>
+              <a:buFont typeface="Wingdings" panose="05000000000000000000" pitchFamily="2" charset="2"/>
+              <a:buChar char="q"/>
+            </a:pPr>
+            <a:r>
+              <a:rPr lang="en-GB" sz="1700" dirty="0"/>
+              <a:t> A </a:t>
+            </a:r>
+            <a:r>
+              <a:rPr lang="en-GB" sz="1700" b="1" dirty="0"/>
+              <a:t>risk assessment </a:t>
+            </a:r>
+            <a:r>
+              <a:rPr lang="en-GB" sz="1700" dirty="0"/>
+              <a:t>which outlines the issues and risks faced during the project timeframe</a:t>
+            </a:r>
+          </a:p>
+          <a:p>
+            <a:pPr>
+              <a:buFont typeface="Wingdings" panose="05000000000000000000" pitchFamily="2" charset="2"/>
+              <a:buChar char="q"/>
+            </a:pPr>
+            <a:r>
+              <a:rPr lang="en-GB" sz="1700" dirty="0"/>
+              <a:t> Code fully integrated into a </a:t>
+            </a:r>
+            <a:r>
+              <a:rPr lang="en-GB" sz="1700" b="1" dirty="0"/>
+              <a:t>Version Control System</a:t>
+            </a:r>
+          </a:p>
+          <a:p>
+            <a:pPr>
+              <a:buFont typeface="Wingdings" panose="05000000000000000000" pitchFamily="2" charset="2"/>
+              <a:buChar char="q"/>
+            </a:pPr>
+            <a:r>
+              <a:rPr lang="en-GB" sz="1700" dirty="0"/>
+              <a:t> A </a:t>
+            </a:r>
+            <a:r>
+              <a:rPr lang="en-GB" sz="1700" b="1" dirty="0"/>
+              <a:t>project management board</a:t>
+            </a:r>
+          </a:p>
+          <a:p>
+            <a:pPr>
+              <a:buFont typeface="Wingdings" panose="05000000000000000000" pitchFamily="2" charset="2"/>
+              <a:buChar char="q"/>
+            </a:pPr>
+            <a:r>
+              <a:rPr lang="en-GB" sz="1700" dirty="0"/>
+              <a:t> A </a:t>
+            </a:r>
+            <a:r>
+              <a:rPr lang="en-GB" sz="1700" b="1" dirty="0"/>
+              <a:t>relational database </a:t>
+            </a:r>
+            <a:r>
+              <a:rPr lang="en-GB" sz="1700" dirty="0"/>
+              <a:t>used to persist data for the project</a:t>
+            </a:r>
+          </a:p>
+          <a:p>
+            <a:pPr>
+              <a:buFont typeface="Wingdings" panose="05000000000000000000" pitchFamily="2" charset="2"/>
+              <a:buChar char="q"/>
+            </a:pPr>
+            <a:r>
+              <a:rPr lang="en-GB" sz="1700" dirty="0"/>
+              <a:t> A functional application </a:t>
+            </a:r>
+            <a:r>
+              <a:rPr lang="en-GB" sz="1700" b="1" dirty="0"/>
+              <a:t>back-end</a:t>
+            </a:r>
+            <a:endParaRPr lang="en-GB" sz="1700" dirty="0"/>
+          </a:p>
+          <a:p>
+            <a:pPr>
+              <a:buFont typeface="Wingdings" panose="05000000000000000000" pitchFamily="2" charset="2"/>
+              <a:buChar char="q"/>
+            </a:pPr>
+            <a:r>
+              <a:rPr lang="en-GB" sz="1700" dirty="0"/>
+              <a:t> </a:t>
+            </a:r>
+            <a:r>
+              <a:rPr lang="en-GB" sz="1700" dirty="0">
+                <a:highlight>
+                  <a:srgbClr val="FFFF00"/>
+                </a:highlight>
+              </a:rPr>
+              <a:t>A </a:t>
+            </a:r>
+            <a:r>
+              <a:rPr lang="en-GB" sz="1700" b="1" dirty="0">
+                <a:highlight>
+                  <a:srgbClr val="FFFF00"/>
+                </a:highlight>
+              </a:rPr>
+              <a:t>build</a:t>
+            </a:r>
+            <a:r>
+              <a:rPr lang="en-GB" sz="1700" dirty="0">
+                <a:highlight>
+                  <a:srgbClr val="FFFF00"/>
+                </a:highlight>
+              </a:rPr>
+              <a:t> of the application</a:t>
+            </a:r>
+          </a:p>
+          <a:p>
+            <a:pPr>
+              <a:buFont typeface="Wingdings" panose="05000000000000000000" pitchFamily="2" charset="2"/>
+              <a:buChar char="q"/>
+            </a:pPr>
+            <a:r>
+              <a:rPr lang="en-GB" sz="1700" b="1" dirty="0"/>
+              <a:t> Unit tests </a:t>
+            </a:r>
+            <a:r>
+              <a:rPr lang="en-GB" sz="1700" dirty="0"/>
+              <a:t>for validation of the application</a:t>
+            </a:r>
+          </a:p>
+          <a:p>
+            <a:endParaRPr lang="en-GB" dirty="0"/>
           </a:p>
         </p:txBody>
       </p:sp>
     </p:spTree>
     <p:extLst>
       <p:ext uri="{BB962C8B-B14F-4D97-AF65-F5344CB8AC3E}">
-        <p14:creationId xmlns:p14="http://schemas.microsoft.com/office/powerpoint/2010/main" val="2310478005"/>
+        <p14:creationId xmlns:p14="http://schemas.microsoft.com/office/powerpoint/2010/main" val="1132285137"/>
       </p:ext>
     </p:extLst>
   </p:cSld>
@@ -5430,7 +7649,7 @@
           <p:cNvPr id="2" name="Title 1">
             <a:extLst>
               <a:ext uri="{FF2B5EF4-FFF2-40B4-BE49-F238E27FC236}">
-                <a16:creationId xmlns:a16="http://schemas.microsoft.com/office/drawing/2014/main" id="{17DF7405-7712-47FD-B5D8-6385DB916825}"/>
+                <a16:creationId xmlns:a16="http://schemas.microsoft.com/office/drawing/2014/main" id="{3E6B4067-F3A5-4405-A55D-A43F49B7C911}"/>
               </a:ext>
             </a:extLst>
           </p:cNvPr>
@@ -5448,7 +7667,7 @@
           <a:p>
             <a:r>
               <a:rPr lang="en-GB" dirty="0"/>
-              <a:t>Scope</a:t>
+              <a:t>Build of application: Maven</a:t>
             </a:r>
           </a:p>
         </p:txBody>
@@ -5458,7 +7677,7 @@
           <p:cNvPr id="3" name="Content Placeholder 2">
             <a:extLst>
               <a:ext uri="{FF2B5EF4-FFF2-40B4-BE49-F238E27FC236}">
-                <a16:creationId xmlns:a16="http://schemas.microsoft.com/office/drawing/2014/main" id="{EB5CA05E-3598-4C75-993A-C9FF53B2435F}"/>
+                <a16:creationId xmlns:a16="http://schemas.microsoft.com/office/drawing/2014/main" id="{8444611C-A189-4099-93B6-ED89EA93D4D1}"/>
               </a:ext>
             </a:extLst>
           </p:cNvPr>
@@ -5471,73 +7690,64 @@
         </p:nvSpPr>
         <p:spPr/>
         <p:txBody>
-          <a:bodyPr>
-            <a:normAutofit/>
-          </a:bodyPr>
-          <a:lstStyle/>
-          <a:p>
-            <a:r>
-              <a:rPr lang="en-GB" sz="1700" dirty="0"/>
-              <a:t>• Code fully integrated into a Version Control System using the feature-branch model: master/dev/multiple features.</a:t>
-            </a:r>
-          </a:p>
-          <a:p>
-            <a:r>
-              <a:rPr lang="en-GB" sz="1700" dirty="0"/>
-              <a:t>• A project management board with full expansion on user stories, acceptance criteria and tasks needed to complete the project.</a:t>
-            </a:r>
-          </a:p>
-          <a:p>
-            <a:r>
-              <a:rPr lang="en-GB" sz="1700" dirty="0"/>
-              <a:t>• A risk assessment which outlines the issues and risks faced during the project timeframe.</a:t>
-            </a:r>
-          </a:p>
-          <a:p>
-            <a:r>
-              <a:rPr lang="en-GB" sz="1700" dirty="0"/>
-              <a:t>• A relational database used to persist data for the project, containing the customers, products, orders, and </a:t>
-            </a:r>
-            <a:r>
-              <a:rPr lang="en-GB" sz="1700" dirty="0" err="1"/>
-              <a:t>orders_items</a:t>
-            </a:r>
-            <a:r>
-              <a:rPr lang="en-GB" sz="1700" dirty="0"/>
-              <a:t> tables. Relationships should be modelled using an ERD.</a:t>
-            </a:r>
-          </a:p>
-          <a:p>
-            <a:r>
-              <a:rPr lang="en-GB" sz="1700" dirty="0"/>
-              <a:t>• A functional application ‘back-end’, following best practices and design principles, in the language that you have covered during training, meeting the requirements set on your project management board.</a:t>
-            </a:r>
-          </a:p>
-          <a:p>
-            <a:r>
-              <a:rPr lang="en-GB" sz="1700" dirty="0"/>
-              <a:t>• A build of your application, including any dependencies it might need, produced using an integrated build tool. </a:t>
-            </a:r>
-          </a:p>
-          <a:p>
-            <a:r>
-              <a:rPr lang="en-GB" sz="1700" dirty="0">
-                <a:highlight>
-                  <a:srgbClr val="FFFF00"/>
-                </a:highlight>
-              </a:rPr>
-              <a:t>• Unit tests for validation of the application. You should aim to reach the industry standard of 80% test coverage.</a:t>
-            </a:r>
-          </a:p>
-          <a:p>
-            <a:endParaRPr lang="en-GB" dirty="0"/>
+          <a:bodyPr/>
+          <a:lstStyle/>
+          <a:p>
+            <a:pPr>
+              <a:buFont typeface="Wingdings" panose="05000000000000000000" pitchFamily="2" charset="2"/>
+              <a:buChar char="Ø"/>
+            </a:pPr>
+            <a:r>
+              <a:rPr lang="en-GB" dirty="0"/>
+              <a:t>The application was built using the build tool Maven.</a:t>
+            </a:r>
+          </a:p>
+          <a:p>
+            <a:pPr>
+              <a:buFont typeface="Wingdings" panose="05000000000000000000" pitchFamily="2" charset="2"/>
+              <a:buChar char="Ø"/>
+            </a:pPr>
+            <a:r>
+              <a:rPr lang="en-GB" dirty="0"/>
+              <a:t>I will now demonstrate the following user stories in the application:</a:t>
+            </a:r>
+          </a:p>
+          <a:p>
+            <a:pPr lvl="1">
+              <a:buFont typeface="Wingdings" panose="05000000000000000000" pitchFamily="2" charset="2"/>
+              <a:buChar char="Ø"/>
+            </a:pPr>
+            <a:r>
+              <a:rPr lang="en-GB" dirty="0"/>
+              <a:t>As a user, I want to create an order</a:t>
+            </a:r>
+          </a:p>
+          <a:p>
+            <a:pPr lvl="1">
+              <a:buFont typeface="Wingdings" panose="05000000000000000000" pitchFamily="2" charset="2"/>
+              <a:buChar char="Ø"/>
+            </a:pPr>
+            <a:r>
+              <a:rPr lang="en-GB" dirty="0"/>
+              <a:t>As a user, I want to add an item to an order</a:t>
+            </a:r>
+          </a:p>
+          <a:p>
+            <a:pPr lvl="1">
+              <a:buFont typeface="Wingdings" panose="05000000000000000000" pitchFamily="2" charset="2"/>
+              <a:buChar char="Ø"/>
+            </a:pPr>
+            <a:r>
+              <a:rPr lang="en-GB" dirty="0"/>
+              <a:t>As a user, I want to delete an item from an order</a:t>
+            </a:r>
           </a:p>
         </p:txBody>
       </p:sp>
     </p:spTree>
     <p:extLst>
       <p:ext uri="{BB962C8B-B14F-4D97-AF65-F5344CB8AC3E}">
-        <p14:creationId xmlns:p14="http://schemas.microsoft.com/office/powerpoint/2010/main" val="3577951511"/>
+        <p14:creationId xmlns:p14="http://schemas.microsoft.com/office/powerpoint/2010/main" val="2310478005"/>
       </p:ext>
     </p:extLst>
   </p:cSld>
@@ -5587,7 +7797,7 @@
           <a:p>
             <a:r>
               <a:rPr lang="en-GB" dirty="0"/>
-              <a:t>Testing</a:t>
+              <a:t>Scope</a:t>
             </a:r>
           </a:p>
         </p:txBody>
@@ -5610,26 +7820,142 @@
         </p:nvSpPr>
         <p:spPr/>
         <p:txBody>
-          <a:bodyPr/>
-          <a:lstStyle/>
-          <a:p>
-            <a:r>
-              <a:rPr lang="en-GB" dirty="0"/>
-              <a:t>A coverage of 68.8% was achieved.</a:t>
-            </a:r>
-          </a:p>
-          <a:p>
-            <a:r>
-              <a:rPr lang="en-GB" dirty="0"/>
-              <a:t>Due to this being my first project using Junit testing, I fell short of the industry standard of 80% coverage.</a:t>
-            </a:r>
+          <a:bodyPr>
+            <a:normAutofit/>
+          </a:bodyPr>
+          <a:lstStyle/>
+          <a:p>
+            <a:pPr>
+              <a:buFont typeface="Wingdings" panose="05000000000000000000" pitchFamily="2" charset="2"/>
+              <a:buChar char="q"/>
+            </a:pPr>
+            <a:r>
+              <a:rPr lang="en-GB" sz="1700" dirty="0"/>
+              <a:t> A </a:t>
+            </a:r>
+            <a:r>
+              <a:rPr lang="en-GB" sz="1700" b="1" dirty="0"/>
+              <a:t>risk assessment </a:t>
+            </a:r>
+            <a:r>
+              <a:rPr lang="en-GB" sz="1700" dirty="0"/>
+              <a:t>which outlines the issues and risks faced during the project timeframe</a:t>
+            </a:r>
+          </a:p>
+          <a:p>
+            <a:pPr>
+              <a:buFont typeface="Wingdings" panose="05000000000000000000" pitchFamily="2" charset="2"/>
+              <a:buChar char="q"/>
+            </a:pPr>
+            <a:r>
+              <a:rPr lang="en-GB" sz="1700" dirty="0"/>
+              <a:t> Code fully integrated into a </a:t>
+            </a:r>
+            <a:r>
+              <a:rPr lang="en-GB" sz="1700" b="1" dirty="0"/>
+              <a:t>Version Control System</a:t>
+            </a:r>
+          </a:p>
+          <a:p>
+            <a:pPr>
+              <a:buFont typeface="Wingdings" panose="05000000000000000000" pitchFamily="2" charset="2"/>
+              <a:buChar char="q"/>
+            </a:pPr>
+            <a:r>
+              <a:rPr lang="en-GB" sz="1700" dirty="0"/>
+              <a:t> A </a:t>
+            </a:r>
+            <a:r>
+              <a:rPr lang="en-GB" sz="1700" b="1" dirty="0"/>
+              <a:t>project management board</a:t>
+            </a:r>
+          </a:p>
+          <a:p>
+            <a:pPr>
+              <a:buFont typeface="Wingdings" panose="05000000000000000000" pitchFamily="2" charset="2"/>
+              <a:buChar char="q"/>
+            </a:pPr>
+            <a:r>
+              <a:rPr lang="en-GB" sz="1700" dirty="0"/>
+              <a:t> A </a:t>
+            </a:r>
+            <a:r>
+              <a:rPr lang="en-GB" sz="1700" b="1" dirty="0"/>
+              <a:t>relational database </a:t>
+            </a:r>
+            <a:r>
+              <a:rPr lang="en-GB" sz="1700" dirty="0"/>
+              <a:t>used to persist data for the project</a:t>
+            </a:r>
+          </a:p>
+          <a:p>
+            <a:pPr>
+              <a:buFont typeface="Wingdings" panose="05000000000000000000" pitchFamily="2" charset="2"/>
+              <a:buChar char="q"/>
+            </a:pPr>
+            <a:r>
+              <a:rPr lang="en-GB" sz="1700" dirty="0"/>
+              <a:t> A functional application </a:t>
+            </a:r>
+            <a:r>
+              <a:rPr lang="en-GB" sz="1700" b="1" dirty="0"/>
+              <a:t>back-end</a:t>
+            </a:r>
+            <a:endParaRPr lang="en-GB" sz="1700" dirty="0"/>
+          </a:p>
+          <a:p>
+            <a:pPr>
+              <a:buFont typeface="Wingdings" panose="05000000000000000000" pitchFamily="2" charset="2"/>
+              <a:buChar char="q"/>
+            </a:pPr>
+            <a:r>
+              <a:rPr lang="en-GB" sz="1700" dirty="0"/>
+              <a:t> A </a:t>
+            </a:r>
+            <a:r>
+              <a:rPr lang="en-GB" sz="1700" b="1" dirty="0"/>
+              <a:t>build</a:t>
+            </a:r>
+            <a:r>
+              <a:rPr lang="en-GB" sz="1700" dirty="0"/>
+              <a:t> of the application</a:t>
+            </a:r>
+          </a:p>
+          <a:p>
+            <a:pPr>
+              <a:buFont typeface="Wingdings" panose="05000000000000000000" pitchFamily="2" charset="2"/>
+              <a:buChar char="q"/>
+            </a:pPr>
+            <a:r>
+              <a:rPr lang="en-GB" sz="1700" b="1" dirty="0"/>
+              <a:t> </a:t>
+            </a:r>
+            <a:r>
+              <a:rPr lang="en-GB" sz="1700" b="1" dirty="0">
+                <a:highlight>
+                  <a:srgbClr val="FFFF00"/>
+                </a:highlight>
+              </a:rPr>
+              <a:t>Unit tests </a:t>
+            </a:r>
+            <a:r>
+              <a:rPr lang="en-GB" sz="1700" dirty="0">
+                <a:highlight>
+                  <a:srgbClr val="FFFF00"/>
+                </a:highlight>
+              </a:rPr>
+              <a:t>for validation of the application</a:t>
+            </a:r>
+          </a:p>
+          <a:p>
+            <a:endParaRPr lang="en-GB" dirty="0"/>
           </a:p>
         </p:txBody>
       </p:sp>
     </p:spTree>
     <p:extLst>
       <p:ext uri="{BB962C8B-B14F-4D97-AF65-F5344CB8AC3E}">
-        <p14:creationId xmlns:p14="http://schemas.microsoft.com/office/powerpoint/2010/main" val="972666131"/>
+        <p14:creationId xmlns:p14="http://schemas.microsoft.com/office/powerpoint/2010/main" val="2800854557"/>
       </p:ext>
     </p:extLst>
   </p:cSld>
@@ -5672,24 +7998,29 @@
             <p:ph type="title"/>
           </p:nvPr>
         </p:nvSpPr>
-        <p:spPr/>
+        <p:spPr>
+          <a:xfrm>
+            <a:off x="381000" y="548638"/>
+            <a:ext cx="3352800" cy="727712"/>
+          </a:xfrm>
+        </p:spPr>
         <p:txBody>
           <a:bodyPr/>
           <a:lstStyle/>
           <a:p>
             <a:r>
               <a:rPr lang="en-GB" dirty="0"/>
-              <a:t>Test Demonstration</a:t>
-            </a:r>
-          </a:p>
-        </p:txBody>
-      </p:sp>
-      <p:sp>
-        <p:nvSpPr>
-          <p:cNvPr id="3" name="Content Placeholder 2">
+              <a:t>Testing: Coverage</a:t>
+            </a:r>
+          </a:p>
+        </p:txBody>
+      </p:sp>
+      <p:sp>
+        <p:nvSpPr>
+          <p:cNvPr id="10" name="Text Placeholder 9">
             <a:extLst>
               <a:ext uri="{FF2B5EF4-FFF2-40B4-BE49-F238E27FC236}">
-                <a16:creationId xmlns:a16="http://schemas.microsoft.com/office/drawing/2014/main" id="{EB5CA05E-3598-4C75-993A-C9FF53B2435F}"/>
+                <a16:creationId xmlns:a16="http://schemas.microsoft.com/office/drawing/2014/main" id="{1DAF1641-6A33-446E-9937-6081491E07EC}"/>
               </a:ext>
             </a:extLst>
           </p:cNvPr>
@@ -5697,25 +8028,415 @@
             <a:spLocks noGrp="1"/>
           </p:cNvSpPr>
           <p:nvPr>
+            <p:ph type="body" sz="half" idx="2"/>
+          </p:nvPr>
+        </p:nvSpPr>
+        <p:spPr>
+          <a:xfrm>
+            <a:off x="457200" y="1343025"/>
+            <a:ext cx="3200400" cy="5274343"/>
+          </a:xfrm>
+        </p:spPr>
+        <p:txBody>
+          <a:bodyPr>
+            <a:normAutofit/>
+          </a:bodyPr>
+          <a:lstStyle/>
+          <a:p>
+            <a:pPr marL="285750" indent="-285750">
+              <a:buFont typeface="Arial" panose="020B0604020202020204" pitchFamily="34" charset="0"/>
+              <a:buChar char="•"/>
+            </a:pPr>
+            <a:r>
+              <a:rPr lang="en-GB" dirty="0"/>
+              <a:t>A coverage of </a:t>
+            </a:r>
+            <a:r>
+              <a:rPr lang="en-GB" b="1" dirty="0"/>
+              <a:t>81.7% </a:t>
+            </a:r>
+            <a:r>
+              <a:rPr lang="en-GB" dirty="0"/>
+              <a:t>was achieved.</a:t>
+            </a:r>
+          </a:p>
+          <a:p>
+            <a:pPr marL="285750" indent="-285750">
+              <a:buFont typeface="Arial" panose="020B0604020202020204" pitchFamily="34" charset="0"/>
+              <a:buChar char="•"/>
+            </a:pPr>
+            <a:r>
+              <a:rPr lang="en-GB" dirty="0"/>
+              <a:t>101/101 Tests ran successfully</a:t>
+            </a:r>
+          </a:p>
+          <a:p>
+            <a:pPr marL="285750" indent="-285750">
+              <a:buFont typeface="Arial" panose="020B0604020202020204" pitchFamily="34" charset="0"/>
+              <a:buChar char="•"/>
+            </a:pPr>
+            <a:r>
+              <a:rPr lang="en-GB" dirty="0">
+                <a:solidFill>
+                  <a:schemeClr val="bg1"/>
+                </a:solidFill>
+              </a:rPr>
+              <a:t>The following Tests files were created:</a:t>
+            </a:r>
+          </a:p>
+          <a:p>
+            <a:pPr marL="742950" lvl="1" indent="-285750">
+              <a:buFont typeface="Arial" panose="020B0604020202020204" pitchFamily="34" charset="0"/>
+              <a:buChar char="•"/>
+            </a:pPr>
+            <a:r>
+              <a:rPr lang="en-GB" dirty="0">
+                <a:solidFill>
+                  <a:schemeClr val="tx1">
+                    <a:lumMod val="95000"/>
+                    <a:lumOff val="5000"/>
+                  </a:schemeClr>
+                </a:solidFill>
+              </a:rPr>
+              <a:t>Controllers:</a:t>
+            </a:r>
+          </a:p>
+          <a:p>
+            <a:pPr marL="1200150" lvl="2" indent="-285750">
+              <a:buFont typeface="Arial" panose="020B0604020202020204" pitchFamily="34" charset="0"/>
+              <a:buChar char="•"/>
+            </a:pPr>
+            <a:r>
+              <a:rPr lang="en-GB" dirty="0">
+                <a:solidFill>
+                  <a:schemeClr val="bg1"/>
+                </a:solidFill>
+              </a:rPr>
+              <a:t>CustomerControllerTest.java</a:t>
+            </a:r>
+          </a:p>
+          <a:p>
+            <a:pPr marL="1200150" lvl="2" indent="-285750">
+              <a:buFont typeface="Arial" panose="020B0604020202020204" pitchFamily="34" charset="0"/>
+              <a:buChar char="•"/>
+            </a:pPr>
+            <a:r>
+              <a:rPr lang="en-GB" dirty="0">
+                <a:solidFill>
+                  <a:schemeClr val="bg1"/>
+                </a:solidFill>
+              </a:rPr>
+              <a:t>ItemControllerTest.java</a:t>
+            </a:r>
+          </a:p>
+          <a:p>
+            <a:pPr marL="1200150" lvl="2" indent="-285750">
+              <a:buFont typeface="Arial" panose="020B0604020202020204" pitchFamily="34" charset="0"/>
+              <a:buChar char="•"/>
+            </a:pPr>
+            <a:r>
+              <a:rPr lang="en-GB" dirty="0">
+                <a:solidFill>
+                  <a:schemeClr val="bg1"/>
+                </a:solidFill>
+              </a:rPr>
+              <a:t>OrderControllerTest.java</a:t>
+            </a:r>
+          </a:p>
+          <a:p>
+            <a:pPr marL="742950" lvl="1" indent="-285750">
+              <a:buFont typeface="Arial" panose="020B0604020202020204" pitchFamily="34" charset="0"/>
+              <a:buChar char="•"/>
+            </a:pPr>
+            <a:r>
+              <a:rPr lang="en-GB" dirty="0">
+                <a:solidFill>
+                  <a:schemeClr val="tx1">
+                    <a:lumMod val="95000"/>
+                    <a:lumOff val="5000"/>
+                  </a:schemeClr>
+                </a:solidFill>
+              </a:rPr>
+              <a:t>DAOs:</a:t>
+            </a:r>
+          </a:p>
+          <a:p>
+            <a:pPr marL="1200150" lvl="2" indent="-285750">
+              <a:buFont typeface="Arial" panose="020B0604020202020204" pitchFamily="34" charset="0"/>
+              <a:buChar char="•"/>
+            </a:pPr>
+            <a:r>
+              <a:rPr lang="en-GB" dirty="0">
+                <a:solidFill>
+                  <a:schemeClr val="bg1"/>
+                </a:solidFill>
+              </a:rPr>
+              <a:t>CustomerDAOTest.java</a:t>
+            </a:r>
+          </a:p>
+          <a:p>
+            <a:pPr marL="1200150" lvl="2" indent="-285750">
+              <a:buFont typeface="Arial" panose="020B0604020202020204" pitchFamily="34" charset="0"/>
+              <a:buChar char="•"/>
+            </a:pPr>
+            <a:r>
+              <a:rPr lang="en-GB" dirty="0">
+                <a:solidFill>
+                  <a:schemeClr val="bg1"/>
+                </a:solidFill>
+              </a:rPr>
+              <a:t>ItemDAOTest.java</a:t>
+            </a:r>
+          </a:p>
+          <a:p>
+            <a:pPr marL="1200150" lvl="2" indent="-285750">
+              <a:buFont typeface="Arial" panose="020B0604020202020204" pitchFamily="34" charset="0"/>
+              <a:buChar char="•"/>
+            </a:pPr>
+            <a:r>
+              <a:rPr lang="en-GB" dirty="0">
+                <a:solidFill>
+                  <a:schemeClr val="bg1"/>
+                </a:solidFill>
+              </a:rPr>
+              <a:t>OrderDAOTest.java</a:t>
+            </a:r>
+          </a:p>
+          <a:p>
+            <a:pPr marL="1200150" lvl="2" indent="-285750">
+              <a:buFont typeface="Arial" panose="020B0604020202020204" pitchFamily="34" charset="0"/>
+              <a:buChar char="•"/>
+            </a:pPr>
+            <a:r>
+              <a:rPr lang="en-GB" dirty="0">
+                <a:solidFill>
+                  <a:schemeClr val="bg1"/>
+                </a:solidFill>
+              </a:rPr>
+              <a:t>CustomerDAOTestFAIL.java</a:t>
+            </a:r>
+          </a:p>
+          <a:p>
+            <a:pPr marL="1200150" lvl="2" indent="-285750">
+              <a:buFont typeface="Arial" panose="020B0604020202020204" pitchFamily="34" charset="0"/>
+              <a:buChar char="•"/>
+            </a:pPr>
+            <a:r>
+              <a:rPr lang="en-GB" dirty="0">
+                <a:solidFill>
+                  <a:schemeClr val="bg1"/>
+                </a:solidFill>
+              </a:rPr>
+              <a:t>ItemDAOTestFAIL.java</a:t>
+            </a:r>
+          </a:p>
+          <a:p>
+            <a:pPr marL="1200150" lvl="2" indent="-285750">
+              <a:buFont typeface="Arial" panose="020B0604020202020204" pitchFamily="34" charset="0"/>
+              <a:buChar char="•"/>
+            </a:pPr>
+            <a:r>
+              <a:rPr lang="en-GB" dirty="0">
+                <a:solidFill>
+                  <a:schemeClr val="bg1"/>
+                </a:solidFill>
+              </a:rPr>
+              <a:t>OrderDAOTestFAIL.java</a:t>
+            </a:r>
+          </a:p>
+          <a:p>
+            <a:pPr marL="742950" lvl="1" indent="-285750">
+              <a:buFont typeface="Arial" panose="020B0604020202020204" pitchFamily="34" charset="0"/>
+              <a:buChar char="•"/>
+            </a:pPr>
+            <a:r>
+              <a:rPr lang="en-GB" dirty="0">
+                <a:solidFill>
+                  <a:schemeClr val="tx1">
+                    <a:lumMod val="95000"/>
+                    <a:lumOff val="5000"/>
+                  </a:schemeClr>
+                </a:solidFill>
+              </a:rPr>
+              <a:t>Domain:</a:t>
+            </a:r>
+          </a:p>
+          <a:p>
+            <a:pPr marL="1200150" lvl="2" indent="-285750">
+              <a:buFont typeface="Arial" panose="020B0604020202020204" pitchFamily="34" charset="0"/>
+              <a:buChar char="•"/>
+            </a:pPr>
+            <a:r>
+              <a:rPr lang="en-GB" dirty="0">
+                <a:solidFill>
+                  <a:schemeClr val="bg1"/>
+                </a:solidFill>
+              </a:rPr>
+              <a:t>CustomerTest.java</a:t>
+            </a:r>
+          </a:p>
+          <a:p>
+            <a:pPr marL="1200150" lvl="2" indent="-285750">
+              <a:buFont typeface="Arial" panose="020B0604020202020204" pitchFamily="34" charset="0"/>
+              <a:buChar char="•"/>
+            </a:pPr>
+            <a:r>
+              <a:rPr lang="en-GB" dirty="0">
+                <a:solidFill>
+                  <a:schemeClr val="bg1"/>
+                </a:solidFill>
+              </a:rPr>
+              <a:t>CustomerEqualsTest.java</a:t>
+            </a:r>
+          </a:p>
+          <a:p>
+            <a:pPr marL="1200150" lvl="2" indent="-285750">
+              <a:buFont typeface="Arial" panose="020B0604020202020204" pitchFamily="34" charset="0"/>
+              <a:buChar char="•"/>
+            </a:pPr>
+            <a:r>
+              <a:rPr lang="en-GB" dirty="0">
+                <a:solidFill>
+                  <a:schemeClr val="bg1"/>
+                </a:solidFill>
+              </a:rPr>
+              <a:t>ItemTest.java</a:t>
+            </a:r>
+          </a:p>
+          <a:p>
+            <a:pPr marL="1200150" lvl="2" indent="-285750">
+              <a:buFont typeface="Arial" panose="020B0604020202020204" pitchFamily="34" charset="0"/>
+              <a:buChar char="•"/>
+            </a:pPr>
+            <a:r>
+              <a:rPr lang="en-GB" dirty="0">
+                <a:solidFill>
+                  <a:schemeClr val="bg1"/>
+                </a:solidFill>
+              </a:rPr>
+              <a:t>ItemEqualsTest.java</a:t>
+            </a:r>
+          </a:p>
+          <a:p>
+            <a:pPr marL="1200150" lvl="2" indent="-285750">
+              <a:buFont typeface="Arial" panose="020B0604020202020204" pitchFamily="34" charset="0"/>
+              <a:buChar char="•"/>
+            </a:pPr>
+            <a:r>
+              <a:rPr lang="en-GB" dirty="0">
+                <a:solidFill>
+                  <a:schemeClr val="bg1"/>
+                </a:solidFill>
+              </a:rPr>
+              <a:t>OrderTest.java</a:t>
+            </a:r>
+          </a:p>
+          <a:p>
+            <a:pPr marL="1200150" lvl="2" indent="-285750">
+              <a:buFont typeface="Arial" panose="020B0604020202020204" pitchFamily="34" charset="0"/>
+              <a:buChar char="•"/>
+            </a:pPr>
+            <a:r>
+              <a:rPr lang="en-GB" dirty="0">
+                <a:solidFill>
+                  <a:schemeClr val="bg1"/>
+                </a:solidFill>
+              </a:rPr>
+              <a:t>OrderEqualsTest.java</a:t>
+            </a:r>
+          </a:p>
+          <a:p>
+            <a:pPr marL="1200150" lvl="2" indent="-285750">
+              <a:buFont typeface="Arial" panose="020B0604020202020204" pitchFamily="34" charset="0"/>
+              <a:buChar char="•"/>
+            </a:pPr>
+            <a:endParaRPr lang="en-GB" dirty="0"/>
+          </a:p>
+          <a:p>
+            <a:pPr marL="1200150" lvl="2" indent="-285750">
+              <a:buFont typeface="Arial" panose="020B0604020202020204" pitchFamily="34" charset="0"/>
+              <a:buChar char="•"/>
+            </a:pPr>
+            <a:endParaRPr lang="en-GB" dirty="0"/>
+          </a:p>
+          <a:p>
+            <a:pPr marL="1200150" lvl="2" indent="-285750">
+              <a:buFont typeface="Arial" panose="020B0604020202020204" pitchFamily="34" charset="0"/>
+              <a:buChar char="•"/>
+            </a:pPr>
+            <a:endParaRPr lang="en-GB" dirty="0"/>
+          </a:p>
+          <a:p>
+            <a:pPr marL="1200150" lvl="2" indent="-285750">
+              <a:buFont typeface="Arial" panose="020B0604020202020204" pitchFamily="34" charset="0"/>
+              <a:buChar char="•"/>
+            </a:pPr>
+            <a:endParaRPr lang="en-GB" dirty="0"/>
+          </a:p>
+          <a:p>
+            <a:pPr marL="1200150" lvl="2" indent="-285750">
+              <a:buFont typeface="Arial" panose="020B0604020202020204" pitchFamily="34" charset="0"/>
+              <a:buChar char="•"/>
+            </a:pPr>
+            <a:endParaRPr lang="en-GB" dirty="0"/>
+          </a:p>
+          <a:p>
+            <a:pPr marL="742950" lvl="1" indent="-285750">
+              <a:buFont typeface="Arial" panose="020B0604020202020204" pitchFamily="34" charset="0"/>
+              <a:buChar char="•"/>
+            </a:pPr>
+            <a:endParaRPr lang="en-GB" dirty="0"/>
+          </a:p>
+          <a:p>
+            <a:endParaRPr lang="en-GB" dirty="0"/>
+          </a:p>
+        </p:txBody>
+      </p:sp>
+      <p:pic>
+        <p:nvPicPr>
+          <p:cNvPr id="11" name="Content Placeholder 5">
+            <a:extLst>
+              <a:ext uri="{FF2B5EF4-FFF2-40B4-BE49-F238E27FC236}">
+                <a16:creationId xmlns:a16="http://schemas.microsoft.com/office/drawing/2014/main" id="{2B2C3FFD-D4E9-4DCF-97D8-BF0081674DA0}"/>
+              </a:ext>
+            </a:extLst>
+          </p:cNvPr>
+          <p:cNvPicPr>
+            <a:picLocks noGrp="1" noChangeAspect="1"/>
+          </p:cNvPicPr>
+          <p:nvPr>
             <p:ph idx="1"/>
           </p:nvPr>
-        </p:nvSpPr>
-        <p:spPr/>
-        <p:txBody>
-          <a:bodyPr/>
-          <a:lstStyle/>
-          <a:p>
-            <a:r>
-              <a:rPr lang="en-GB" dirty="0"/>
-              <a:t>I will now demonstrate some of the tests I carried out.</a:t>
-            </a:r>
-          </a:p>
-        </p:txBody>
-      </p:sp>
+        </p:nvPicPr>
+        <p:blipFill rotWithShape="1">
+          <a:blip r:embed="rId3"/>
+          <a:srcRect r="46913"/>
+          <a:stretch/>
+        </p:blipFill>
+        <p:spPr>
+          <a:xfrm>
+            <a:off x="5311774" y="468154"/>
+            <a:ext cx="5470526" cy="5785168"/>
+          </a:xfrm>
+          <a:prstGeom prst="rect">
+            <a:avLst/>
+          </a:prstGeom>
+          <a:ln>
+            <a:noFill/>
+          </a:ln>
+          <a:effectLst>
+            <a:outerShdw blurRad="292100" dist="139700" dir="2700000" algn="tl" rotWithShape="0">
+              <a:srgbClr val="333333">
+                <a:alpha val="65000"/>
+              </a:srgbClr>
+            </a:outerShdw>
+          </a:effectLst>
+        </p:spPr>
+      </p:pic>
     </p:spTree>
     <p:extLst>
       <p:ext uri="{BB962C8B-B14F-4D97-AF65-F5344CB8AC3E}">
-        <p14:creationId xmlns:p14="http://schemas.microsoft.com/office/powerpoint/2010/main" val="3459342726"/>
+        <p14:creationId xmlns:p14="http://schemas.microsoft.com/office/powerpoint/2010/main" val="972666131"/>
       </p:ext>
     </p:extLst>
   </p:cSld>
@@ -5726,6 +8447,127 @@
 </file>
 
 <file path=ppt/slides/slide24.xml><?xml version="1.0" encoding="utf-8"?>
+<p:sld xmlns:a="http://schemas.openxmlformats.org/drawingml/2006/main" xmlns:r="http://schemas.openxmlformats.org/officeDocument/2006/relationships" xmlns:p="http://schemas.openxmlformats.org/presentationml/2006/main">
+  <p:cSld>
+    <p:spTree>
+      <p:nvGrpSpPr>
+        <p:cNvPr id="1" name=""/>
+        <p:cNvGrpSpPr/>
+        <p:nvPr/>
+      </p:nvGrpSpPr>
+      <p:grpSpPr>
+        <a:xfrm>
+          <a:off x="0" y="0"/>
+          <a:ext cx="0" cy="0"/>
+          <a:chOff x="0" y="0"/>
+          <a:chExt cx="0" cy="0"/>
+        </a:xfrm>
+      </p:grpSpPr>
+      <p:sp>
+        <p:nvSpPr>
+          <p:cNvPr id="2" name="Title 1">
+            <a:extLst>
+              <a:ext uri="{FF2B5EF4-FFF2-40B4-BE49-F238E27FC236}">
+                <a16:creationId xmlns:a16="http://schemas.microsoft.com/office/drawing/2014/main" id="{992A3668-ACDD-4886-B036-C71A0EFD100C}"/>
+              </a:ext>
+            </a:extLst>
+          </p:cNvPr>
+          <p:cNvSpPr>
+            <a:spLocks noGrp="1"/>
+          </p:cNvSpPr>
+          <p:nvPr>
+            <p:ph type="title"/>
+          </p:nvPr>
+        </p:nvSpPr>
+        <p:spPr/>
+        <p:txBody>
+          <a:bodyPr/>
+          <a:lstStyle/>
+          <a:p>
+            <a:r>
+              <a:rPr lang="en-GB" dirty="0"/>
+              <a:t>Conclusion</a:t>
+            </a:r>
+          </a:p>
+        </p:txBody>
+      </p:sp>
+      <p:sp>
+        <p:nvSpPr>
+          <p:cNvPr id="3" name="Content Placeholder 2">
+            <a:extLst>
+              <a:ext uri="{FF2B5EF4-FFF2-40B4-BE49-F238E27FC236}">
+                <a16:creationId xmlns:a16="http://schemas.microsoft.com/office/drawing/2014/main" id="{9BA2E25E-41AB-48A2-85BB-208608DAEED2}"/>
+              </a:ext>
+            </a:extLst>
+          </p:cNvPr>
+          <p:cNvSpPr>
+            <a:spLocks noGrp="1"/>
+          </p:cNvSpPr>
+          <p:nvPr>
+            <p:ph idx="1"/>
+          </p:nvPr>
+        </p:nvSpPr>
+        <p:spPr/>
+        <p:txBody>
+          <a:bodyPr/>
+          <a:lstStyle/>
+          <a:p>
+            <a:pPr lvl="1">
+              <a:buFont typeface="Wingdings" panose="05000000000000000000" pitchFamily="2" charset="2"/>
+              <a:buChar char="Ø"/>
+            </a:pPr>
+            <a:r>
+              <a:rPr lang="en-GB" dirty="0"/>
+              <a:t>Better commits should be used, </a:t>
+            </a:r>
+            <a:r>
+              <a:rPr lang="en-GB" dirty="0" err="1"/>
+              <a:t>eg</a:t>
+            </a:r>
+            <a:r>
+              <a:rPr lang="en-GB" dirty="0"/>
+              <a:t> “feature-customer-crud”</a:t>
+            </a:r>
+          </a:p>
+          <a:p>
+            <a:pPr lvl="1">
+              <a:buFont typeface="Wingdings" panose="05000000000000000000" pitchFamily="2" charset="2"/>
+              <a:buChar char="Ø"/>
+            </a:pPr>
+            <a:r>
+              <a:rPr lang="en-GB" dirty="0"/>
+              <a:t>Commits should be made regularly to avoid dumping lots of changes in one go</a:t>
+            </a:r>
+          </a:p>
+          <a:p>
+            <a:pPr lvl="1">
+              <a:buFont typeface="Wingdings" panose="05000000000000000000" pitchFamily="2" charset="2"/>
+              <a:buChar char="Ø"/>
+            </a:pPr>
+            <a:r>
+              <a:rPr lang="en-GB" dirty="0"/>
+              <a:t>User stories should continuously be added to the backlog throughout the project timeline so it is clear what is left to be done when new user stories surface</a:t>
+            </a:r>
+          </a:p>
+          <a:p>
+            <a:endParaRPr lang="en-GB" dirty="0"/>
+          </a:p>
+        </p:txBody>
+      </p:sp>
+    </p:spTree>
+    <p:extLst>
+      <p:ext uri="{BB962C8B-B14F-4D97-AF65-F5344CB8AC3E}">
+        <p14:creationId xmlns:p14="http://schemas.microsoft.com/office/powerpoint/2010/main" val="196632648"/>
+      </p:ext>
+    </p:extLst>
+  </p:cSld>
+  <p:clrMapOvr>
+    <a:masterClrMapping/>
+  </p:clrMapOvr>
+</p:sld>
+</file>
+
+<file path=ppt/slides/slide25.xml><?xml version="1.0" encoding="utf-8"?>
 <p:sld xmlns:a="http://schemas.openxmlformats.org/drawingml/2006/main" xmlns:r="http://schemas.openxmlformats.org/officeDocument/2006/relationships" xmlns:p="http://schemas.openxmlformats.org/presentationml/2006/main">
   <p:cSld>
     <p:spTree>
@@ -6057,53 +8899,130 @@
           </a:bodyPr>
           <a:lstStyle/>
           <a:p>
+            <a:pPr>
+              <a:buFont typeface="Wingdings" panose="05000000000000000000" pitchFamily="2" charset="2"/>
+              <a:buChar char="q"/>
+            </a:pPr>
             <a:r>
               <a:rPr lang="en-GB" sz="1700" dirty="0"/>
-              <a:t>• Code fully integrated into a Version Control System using the feature-branch model: master/dev/multiple features.</a:t>
-            </a:r>
-          </a:p>
-          <a:p>
+              <a:t> </a:t>
+            </a:r>
+            <a:r>
+              <a:rPr lang="en-GB" sz="1700" dirty="0">
+                <a:highlight>
+                  <a:srgbClr val="FFFF00"/>
+                </a:highlight>
+              </a:rPr>
+              <a:t>A </a:t>
+            </a:r>
+            <a:r>
+              <a:rPr lang="en-GB" sz="1700" b="1" dirty="0">
+                <a:highlight>
+                  <a:srgbClr val="FFFF00"/>
+                </a:highlight>
+              </a:rPr>
+              <a:t>risk assessment </a:t>
+            </a:r>
+            <a:r>
+              <a:rPr lang="en-GB" sz="1700" dirty="0">
+                <a:highlight>
+                  <a:srgbClr val="FFFF00"/>
+                </a:highlight>
+              </a:rPr>
+              <a:t>which outlines the issues and risks faced during the project timeframe</a:t>
+            </a:r>
+          </a:p>
+          <a:p>
+            <a:pPr>
+              <a:buFont typeface="Wingdings" panose="05000000000000000000" pitchFamily="2" charset="2"/>
+              <a:buChar char="q"/>
+            </a:pPr>
             <a:r>
               <a:rPr lang="en-GB" sz="1700" dirty="0"/>
-              <a:t>• A project management board with full expansion on user stories, acceptance criteria and tasks needed to complete the project.</a:t>
-            </a:r>
-          </a:p>
-          <a:p>
+              <a:t> Code fully integrated into a </a:t>
+            </a:r>
+            <a:r>
+              <a:rPr lang="en-GB" sz="1700" b="1" dirty="0"/>
+              <a:t>Version Control System</a:t>
+            </a:r>
+          </a:p>
+          <a:p>
+            <a:pPr>
+              <a:buFont typeface="Wingdings" panose="05000000000000000000" pitchFamily="2" charset="2"/>
+              <a:buChar char="q"/>
+            </a:pPr>
             <a:r>
               <a:rPr lang="en-GB" sz="1700" dirty="0"/>
-              <a:t>• A risk assessment which outlines the issues and risks faced during the project timeframe.</a:t>
-            </a:r>
-          </a:p>
-          <a:p>
+              <a:t> A </a:t>
+            </a:r>
+            <a:r>
+              <a:rPr lang="en-GB" sz="1700" b="1" dirty="0"/>
+              <a:t>project management board</a:t>
+            </a:r>
+          </a:p>
+          <a:p>
+            <a:pPr>
+              <a:buFont typeface="Wingdings" panose="05000000000000000000" pitchFamily="2" charset="2"/>
+              <a:buChar char="q"/>
+            </a:pPr>
             <a:r>
               <a:rPr lang="en-GB" sz="1700" dirty="0"/>
-              <a:t>• A relational database used to persist data for the project, containing the customers, products, orders, and </a:t>
-            </a:r>
-            <a:r>
-              <a:rPr lang="en-GB" sz="1700" dirty="0" err="1"/>
-              <a:t>orders_items</a:t>
+              <a:t> A </a:t>
+            </a:r>
+            <a:r>
+              <a:rPr lang="en-GB" sz="1700" b="1" dirty="0"/>
+              <a:t>relational database </a:t>
             </a:r>
             <a:r>
               <a:rPr lang="en-GB" sz="1700" dirty="0"/>
-              <a:t> tables. Relationships should be modelled using an ERD.</a:t>
-            </a:r>
-          </a:p>
-          <a:p>
+              <a:t>used to persist data for the project</a:t>
+            </a:r>
+          </a:p>
+          <a:p>
+            <a:pPr>
+              <a:buFont typeface="Wingdings" panose="05000000000000000000" pitchFamily="2" charset="2"/>
+              <a:buChar char="q"/>
+            </a:pPr>
             <a:r>
               <a:rPr lang="en-GB" sz="1700" dirty="0"/>
-              <a:t>• A functional application ‘back-end’, following best practices and design principles, in the language that you have covered during training, meeting the requirements set on your project management board.</a:t>
-            </a:r>
-          </a:p>
-          <a:p>
+              <a:t> A functional application </a:t>
+            </a:r>
+            <a:r>
+              <a:rPr lang="en-GB" sz="1700" b="1" dirty="0"/>
+              <a:t>back-end</a:t>
+            </a:r>
+            <a:endParaRPr lang="en-GB" sz="1700" dirty="0"/>
+          </a:p>
+          <a:p>
+            <a:pPr>
+              <a:buFont typeface="Wingdings" panose="05000000000000000000" pitchFamily="2" charset="2"/>
+              <a:buChar char="q"/>
+            </a:pPr>
             <a:r>
               <a:rPr lang="en-GB" sz="1700" dirty="0"/>
-              <a:t>• A build of your application, including any dependencies it might need, produced using an integrated build tool. </a:t>
-            </a:r>
-          </a:p>
-          <a:p>
+              <a:t> A </a:t>
+            </a:r>
+            <a:r>
+              <a:rPr lang="en-GB" sz="1700" b="1" dirty="0"/>
+              <a:t>build</a:t>
+            </a:r>
             <a:r>
               <a:rPr lang="en-GB" sz="1700" dirty="0"/>
-              <a:t>• Unit tests for validation of the application. You should aim to reach the industry standard of 80% test coverage.</a:t>
+              <a:t> of the application</a:t>
+            </a:r>
+          </a:p>
+          <a:p>
+            <a:pPr>
+              <a:buFont typeface="Wingdings" panose="05000000000000000000" pitchFamily="2" charset="2"/>
+              <a:buChar char="q"/>
+            </a:pPr>
+            <a:r>
+              <a:rPr lang="en-GB" sz="1700" b="1" dirty="0"/>
+              <a:t> Unit tests </a:t>
+            </a:r>
+            <a:r>
+              <a:rPr lang="en-GB" sz="1700" dirty="0"/>
+              <a:t>for validation of the application</a:t>
             </a:r>
           </a:p>
           <a:p>
@@ -6114,7 +9033,7 @@
     </p:spTree>
     <p:extLst>
       <p:ext uri="{BB962C8B-B14F-4D97-AF65-F5344CB8AC3E}">
-        <p14:creationId xmlns:p14="http://schemas.microsoft.com/office/powerpoint/2010/main" val="1596591271"/>
+        <p14:creationId xmlns:p14="http://schemas.microsoft.com/office/powerpoint/2010/main" val="3092622810"/>
       </p:ext>
     </p:extLst>
   </p:cSld>
@@ -6146,7 +9065,7 @@
           <p:cNvPr id="2" name="Title 1">
             <a:extLst>
               <a:ext uri="{FF2B5EF4-FFF2-40B4-BE49-F238E27FC236}">
-                <a16:creationId xmlns:a16="http://schemas.microsoft.com/office/drawing/2014/main" id="{17DF7405-7712-47FD-B5D8-6385DB916825}"/>
+                <a16:creationId xmlns:a16="http://schemas.microsoft.com/office/drawing/2014/main" id="{DB7A86CA-4930-41E9-A084-DCC915370EC4}"/>
               </a:ext>
             </a:extLst>
           </p:cNvPr>
@@ -6164,87 +9083,73 @@
           <a:p>
             <a:r>
               <a:rPr lang="en-GB" dirty="0"/>
-              <a:t>Scope</a:t>
-            </a:r>
-          </a:p>
-        </p:txBody>
-      </p:sp>
-      <p:sp>
-        <p:nvSpPr>
-          <p:cNvPr id="3" name="Content Placeholder 2">
+              <a:t>Risk Assessment</a:t>
+            </a:r>
+          </a:p>
+        </p:txBody>
+      </p:sp>
+      <p:pic>
+        <p:nvPicPr>
+          <p:cNvPr id="8" name="Content Placeholder 7">
             <a:extLst>
               <a:ext uri="{FF2B5EF4-FFF2-40B4-BE49-F238E27FC236}">
-                <a16:creationId xmlns:a16="http://schemas.microsoft.com/office/drawing/2014/main" id="{EB5CA05E-3598-4C75-993A-C9FF53B2435F}"/>
+                <a16:creationId xmlns:a16="http://schemas.microsoft.com/office/drawing/2014/main" id="{37BB6A8B-A1AF-45BE-BB32-040654656A50}"/>
               </a:ext>
             </a:extLst>
           </p:cNvPr>
-          <p:cNvSpPr>
-            <a:spLocks noGrp="1"/>
-          </p:cNvSpPr>
+          <p:cNvPicPr>
+            <a:picLocks noGrp="1" noChangeAspect="1"/>
+          </p:cNvPicPr>
           <p:nvPr>
             <p:ph idx="1"/>
           </p:nvPr>
+        </p:nvPicPr>
+        <p:blipFill>
+          <a:blip r:embed="rId2"/>
+          <a:stretch>
+            <a:fillRect/>
+          </a:stretch>
+        </p:blipFill>
+        <p:spPr>
+          <a:xfrm>
+            <a:off x="4800600" y="1872961"/>
+            <a:ext cx="6492875" cy="2975553"/>
+          </a:xfrm>
+          <a:prstGeom prst="rect">
+            <a:avLst/>
+          </a:prstGeom>
+          <a:ln>
+            <a:noFill/>
+          </a:ln>
+          <a:effectLst>
+            <a:outerShdw blurRad="292100" dist="139700" dir="2700000" algn="tl" rotWithShape="0">
+              <a:srgbClr val="333333">
+                <a:alpha val="65000"/>
+              </a:srgbClr>
+            </a:outerShdw>
+          </a:effectLst>
+        </p:spPr>
+      </p:pic>
+      <p:sp>
+        <p:nvSpPr>
+          <p:cNvPr id="12" name="Text Placeholder 11">
+            <a:extLst>
+              <a:ext uri="{FF2B5EF4-FFF2-40B4-BE49-F238E27FC236}">
+                <a16:creationId xmlns:a16="http://schemas.microsoft.com/office/drawing/2014/main" id="{4AAB1B62-6E13-435B-A020-E568E71DB4F9}"/>
+              </a:ext>
+            </a:extLst>
+          </p:cNvPr>
+          <p:cNvSpPr>
+            <a:spLocks noGrp="1"/>
+          </p:cNvSpPr>
+          <p:nvPr>
+            <p:ph type="body" sz="half" idx="2"/>
+          </p:nvPr>
         </p:nvSpPr>
         <p:spPr/>
         <p:txBody>
-          <a:bodyPr>
-            <a:normAutofit/>
-          </a:bodyPr>
-          <a:lstStyle/>
-          <a:p>
-            <a:r>
-              <a:rPr lang="en-GB" sz="1700" dirty="0"/>
-              <a:t>• Code fully integrated into a Version Control System using the feature-branch model: master/dev/multiple features.</a:t>
-            </a:r>
-          </a:p>
-          <a:p>
-            <a:r>
-              <a:rPr lang="en-GB" sz="1700" dirty="0"/>
-              <a:t>• A project management board with full expansion on user stories, acceptance criteria and tasks needed to complete the project.</a:t>
-            </a:r>
-          </a:p>
-          <a:p>
-            <a:r>
-              <a:rPr lang="en-GB" sz="1700" dirty="0">
-                <a:highlight>
-                  <a:srgbClr val="FFFF00"/>
-                </a:highlight>
-              </a:rPr>
-              <a:t>• A risk assessment which outlines the issues and risks faced during the project timeframe.</a:t>
-            </a:r>
-          </a:p>
-          <a:p>
-            <a:r>
-              <a:rPr lang="en-GB" sz="1700" dirty="0"/>
-              <a:t>• A relational database used to persist data for the project, containing the customers, products, orders, and </a:t>
-            </a:r>
-            <a:r>
-              <a:rPr lang="en-GB" sz="1700" dirty="0" err="1"/>
-              <a:t>orders_items</a:t>
-            </a:r>
-            <a:r>
-              <a:rPr lang="en-GB" sz="1700" dirty="0"/>
-              <a:t> tables. Relationships should be modelled using an ERD.</a:t>
-            </a:r>
-          </a:p>
-          <a:p>
-            <a:r>
-              <a:rPr lang="en-GB" sz="1700" dirty="0"/>
-              <a:t>• A functional application ‘back-end’, following best practices and design principles, in the language that you have covered during training, meeting the requirements set on your project management board.</a:t>
-            </a:r>
-          </a:p>
-          <a:p>
-            <a:r>
-              <a:rPr lang="en-GB" sz="1700" dirty="0"/>
-              <a:t>• A build of your application, including any dependencies it might need, produced using an integrated build tool. </a:t>
-            </a:r>
-          </a:p>
-          <a:p>
-            <a:r>
-              <a:rPr lang="en-GB" sz="1700" dirty="0"/>
-              <a:t>• Unit tests for validation of the application. You should aim to reach the industry standard of 80% test coverage.</a:t>
-            </a:r>
-          </a:p>
+          <a:bodyPr/>
+          <a:lstStyle/>
           <a:p>
             <a:endParaRPr lang="en-GB" dirty="0"/>
           </a:p>
@@ -6253,7 +9158,7 @@
     </p:spTree>
     <p:extLst>
       <p:ext uri="{BB962C8B-B14F-4D97-AF65-F5344CB8AC3E}">
-        <p14:creationId xmlns:p14="http://schemas.microsoft.com/office/powerpoint/2010/main" val="3221633341"/>
+        <p14:creationId xmlns:p14="http://schemas.microsoft.com/office/powerpoint/2010/main" val="2853111545"/>
       </p:ext>
     </p:extLst>
   </p:cSld>
@@ -6308,19 +9213,46 @@
           </a:p>
         </p:txBody>
       </p:sp>
+      <p:sp>
+        <p:nvSpPr>
+          <p:cNvPr id="12" name="Text Placeholder 11">
+            <a:extLst>
+              <a:ext uri="{FF2B5EF4-FFF2-40B4-BE49-F238E27FC236}">
+                <a16:creationId xmlns:a16="http://schemas.microsoft.com/office/drawing/2014/main" id="{4AAB1B62-6E13-435B-A020-E568E71DB4F9}"/>
+              </a:ext>
+            </a:extLst>
+          </p:cNvPr>
+          <p:cNvSpPr>
+            <a:spLocks noGrp="1"/>
+          </p:cNvSpPr>
+          <p:nvPr>
+            <p:ph type="body" sz="half" idx="2"/>
+          </p:nvPr>
+        </p:nvSpPr>
+        <p:spPr/>
+        <p:txBody>
+          <a:bodyPr/>
+          <a:lstStyle/>
+          <a:p>
+            <a:endParaRPr lang="en-GB" dirty="0"/>
+          </a:p>
+        </p:txBody>
+      </p:sp>
       <p:pic>
         <p:nvPicPr>
-          <p:cNvPr id="5" name="Picture 4">
+          <p:cNvPr id="9" name="Content Placeholder 9">
             <a:extLst>
               <a:ext uri="{FF2B5EF4-FFF2-40B4-BE49-F238E27FC236}">
-                <a16:creationId xmlns:a16="http://schemas.microsoft.com/office/drawing/2014/main" id="{1E72426D-2965-429E-BA57-492CB646C331}"/>
+                <a16:creationId xmlns:a16="http://schemas.microsoft.com/office/drawing/2014/main" id="{EB86BA46-C314-450A-AF9B-F6E7BA58F8E5}"/>
               </a:ext>
             </a:extLst>
           </p:cNvPr>
           <p:cNvPicPr>
-            <a:picLocks noChangeAspect="1"/>
+            <a:picLocks noGrp="1" noChangeAspect="1"/>
           </p:cNvPicPr>
-          <p:nvPr/>
+          <p:nvPr>
+            <p:ph idx="1"/>
+          </p:nvPr>
         </p:nvPicPr>
         <p:blipFill>
           <a:blip r:embed="rId2"/>
@@ -6330,48 +9262,28 @@
         </p:blipFill>
         <p:spPr>
           <a:xfrm>
-            <a:off x="1211580" y="1854200"/>
-            <a:ext cx="3055620" cy="4311489"/>
+            <a:off x="5619968" y="731838"/>
+            <a:ext cx="4854139" cy="5257800"/>
           </a:xfrm>
           <a:prstGeom prst="rect">
             <a:avLst/>
           </a:prstGeom>
-        </p:spPr>
-      </p:pic>
-      <p:pic>
-        <p:nvPicPr>
-          <p:cNvPr id="7" name="Picture 6">
-            <a:extLst>
-              <a:ext uri="{FF2B5EF4-FFF2-40B4-BE49-F238E27FC236}">
-                <a16:creationId xmlns:a16="http://schemas.microsoft.com/office/drawing/2014/main" id="{E519B1DB-B8ED-41CF-9553-EBC6297D5333}"/>
-              </a:ext>
-            </a:extLst>
-          </p:cNvPr>
-          <p:cNvPicPr>
-            <a:picLocks noChangeAspect="1"/>
-          </p:cNvPicPr>
-          <p:nvPr/>
-        </p:nvPicPr>
-        <p:blipFill>
-          <a:blip r:embed="rId3"/>
-          <a:stretch>
-            <a:fillRect/>
-          </a:stretch>
-        </p:blipFill>
-        <p:spPr>
-          <a:xfrm>
-            <a:off x="5059046" y="1854200"/>
-            <a:ext cx="4698612" cy="4311489"/>
-          </a:xfrm>
-          <a:prstGeom prst="rect">
-            <a:avLst/>
-          </a:prstGeom>
+          <a:ln>
+            <a:noFill/>
+          </a:ln>
+          <a:effectLst>
+            <a:outerShdw blurRad="292100" dist="139700" dir="2700000" algn="tl" rotWithShape="0">
+              <a:srgbClr val="333333">
+                <a:alpha val="65000"/>
+              </a:srgbClr>
+            </a:outerShdw>
+          </a:effectLst>
         </p:spPr>
       </p:pic>
     </p:spTree>
     <p:extLst>
       <p:ext uri="{BB962C8B-B14F-4D97-AF65-F5344CB8AC3E}">
-        <p14:creationId xmlns:p14="http://schemas.microsoft.com/office/powerpoint/2010/main" val="2853111545"/>
+        <p14:creationId xmlns:p14="http://schemas.microsoft.com/office/powerpoint/2010/main" val="314716594"/>
       </p:ext>
     </p:extLst>
   </p:cSld>
@@ -6403,7 +9315,7 @@
           <p:cNvPr id="2" name="Title 1">
             <a:extLst>
               <a:ext uri="{FF2B5EF4-FFF2-40B4-BE49-F238E27FC236}">
-                <a16:creationId xmlns:a16="http://schemas.microsoft.com/office/drawing/2014/main" id="{17DF7405-7712-47FD-B5D8-6385DB916825}"/>
+                <a16:creationId xmlns:a16="http://schemas.microsoft.com/office/drawing/2014/main" id="{DB7A86CA-4930-41E9-A084-DCC915370EC4}"/>
               </a:ext>
             </a:extLst>
           </p:cNvPr>
@@ -6421,17 +9333,17 @@
           <a:p>
             <a:r>
               <a:rPr lang="en-GB" dirty="0"/>
-              <a:t>Scope</a:t>
-            </a:r>
-          </a:p>
-        </p:txBody>
-      </p:sp>
-      <p:sp>
-        <p:nvSpPr>
-          <p:cNvPr id="3" name="Content Placeholder 2">
+              <a:t>Risk Assessment</a:t>
+            </a:r>
+          </a:p>
+        </p:txBody>
+      </p:sp>
+      <p:sp>
+        <p:nvSpPr>
+          <p:cNvPr id="12" name="Text Placeholder 11">
             <a:extLst>
               <a:ext uri="{FF2B5EF4-FFF2-40B4-BE49-F238E27FC236}">
-                <a16:creationId xmlns:a16="http://schemas.microsoft.com/office/drawing/2014/main" id="{EB5CA05E-3598-4C75-993A-C9FF53B2435F}"/>
+                <a16:creationId xmlns:a16="http://schemas.microsoft.com/office/drawing/2014/main" id="{4AAB1B62-6E13-435B-A020-E568E71DB4F9}"/>
               </a:ext>
             </a:extLst>
           </p:cNvPr>
@@ -6439,78 +9351,64 @@
             <a:spLocks noGrp="1"/>
           </p:cNvSpPr>
           <p:nvPr>
+            <p:ph type="body" sz="half" idx="2"/>
+          </p:nvPr>
+        </p:nvSpPr>
+        <p:spPr/>
+        <p:txBody>
+          <a:bodyPr/>
+          <a:lstStyle/>
+          <a:p>
+            <a:endParaRPr lang="en-GB" dirty="0"/>
+          </a:p>
+        </p:txBody>
+      </p:sp>
+      <p:pic>
+        <p:nvPicPr>
+          <p:cNvPr id="6" name="Content Placeholder 5">
+            <a:extLst>
+              <a:ext uri="{FF2B5EF4-FFF2-40B4-BE49-F238E27FC236}">
+                <a16:creationId xmlns:a16="http://schemas.microsoft.com/office/drawing/2014/main" id="{AEC8CE28-33BA-4103-AB67-AC94AD528342}"/>
+              </a:ext>
+            </a:extLst>
+          </p:cNvPr>
+          <p:cNvPicPr>
+            <a:picLocks noGrp="1" noChangeAspect="1"/>
+          </p:cNvPicPr>
+          <p:nvPr>
             <p:ph idx="1"/>
           </p:nvPr>
-        </p:nvSpPr>
-        <p:spPr/>
-        <p:txBody>
-          <a:bodyPr>
-            <a:normAutofit/>
-          </a:bodyPr>
-          <a:lstStyle/>
-          <a:p>
-            <a:r>
-              <a:rPr lang="en-GB" sz="1700" dirty="0">
-                <a:highlight>
-                  <a:srgbClr val="FFFF00"/>
-                </a:highlight>
-              </a:rPr>
-              <a:t>• Code fully integrated into a Version Control System using the feature-branch model: master/dev/multiple features.</a:t>
-            </a:r>
-          </a:p>
-          <a:p>
-            <a:r>
-              <a:rPr lang="en-GB" sz="1700" dirty="0"/>
-              <a:t>• A project management board with full expansion on user stories, acceptance criteria and tasks needed to complete the project.</a:t>
-            </a:r>
-          </a:p>
-          <a:p>
-            <a:r>
-              <a:rPr lang="en-GB" sz="1700" dirty="0"/>
-              <a:t>• A risk assessment which outlines the issues and risks faced during the project timeframe.</a:t>
-            </a:r>
-          </a:p>
-          <a:p>
-            <a:r>
-              <a:rPr lang="en-GB" sz="1700" dirty="0"/>
-              <a:t>• A relational database used to persist data for the project, containing the customers, products, orders, and </a:t>
-            </a:r>
-            <a:r>
-              <a:rPr lang="en-GB" sz="1700" dirty="0" err="1"/>
-              <a:t>orders_items</a:t>
-            </a:r>
-            <a:r>
-              <a:rPr lang="en-GB" sz="1700" dirty="0"/>
-              <a:t> tables. Relationships should be modelled using an ERD.</a:t>
-            </a:r>
-          </a:p>
-          <a:p>
-            <a:r>
-              <a:rPr lang="en-GB" sz="1700" dirty="0"/>
-              <a:t>• A functional application ‘back-end’, following best practices and design principles, in the language that you have covered during training, meeting the requirements set on your project management board.</a:t>
-            </a:r>
-          </a:p>
-          <a:p>
-            <a:r>
-              <a:rPr lang="en-GB" sz="1700" dirty="0"/>
-              <a:t>• A build of your application, including any dependencies it might need, produced using an integrated build tool. </a:t>
-            </a:r>
-          </a:p>
-          <a:p>
-            <a:r>
-              <a:rPr lang="en-GB" sz="1700" dirty="0"/>
-              <a:t>• Unit tests for validation of the application. You should aim to reach the industry standard of 80% test coverage.</a:t>
-            </a:r>
-          </a:p>
-          <a:p>
-            <a:endParaRPr lang="en-GB" dirty="0"/>
-          </a:p>
-        </p:txBody>
-      </p:sp>
+        </p:nvPicPr>
+        <p:blipFill>
+          <a:blip r:embed="rId2"/>
+          <a:stretch>
+            <a:fillRect/>
+          </a:stretch>
+        </p:blipFill>
+        <p:spPr>
+          <a:xfrm>
+            <a:off x="4800600" y="1071657"/>
+            <a:ext cx="6492875" cy="4578162"/>
+          </a:xfrm>
+          <a:prstGeom prst="rect">
+            <a:avLst/>
+          </a:prstGeom>
+          <a:ln>
+            <a:noFill/>
+          </a:ln>
+          <a:effectLst>
+            <a:outerShdw blurRad="292100" dist="139700" dir="2700000" algn="tl" rotWithShape="0">
+              <a:srgbClr val="333333">
+                <a:alpha val="65000"/>
+              </a:srgbClr>
+            </a:outerShdw>
+          </a:effectLst>
+        </p:spPr>
+      </p:pic>
     </p:spTree>
     <p:extLst>
       <p:ext uri="{BB962C8B-B14F-4D97-AF65-F5344CB8AC3E}">
-        <p14:creationId xmlns:p14="http://schemas.microsoft.com/office/powerpoint/2010/main" val="3667497637"/>
+        <p14:creationId xmlns:p14="http://schemas.microsoft.com/office/powerpoint/2010/main" val="3020720589"/>
       </p:ext>
     </p:extLst>
   </p:cSld>
@@ -6542,7 +9440,7 @@
           <p:cNvPr id="2" name="Title 1">
             <a:extLst>
               <a:ext uri="{FF2B5EF4-FFF2-40B4-BE49-F238E27FC236}">
-                <a16:creationId xmlns:a16="http://schemas.microsoft.com/office/drawing/2014/main" id="{8A704845-E2DB-42E9-8CA2-D1F25A5EF86C}"/>
+                <a16:creationId xmlns:a16="http://schemas.microsoft.com/office/drawing/2014/main" id="{17DF7405-7712-47FD-B5D8-6385DB916825}"/>
               </a:ext>
             </a:extLst>
           </p:cNvPr>
@@ -6560,106 +9458,165 @@
           <a:p>
             <a:r>
               <a:rPr lang="en-GB" dirty="0"/>
-              <a:t>Version control system: Git</a:t>
-            </a:r>
-          </a:p>
-        </p:txBody>
-      </p:sp>
-      <p:grpSp>
-        <p:nvGrpSpPr>
-          <p:cNvPr id="9" name="Group 8">
+              <a:t>Scope</a:t>
+            </a:r>
+          </a:p>
+        </p:txBody>
+      </p:sp>
+      <p:sp>
+        <p:nvSpPr>
+          <p:cNvPr id="3" name="Content Placeholder 2">
             <a:extLst>
               <a:ext uri="{FF2B5EF4-FFF2-40B4-BE49-F238E27FC236}">
-                <a16:creationId xmlns:a16="http://schemas.microsoft.com/office/drawing/2014/main" id="{ADBC5C1B-6697-41CE-A369-3DD7920691BF}"/>
+                <a16:creationId xmlns:a16="http://schemas.microsoft.com/office/drawing/2014/main" id="{EB5CA05E-3598-4C75-993A-C9FF53B2435F}"/>
               </a:ext>
             </a:extLst>
           </p:cNvPr>
-          <p:cNvGrpSpPr/>
-          <p:nvPr/>
-        </p:nvGrpSpPr>
-        <p:grpSpPr>
-          <a:xfrm>
-            <a:off x="607060" y="2646682"/>
-            <a:ext cx="10977880" cy="2255518"/>
-            <a:chOff x="177800" y="2506982"/>
-            <a:chExt cx="10977880" cy="2255518"/>
-          </a:xfrm>
-        </p:grpSpPr>
-        <p:pic>
-          <p:nvPicPr>
-            <p:cNvPr id="5" name="Picture 4">
-              <a:extLst>
-                <a:ext uri="{FF2B5EF4-FFF2-40B4-BE49-F238E27FC236}">
-                  <a16:creationId xmlns:a16="http://schemas.microsoft.com/office/drawing/2014/main" id="{7EF3BC78-D764-416C-8F67-54B47BC986A9}"/>
-                </a:ext>
-              </a:extLst>
-            </p:cNvPr>
-            <p:cNvPicPr>
-              <a:picLocks noChangeAspect="1"/>
-            </p:cNvPicPr>
-            <p:nvPr/>
-          </p:nvPicPr>
-          <p:blipFill rotWithShape="1">
-            <a:blip r:embed="rId2">
-              <a:extLst>
-                <a:ext uri="{28A0092B-C50C-407E-A947-70E740481C1C}">
-                  <a14:useLocalDpi xmlns:a14="http://schemas.microsoft.com/office/drawing/2010/main" val="0"/>
-                </a:ext>
-              </a:extLst>
-            </a:blip>
-            <a:srcRect l="13319" r="8872" b="69629"/>
-            <a:stretch/>
-          </p:blipFill>
-          <p:spPr>
-            <a:xfrm>
-              <a:off x="3625881" y="2506982"/>
-              <a:ext cx="7529799" cy="2163187"/>
-            </a:xfrm>
-            <a:prstGeom prst="rect">
-              <a:avLst/>
-            </a:prstGeom>
-          </p:spPr>
-        </p:pic>
-        <p:pic>
-          <p:nvPicPr>
-            <p:cNvPr id="7" name="Picture 6">
-              <a:extLst>
-                <a:ext uri="{FF2B5EF4-FFF2-40B4-BE49-F238E27FC236}">
-                  <a16:creationId xmlns:a16="http://schemas.microsoft.com/office/drawing/2014/main" id="{8BED6AC4-8207-43BF-BA33-E2579E1B394A}"/>
-                </a:ext>
-              </a:extLst>
-            </p:cNvPr>
-            <p:cNvPicPr>
-              <a:picLocks noChangeAspect="1"/>
-            </p:cNvPicPr>
-            <p:nvPr/>
-          </p:nvPicPr>
-          <p:blipFill rotWithShape="1">
-            <a:blip r:embed="rId3">
-              <a:extLst>
-                <a:ext uri="{28A0092B-C50C-407E-A947-70E740481C1C}">
-                  <a14:useLocalDpi xmlns:a14="http://schemas.microsoft.com/office/drawing/2010/main" val="0"/>
-                </a:ext>
-              </a:extLst>
-            </a:blip>
-            <a:srcRect l="13319" b="68333"/>
-            <a:stretch/>
-          </p:blipFill>
-          <p:spPr>
-            <a:xfrm>
-              <a:off x="177800" y="2506982"/>
-              <a:ext cx="8388319" cy="2255518"/>
-            </a:xfrm>
-            <a:prstGeom prst="rect">
-              <a:avLst/>
-            </a:prstGeom>
-          </p:spPr>
-        </p:pic>
-      </p:grpSp>
+          <p:cNvSpPr>
+            <a:spLocks noGrp="1"/>
+          </p:cNvSpPr>
+          <p:nvPr>
+            <p:ph idx="1"/>
+          </p:nvPr>
+        </p:nvSpPr>
+        <p:spPr/>
+        <p:txBody>
+          <a:bodyPr>
+            <a:normAutofit/>
+          </a:bodyPr>
+          <a:lstStyle/>
+          <a:p>
+            <a:pPr>
+              <a:buFont typeface="Wingdings" panose="05000000000000000000" pitchFamily="2" charset="2"/>
+              <a:buChar char="q"/>
+            </a:pPr>
+            <a:r>
+              <a:rPr lang="en-GB" sz="1700" dirty="0"/>
+              <a:t> A </a:t>
+            </a:r>
+            <a:r>
+              <a:rPr lang="en-GB" sz="1700" b="1" dirty="0"/>
+              <a:t>risk assessment </a:t>
+            </a:r>
+            <a:r>
+              <a:rPr lang="en-GB" sz="1700" dirty="0"/>
+              <a:t>which outlines the issues and risks faced during the project timeframe</a:t>
+            </a:r>
+          </a:p>
+          <a:p>
+            <a:pPr>
+              <a:buFont typeface="Wingdings" panose="05000000000000000000" pitchFamily="2" charset="2"/>
+              <a:buChar char="q"/>
+            </a:pPr>
+            <a:r>
+              <a:rPr lang="en-GB" sz="1700" dirty="0"/>
+              <a:t> </a:t>
+            </a:r>
+            <a:r>
+              <a:rPr lang="en-GB" sz="1700" dirty="0">
+                <a:highlight>
+                  <a:srgbClr val="FFFF00"/>
+                </a:highlight>
+              </a:rPr>
+              <a:t>Code fully integrated into a </a:t>
+            </a:r>
+            <a:r>
+              <a:rPr lang="en-GB" sz="1700" b="1" dirty="0">
+                <a:highlight>
+                  <a:srgbClr val="FFFF00"/>
+                </a:highlight>
+              </a:rPr>
+              <a:t>Version Control System</a:t>
+            </a:r>
+          </a:p>
+          <a:p>
+            <a:pPr>
+              <a:buFont typeface="Wingdings" panose="05000000000000000000" pitchFamily="2" charset="2"/>
+              <a:buChar char="q"/>
+            </a:pPr>
+            <a:r>
+              <a:rPr lang="en-GB" sz="1700" dirty="0"/>
+              <a:t> A </a:t>
+            </a:r>
+            <a:r>
+              <a:rPr lang="en-GB" sz="1700" b="1" dirty="0"/>
+              <a:t>project management board</a:t>
+            </a:r>
+          </a:p>
+          <a:p>
+            <a:pPr>
+              <a:buFont typeface="Wingdings" panose="05000000000000000000" pitchFamily="2" charset="2"/>
+              <a:buChar char="q"/>
+            </a:pPr>
+            <a:r>
+              <a:rPr lang="en-GB" sz="1700" dirty="0"/>
+              <a:t> A </a:t>
+            </a:r>
+            <a:r>
+              <a:rPr lang="en-GB" sz="1700" b="1" dirty="0"/>
+              <a:t>relational database </a:t>
+            </a:r>
+            <a:r>
+              <a:rPr lang="en-GB" sz="1700" dirty="0"/>
+              <a:t>used to persist data for the project</a:t>
+            </a:r>
+          </a:p>
+          <a:p>
+            <a:pPr>
+              <a:buFont typeface="Wingdings" panose="05000000000000000000" pitchFamily="2" charset="2"/>
+              <a:buChar char="q"/>
+            </a:pPr>
+            <a:r>
+              <a:rPr lang="en-GB" sz="1700" dirty="0"/>
+              <a:t> A functional application </a:t>
+            </a:r>
+            <a:r>
+              <a:rPr lang="en-GB" sz="1700" b="1" dirty="0"/>
+              <a:t>back-end</a:t>
+            </a:r>
+            <a:endParaRPr lang="en-GB" sz="1700" dirty="0"/>
+          </a:p>
+          <a:p>
+            <a:pPr>
+              <a:buFont typeface="Wingdings" panose="05000000000000000000" pitchFamily="2" charset="2"/>
+              <a:buChar char="q"/>
+            </a:pPr>
+            <a:r>
+              <a:rPr lang="en-GB" sz="1700" dirty="0"/>
+              <a:t> A </a:t>
+            </a:r>
+            <a:r>
+              <a:rPr lang="en-GB" sz="1700" b="1" dirty="0"/>
+              <a:t>build</a:t>
+            </a:r>
+            <a:r>
+              <a:rPr lang="en-GB" sz="1700" dirty="0"/>
+              <a:t> of the application</a:t>
+            </a:r>
+          </a:p>
+          <a:p>
+            <a:pPr>
+              <a:buFont typeface="Wingdings" panose="05000000000000000000" pitchFamily="2" charset="2"/>
+              <a:buChar char="q"/>
+            </a:pPr>
+            <a:r>
+              <a:rPr lang="en-GB" sz="1700" b="1" dirty="0"/>
+              <a:t> Unit tests </a:t>
+            </a:r>
+            <a:r>
+              <a:rPr lang="en-GB" sz="1700" dirty="0"/>
+              <a:t>for validation of the application</a:t>
+            </a:r>
+          </a:p>
+          <a:p>
+            <a:endParaRPr lang="en-GB" dirty="0"/>
+          </a:p>
+        </p:txBody>
+      </p:sp>
     </p:spTree>
     <p:extLst>
       <p:ext uri="{BB962C8B-B14F-4D97-AF65-F5344CB8AC3E}">
-        <p14:creationId xmlns:p14="http://schemas.microsoft.com/office/powerpoint/2010/main" val="3849867418"/>
+        <p14:creationId xmlns:p14="http://schemas.microsoft.com/office/powerpoint/2010/main" val="3709819120"/>
       </p:ext>
     </p:extLst>
   </p:cSld>
@@ -6691,7 +9648,7 @@
           <p:cNvPr id="2" name="Title 1">
             <a:extLst>
               <a:ext uri="{FF2B5EF4-FFF2-40B4-BE49-F238E27FC236}">
-                <a16:creationId xmlns:a16="http://schemas.microsoft.com/office/drawing/2014/main" id="{17DF7405-7712-47FD-B5D8-6385DB916825}"/>
+                <a16:creationId xmlns:a16="http://schemas.microsoft.com/office/drawing/2014/main" id="{8A704845-E2DB-42E9-8CA2-D1F25A5EF86C}"/>
               </a:ext>
             </a:extLst>
           </p:cNvPr>
@@ -6709,17 +9666,17 @@
           <a:p>
             <a:r>
               <a:rPr lang="en-GB" dirty="0"/>
-              <a:t>Scope</a:t>
-            </a:r>
-          </a:p>
-        </p:txBody>
-      </p:sp>
-      <p:sp>
-        <p:nvSpPr>
-          <p:cNvPr id="3" name="Content Placeholder 2">
+              <a:t>Version control system: Git</a:t>
+            </a:r>
+          </a:p>
+        </p:txBody>
+      </p:sp>
+      <p:sp>
+        <p:nvSpPr>
+          <p:cNvPr id="8" name="Text Placeholder 7">
             <a:extLst>
               <a:ext uri="{FF2B5EF4-FFF2-40B4-BE49-F238E27FC236}">
-                <a16:creationId xmlns:a16="http://schemas.microsoft.com/office/drawing/2014/main" id="{EB5CA05E-3598-4C75-993A-C9FF53B2435F}"/>
+                <a16:creationId xmlns:a16="http://schemas.microsoft.com/office/drawing/2014/main" id="{04935064-C784-4933-8247-22D7508029D6}"/>
               </a:ext>
             </a:extLst>
           </p:cNvPr>
@@ -6727,78 +9684,513 @@
             <a:spLocks noGrp="1"/>
           </p:cNvSpPr>
           <p:nvPr>
-            <p:ph idx="1"/>
+            <p:ph type="body" sz="half" idx="2"/>
           </p:nvPr>
         </p:nvSpPr>
         <p:spPr/>
         <p:txBody>
-          <a:bodyPr>
-            <a:normAutofit/>
+          <a:bodyPr/>
+          <a:lstStyle/>
+          <a:p>
+            <a:pPr marL="285750" indent="-285750">
+              <a:buFont typeface="Arial" panose="020B0604020202020204" pitchFamily="34" charset="0"/>
+              <a:buChar char="•"/>
+            </a:pPr>
+            <a:r>
+              <a:rPr lang="en-GB" sz="1600" dirty="0"/>
+              <a:t>feature-branch model: master/dev/multiple features</a:t>
+            </a:r>
+            <a:endParaRPr lang="en-GB" dirty="0"/>
+          </a:p>
+        </p:txBody>
+      </p:sp>
+      <p:grpSp>
+        <p:nvGrpSpPr>
+          <p:cNvPr id="25" name="Group 24">
+            <a:extLst>
+              <a:ext uri="{FF2B5EF4-FFF2-40B4-BE49-F238E27FC236}">
+                <a16:creationId xmlns:a16="http://schemas.microsoft.com/office/drawing/2014/main" id="{4F3C0E1E-06AB-4554-BEE2-84EE2B9C0FD4}"/>
+              </a:ext>
+            </a:extLst>
+          </p:cNvPr>
+          <p:cNvGrpSpPr/>
+          <p:nvPr/>
+        </p:nvGrpSpPr>
+        <p:grpSpPr>
+          <a:xfrm>
+            <a:off x="1451792" y="1286478"/>
+            <a:ext cx="8049260" cy="2255518"/>
+            <a:chOff x="1451792" y="1286478"/>
+            <a:chExt cx="8049260" cy="2255518"/>
+          </a:xfrm>
+        </p:grpSpPr>
+        <p:grpSp>
+          <p:nvGrpSpPr>
+            <p:cNvPr id="11" name="Group 10">
+              <a:extLst>
+                <a:ext uri="{FF2B5EF4-FFF2-40B4-BE49-F238E27FC236}">
+                  <a16:creationId xmlns:a16="http://schemas.microsoft.com/office/drawing/2014/main" id="{35BB51DC-95C7-4B28-873A-F3E2ACE07E50}"/>
+                </a:ext>
+              </a:extLst>
+            </p:cNvPr>
+            <p:cNvGrpSpPr/>
+            <p:nvPr/>
+          </p:nvGrpSpPr>
+          <p:grpSpPr>
+            <a:xfrm>
+              <a:off x="1451792" y="1286478"/>
+              <a:ext cx="8049260" cy="2255518"/>
+              <a:chOff x="1451792" y="1286478"/>
+              <a:chExt cx="8049260" cy="2255518"/>
+            </a:xfrm>
+          </p:grpSpPr>
+          <p:pic>
+            <p:nvPicPr>
+              <p:cNvPr id="7" name="Picture 6">
+                <a:extLst>
+                  <a:ext uri="{FF2B5EF4-FFF2-40B4-BE49-F238E27FC236}">
+                    <a16:creationId xmlns:a16="http://schemas.microsoft.com/office/drawing/2014/main" id="{8BED6AC4-8207-43BF-BA33-E2579E1B394A}"/>
+                  </a:ext>
+                </a:extLst>
+              </p:cNvPr>
+              <p:cNvPicPr>
+                <a:picLocks noChangeAspect="1"/>
+              </p:cNvPicPr>
+              <p:nvPr/>
+            </p:nvPicPr>
+            <p:blipFill rotWithShape="1">
+              <a:blip r:embed="rId2">
+                <a:extLst>
+                  <a:ext uri="{28A0092B-C50C-407E-A947-70E740481C1C}">
+                    <a14:useLocalDpi xmlns:a14="http://schemas.microsoft.com/office/drawing/2010/main" val="0"/>
+                  </a:ext>
+                </a:extLst>
+              </a:blip>
+              <a:srcRect l="13319" r="3504" b="68333"/>
+              <a:stretch/>
+            </p:blipFill>
+            <p:spPr>
+              <a:xfrm>
+                <a:off x="1451792" y="1286478"/>
+                <a:ext cx="8049260" cy="2255518"/>
+              </a:xfrm>
+              <a:prstGeom prst="rect">
+                <a:avLst/>
+              </a:prstGeom>
+            </p:spPr>
+          </p:pic>
+          <p:sp>
+            <p:nvSpPr>
+              <p:cNvPr id="10" name="Rectangle 9">
+                <a:extLst>
+                  <a:ext uri="{FF2B5EF4-FFF2-40B4-BE49-F238E27FC236}">
+                    <a16:creationId xmlns:a16="http://schemas.microsoft.com/office/drawing/2014/main" id="{6AC4B0E6-1CE4-436E-92BD-1F0D58FE5940}"/>
+                  </a:ext>
+                </a:extLst>
+              </p:cNvPr>
+              <p:cNvSpPr/>
+              <p:nvPr/>
+            </p:nvSpPr>
+            <p:spPr>
+              <a:xfrm>
+                <a:off x="1890714" y="2257221"/>
+                <a:ext cx="379230" cy="297860"/>
+              </a:xfrm>
+              <a:prstGeom prst="rect">
+                <a:avLst/>
+              </a:prstGeom>
+              <a:solidFill>
+                <a:schemeClr val="bg1"/>
+              </a:solidFill>
+              <a:ln>
+                <a:solidFill>
+                  <a:schemeClr val="bg1"/>
+                </a:solidFill>
+              </a:ln>
+            </p:spPr>
+            <p:style>
+              <a:lnRef idx="2">
+                <a:schemeClr val="accent1">
+                  <a:shade val="50000"/>
+                </a:schemeClr>
+              </a:lnRef>
+              <a:fillRef idx="1">
+                <a:schemeClr val="accent1"/>
+              </a:fillRef>
+              <a:effectRef idx="0">
+                <a:schemeClr val="accent1"/>
+              </a:effectRef>
+              <a:fontRef idx="minor">
+                <a:schemeClr val="lt1"/>
+              </a:fontRef>
+            </p:style>
+            <p:txBody>
+              <a:bodyPr rtlCol="0" anchor="ctr"/>
+              <a:lstStyle/>
+              <a:p>
+                <a:pPr algn="ctr"/>
+                <a:endParaRPr lang="en-GB"/>
+              </a:p>
+            </p:txBody>
+          </p:sp>
+        </p:grpSp>
+        <p:pic>
+          <p:nvPicPr>
+            <p:cNvPr id="14" name="Picture 13">
+              <a:extLst>
+                <a:ext uri="{FF2B5EF4-FFF2-40B4-BE49-F238E27FC236}">
+                  <a16:creationId xmlns:a16="http://schemas.microsoft.com/office/drawing/2014/main" id="{8FE17D3E-86D5-4E89-AEC1-B5073704296C}"/>
+                </a:ext>
+              </a:extLst>
+            </p:cNvPr>
+            <p:cNvPicPr>
+              <a:picLocks noChangeAspect="1"/>
+            </p:cNvPicPr>
+            <p:nvPr/>
+          </p:nvPicPr>
+          <p:blipFill rotWithShape="1">
+            <a:blip r:embed="rId2">
+              <a:extLst>
+                <a:ext uri="{28A0092B-C50C-407E-A947-70E740481C1C}">
+                  <a14:useLocalDpi xmlns:a14="http://schemas.microsoft.com/office/drawing/2010/main" val="0"/>
+                </a:ext>
+              </a:extLst>
+            </a:blip>
+            <a:srcRect l="22981" t="16173" r="73673" b="81866"/>
+            <a:stretch/>
+          </p:blipFill>
+          <p:spPr>
+            <a:xfrm>
+              <a:off x="1804988" y="2441193"/>
+              <a:ext cx="488155" cy="139700"/>
+            </a:xfrm>
+            <a:prstGeom prst="rect">
+              <a:avLst/>
+            </a:prstGeom>
+          </p:spPr>
+        </p:pic>
+        <p:sp>
+          <p:nvSpPr>
+            <p:cNvPr id="21" name="Rectangle 20">
+              <a:extLst>
+                <a:ext uri="{FF2B5EF4-FFF2-40B4-BE49-F238E27FC236}">
+                  <a16:creationId xmlns:a16="http://schemas.microsoft.com/office/drawing/2014/main" id="{3E376FDF-77F6-4E73-9BEE-EA834EC11636}"/>
+                </a:ext>
+              </a:extLst>
+            </p:cNvPr>
+            <p:cNvSpPr/>
+            <p:nvPr/>
+          </p:nvSpPr>
+          <p:spPr>
+            <a:xfrm>
+              <a:off x="1871664" y="2564224"/>
+              <a:ext cx="379230" cy="961600"/>
+            </a:xfrm>
+            <a:prstGeom prst="rect">
+              <a:avLst/>
+            </a:prstGeom>
+            <a:solidFill>
+              <a:schemeClr val="bg1"/>
+            </a:solidFill>
+            <a:ln>
+              <a:solidFill>
+                <a:schemeClr val="bg1"/>
+              </a:solidFill>
+            </a:ln>
+          </p:spPr>
+          <p:style>
+            <a:lnRef idx="2">
+              <a:schemeClr val="accent1">
+                <a:shade val="50000"/>
+              </a:schemeClr>
+            </a:lnRef>
+            <a:fillRef idx="1">
+              <a:schemeClr val="accent1"/>
+            </a:fillRef>
+            <a:effectRef idx="0">
+              <a:schemeClr val="accent1"/>
+            </a:effectRef>
+            <a:fontRef idx="minor">
+              <a:schemeClr val="lt1"/>
+            </a:fontRef>
+          </p:style>
+          <p:txBody>
+            <a:bodyPr rtlCol="0" anchor="ctr"/>
+            <a:lstStyle/>
+            <a:p>
+              <a:pPr algn="ctr"/>
+              <a:endParaRPr lang="en-GB"/>
+            </a:p>
+          </p:txBody>
+        </p:sp>
+        <p:pic>
+          <p:nvPicPr>
+            <p:cNvPr id="23" name="Picture 22">
+              <a:extLst>
+                <a:ext uri="{FF2B5EF4-FFF2-40B4-BE49-F238E27FC236}">
+                  <a16:creationId xmlns:a16="http://schemas.microsoft.com/office/drawing/2014/main" id="{339CDA5F-A242-4D53-A2B5-0C80DB7F4619}"/>
+                </a:ext>
+              </a:extLst>
+            </p:cNvPr>
+            <p:cNvPicPr>
+              <a:picLocks noChangeAspect="1"/>
+            </p:cNvPicPr>
+            <p:nvPr/>
+          </p:nvPicPr>
+          <p:blipFill rotWithShape="1">
+            <a:blip r:embed="rId2">
+              <a:extLst>
+                <a:ext uri="{28A0092B-C50C-407E-A947-70E740481C1C}">
+                  <a14:useLocalDpi xmlns:a14="http://schemas.microsoft.com/office/drawing/2010/main" val="0"/>
+                </a:ext>
+              </a:extLst>
+            </a:blip>
+            <a:srcRect l="13560" t="19660" r="82762" b="68333"/>
+            <a:stretch/>
+          </p:blipFill>
+          <p:spPr>
+            <a:xfrm>
+              <a:off x="1871664" y="2678112"/>
+              <a:ext cx="421480" cy="863884"/>
+            </a:xfrm>
+            <a:prstGeom prst="rect">
+              <a:avLst/>
+            </a:prstGeom>
+          </p:spPr>
+        </p:pic>
+      </p:grpSp>
+      <p:cxnSp>
+        <p:nvCxnSpPr>
+          <p:cNvPr id="27" name="Straight Arrow Connector 26">
+            <a:extLst>
+              <a:ext uri="{FF2B5EF4-FFF2-40B4-BE49-F238E27FC236}">
+                <a16:creationId xmlns:a16="http://schemas.microsoft.com/office/drawing/2014/main" id="{070B6500-3E5A-4CBE-AFD7-4B4740736888}"/>
+              </a:ext>
+            </a:extLst>
+          </p:cNvPr>
+          <p:cNvCxnSpPr>
+            <a:cxnSpLocks/>
+          </p:cNvCxnSpPr>
+          <p:nvPr/>
+        </p:nvCxnSpPr>
+        <p:spPr>
+          <a:xfrm flipH="1" flipV="1">
+            <a:off x="8854440" y="2865120"/>
+            <a:ext cx="586740" cy="686019"/>
+          </a:xfrm>
+          <a:prstGeom prst="straightConnector1">
+            <a:avLst/>
+          </a:prstGeom>
+          <a:ln>
+            <a:tailEnd type="triangle"/>
+          </a:ln>
+        </p:spPr>
+        <p:style>
+          <a:lnRef idx="1">
+            <a:schemeClr val="accent1"/>
+          </a:lnRef>
+          <a:fillRef idx="0">
+            <a:schemeClr val="accent1"/>
+          </a:fillRef>
+          <a:effectRef idx="0">
+            <a:schemeClr val="accent1"/>
+          </a:effectRef>
+          <a:fontRef idx="minor">
+            <a:schemeClr val="tx1"/>
+          </a:fontRef>
+        </p:style>
+      </p:cxnSp>
+      <p:sp>
+        <p:nvSpPr>
+          <p:cNvPr id="30" name="TextBox 29">
+            <a:extLst>
+              <a:ext uri="{FF2B5EF4-FFF2-40B4-BE49-F238E27FC236}">
+                <a16:creationId xmlns:a16="http://schemas.microsoft.com/office/drawing/2014/main" id="{EDC7F797-DFBD-4F51-826D-BBA874D30561}"/>
+              </a:ext>
+            </a:extLst>
+          </p:cNvPr>
+          <p:cNvSpPr txBox="1"/>
+          <p:nvPr/>
+        </p:nvSpPr>
+        <p:spPr>
+          <a:xfrm>
+            <a:off x="9342120" y="3495344"/>
+            <a:ext cx="1969770" cy="338554"/>
+          </a:xfrm>
+          <a:prstGeom prst="rect">
+            <a:avLst/>
+          </a:prstGeom>
+          <a:noFill/>
+        </p:spPr>
+        <p:txBody>
+          <a:bodyPr wrap="none" rtlCol="0">
+            <a:spAutoFit/>
           </a:bodyPr>
           <a:lstStyle/>
           <a:p>
             <a:r>
-              <a:rPr lang="en-GB" sz="1700" dirty="0"/>
-              <a:t>• Code fully integrated into a Version Control System using the feature-branch model: master/dev/multiple features.</a:t>
-            </a:r>
-          </a:p>
-          <a:p>
-            <a:r>
-              <a:rPr lang="en-GB" sz="1700" dirty="0">
-                <a:highlight>
-                  <a:srgbClr val="FFFF00"/>
-                </a:highlight>
-              </a:rPr>
-              <a:t>• A project management board with full expansion on user stories, acceptance criteria and tasks needed to complete the project.</a:t>
-            </a:r>
-          </a:p>
-          <a:p>
-            <a:r>
-              <a:rPr lang="en-GB" sz="1700" dirty="0"/>
-              <a:t>• A risk assessment which outlines the issues and risks faced during the project timeframe.</a:t>
-            </a:r>
-          </a:p>
-          <a:p>
-            <a:r>
-              <a:rPr lang="en-GB" sz="1700" dirty="0"/>
-              <a:t>• A relational database used to persist data for the project, containing the customers, products, orders, and </a:t>
-            </a:r>
-            <a:r>
-              <a:rPr lang="en-GB" sz="1700" dirty="0" err="1"/>
-              <a:t>orders_items</a:t>
-            </a:r>
-            <a:r>
-              <a:rPr lang="en-GB" sz="1700" dirty="0"/>
-              <a:t> tables. Relationships should be modelled using an ERD.</a:t>
-            </a:r>
-          </a:p>
-          <a:p>
-            <a:r>
-              <a:rPr lang="en-GB" sz="1700" dirty="0"/>
-              <a:t>• A functional application ‘back-end’, following best practices and design principles, in the language that you have covered during training, meeting the requirements set on your project management board.</a:t>
-            </a:r>
-          </a:p>
-          <a:p>
-            <a:r>
-              <a:rPr lang="en-GB" sz="1700" dirty="0"/>
-              <a:t>• A build of your application, including any dependencies it might need, produced using an integrated build tool. </a:t>
-            </a:r>
-          </a:p>
-          <a:p>
-            <a:r>
-              <a:rPr lang="en-GB" sz="1700" dirty="0"/>
-              <a:t>• Unit tests for validation of the application. You should aim to reach the industry standard of 80% test coverage.</a:t>
-            </a:r>
-          </a:p>
-          <a:p>
-            <a:endParaRPr lang="en-GB" dirty="0"/>
+              <a:rPr lang="en-GB" sz="1600" dirty="0"/>
+              <a:t>Feature CRUD branch</a:t>
+            </a:r>
+          </a:p>
+        </p:txBody>
+      </p:sp>
+      <p:cxnSp>
+        <p:nvCxnSpPr>
+          <p:cNvPr id="31" name="Straight Arrow Connector 30">
+            <a:extLst>
+              <a:ext uri="{FF2B5EF4-FFF2-40B4-BE49-F238E27FC236}">
+                <a16:creationId xmlns:a16="http://schemas.microsoft.com/office/drawing/2014/main" id="{66F1D42E-F6F4-491A-BB7C-B53995D9FD67}"/>
+              </a:ext>
+            </a:extLst>
+          </p:cNvPr>
+          <p:cNvCxnSpPr>
+            <a:cxnSpLocks/>
+          </p:cNvCxnSpPr>
+          <p:nvPr/>
+        </p:nvCxnSpPr>
+        <p:spPr>
+          <a:xfrm flipH="1" flipV="1">
+            <a:off x="9092384" y="2541335"/>
+            <a:ext cx="586740" cy="686019"/>
+          </a:xfrm>
+          <a:prstGeom prst="straightConnector1">
+            <a:avLst/>
+          </a:prstGeom>
+          <a:ln>
+            <a:tailEnd type="triangle"/>
+          </a:ln>
+        </p:spPr>
+        <p:style>
+          <a:lnRef idx="1">
+            <a:schemeClr val="accent1"/>
+          </a:lnRef>
+          <a:fillRef idx="0">
+            <a:schemeClr val="accent1"/>
+          </a:fillRef>
+          <a:effectRef idx="0">
+            <a:schemeClr val="accent1"/>
+          </a:effectRef>
+          <a:fontRef idx="minor">
+            <a:schemeClr val="tx1"/>
+          </a:fontRef>
+        </p:style>
+      </p:cxnSp>
+      <p:sp>
+        <p:nvSpPr>
+          <p:cNvPr id="32" name="TextBox 31">
+            <a:extLst>
+              <a:ext uri="{FF2B5EF4-FFF2-40B4-BE49-F238E27FC236}">
+                <a16:creationId xmlns:a16="http://schemas.microsoft.com/office/drawing/2014/main" id="{AF721343-CEC4-4B06-9878-DE92160FB2D8}"/>
+              </a:ext>
+            </a:extLst>
+          </p:cNvPr>
+          <p:cNvSpPr txBox="1"/>
+          <p:nvPr/>
+        </p:nvSpPr>
+        <p:spPr>
+          <a:xfrm>
+            <a:off x="9606066" y="3189306"/>
+            <a:ext cx="1665008" cy="338554"/>
+          </a:xfrm>
+          <a:prstGeom prst="rect">
+            <a:avLst/>
+          </a:prstGeom>
+          <a:noFill/>
+        </p:spPr>
+        <p:txBody>
+          <a:bodyPr wrap="none" rtlCol="0">
+            <a:spAutoFit/>
+          </a:bodyPr>
+          <a:lstStyle/>
+          <a:p>
+            <a:r>
+              <a:rPr lang="en-GB" sz="1600" dirty="0"/>
+              <a:t>Developer branch</a:t>
+            </a:r>
+          </a:p>
+        </p:txBody>
+      </p:sp>
+      <p:cxnSp>
+        <p:nvCxnSpPr>
+          <p:cNvPr id="33" name="Straight Arrow Connector 32">
+            <a:extLst>
+              <a:ext uri="{FF2B5EF4-FFF2-40B4-BE49-F238E27FC236}">
+                <a16:creationId xmlns:a16="http://schemas.microsoft.com/office/drawing/2014/main" id="{84DBF441-BCC0-42B7-B3FF-80D6429FD1AC}"/>
+              </a:ext>
+            </a:extLst>
+          </p:cNvPr>
+          <p:cNvCxnSpPr>
+            <a:cxnSpLocks/>
+          </p:cNvCxnSpPr>
+          <p:nvPr/>
+        </p:nvCxnSpPr>
+        <p:spPr>
+          <a:xfrm flipH="1" flipV="1">
+            <a:off x="9362608" y="2258725"/>
+            <a:ext cx="586740" cy="686019"/>
+          </a:xfrm>
+          <a:prstGeom prst="straightConnector1">
+            <a:avLst/>
+          </a:prstGeom>
+          <a:ln>
+            <a:tailEnd type="triangle"/>
+          </a:ln>
+        </p:spPr>
+        <p:style>
+          <a:lnRef idx="1">
+            <a:schemeClr val="accent1"/>
+          </a:lnRef>
+          <a:fillRef idx="0">
+            <a:schemeClr val="accent1"/>
+          </a:fillRef>
+          <a:effectRef idx="0">
+            <a:schemeClr val="accent1"/>
+          </a:effectRef>
+          <a:fontRef idx="minor">
+            <a:schemeClr val="tx1"/>
+          </a:fontRef>
+        </p:style>
+      </p:cxnSp>
+      <p:sp>
+        <p:nvSpPr>
+          <p:cNvPr id="34" name="TextBox 33">
+            <a:extLst>
+              <a:ext uri="{FF2B5EF4-FFF2-40B4-BE49-F238E27FC236}">
+                <a16:creationId xmlns:a16="http://schemas.microsoft.com/office/drawing/2014/main" id="{A0CC7A28-FAA0-446A-9EA0-64F62ED3A076}"/>
+              </a:ext>
+            </a:extLst>
+          </p:cNvPr>
+          <p:cNvSpPr txBox="1"/>
+          <p:nvPr/>
+        </p:nvSpPr>
+        <p:spPr>
+          <a:xfrm>
+            <a:off x="9913076" y="2876328"/>
+            <a:ext cx="1232004" cy="338554"/>
+          </a:xfrm>
+          <a:prstGeom prst="rect">
+            <a:avLst/>
+          </a:prstGeom>
+          <a:noFill/>
+        </p:spPr>
+        <p:txBody>
+          <a:bodyPr wrap="none" rtlCol="0">
+            <a:spAutoFit/>
+          </a:bodyPr>
+          <a:lstStyle/>
+          <a:p>
+            <a:r>
+              <a:rPr lang="en-GB" sz="1600" dirty="0"/>
+              <a:t>Main branch</a:t>
+            </a:r>
           </a:p>
         </p:txBody>
       </p:sp>
     </p:spTree>
     <p:extLst>
       <p:ext uri="{BB962C8B-B14F-4D97-AF65-F5344CB8AC3E}">
-        <p14:creationId xmlns:p14="http://schemas.microsoft.com/office/powerpoint/2010/main" val="2455241303"/>
+        <p14:creationId xmlns:p14="http://schemas.microsoft.com/office/powerpoint/2010/main" val="3849867418"/>
       </p:ext>
     </p:extLst>
   </p:cSld>
@@ -7089,4 +10481,299 @@
     </a:ext>
   </a:extLst>
 </a:theme>
+</file>
+
+<file path=ppt/theme/theme2.xml><?xml version="1.0" encoding="utf-8"?>
+<a:theme xmlns:a="http://schemas.openxmlformats.org/drawingml/2006/main" name="Office Theme">
+  <a:themeElements>
+    <a:clrScheme name="Office">
+      <a:dk1>
+        <a:sysClr val="windowText" lastClr="000000"/>
+      </a:dk1>
+      <a:lt1>
+        <a:sysClr val="window" lastClr="FFFFFF"/>
+      </a:lt1>
+      <a:dk2>
+        <a:srgbClr val="44546A"/>
+      </a:dk2>
+      <a:lt2>
+        <a:srgbClr val="E7E6E6"/>
+      </a:lt2>
+      <a:accent1>
+        <a:srgbClr val="4472C4"/>
+      </a:accent1>
+      <a:accent2>
+        <a:srgbClr val="ED7D31"/>
+      </a:accent2>
+      <a:accent3>
+        <a:srgbClr val="A5A5A5"/>
+      </a:accent3>
+      <a:accent4>
+        <a:srgbClr val="FFC000"/>
+      </a:accent4>
+      <a:accent5>
+        <a:srgbClr val="5B9BD5"/>
+      </a:accent5>
+      <a:accent6>
+        <a:srgbClr val="70AD47"/>
+      </a:accent6>
+      <a:hlink>
+        <a:srgbClr val="0563C1"/>
+      </a:hlink>
+      <a:folHlink>
+        <a:srgbClr val="954F72"/>
+      </a:folHlink>
+    </a:clrScheme>
+    <a:fontScheme name="Office">
+      <a:majorFont>
+        <a:latin typeface="Calibri Light" panose="020F0302020204030204"/>
+        <a:ea typeface=""/>
+        <a:cs typeface=""/>
+        <a:font script="Jpan" typeface="游ゴシック Light"/>
+        <a:font script="Hang" typeface="맑은 고딕"/>
+        <a:font script="Hans" typeface="等线 Light"/>
+        <a:font script="Hant" typeface="新細明體"/>
+        <a:font script="Arab" typeface="Times New Roman"/>
+        <a:font script="Hebr" typeface="Times New Roman"/>
+        <a:font script="Thai" typeface="Angsana New"/>
+        <a:font script="Ethi" typeface="Nyala"/>
+        <a:font script="Beng" typeface="Vrinda"/>
+        <a:font script="Gujr" typeface="Shruti"/>
+        <a:font script="Khmr" typeface="MoolBoran"/>
+        <a:font script="Knda" typeface="Tunga"/>
+        <a:font script="Guru" typeface="Raavi"/>
+        <a:font script="Cans" typeface="Euphemia"/>
+        <a:font script="Cher" typeface="Plantagenet Cherokee"/>
+        <a:font script="Yiii" typeface="Microsoft Yi Baiti"/>
+        <a:font script="Tibt" typeface="Microsoft Himalaya"/>
+        <a:font script="Thaa" typeface="MV Boli"/>
+        <a:font script="Deva" typeface="Mangal"/>
+        <a:font script="Telu" typeface="Gautami"/>
+        <a:font script="Taml" typeface="Latha"/>
+        <a:font script="Syrc" typeface="Estrangelo Edessa"/>
+        <a:font script="Orya" typeface="Kalinga"/>
+        <a:font script="Mlym" typeface="Kartika"/>
+        <a:font script="Laoo" typeface="DokChampa"/>
+        <a:font script="Sinh" typeface="Iskoola Pota"/>
+        <a:font script="Mong" typeface="Mongolian Baiti"/>
+        <a:font script="Viet" typeface="Times New Roman"/>
+        <a:font script="Uigh" typeface="Microsoft Uighur"/>
+        <a:font script="Geor" typeface="Sylfaen"/>
+        <a:font script="Armn" typeface="Arial"/>
+        <a:font script="Bugi" typeface="Leelawadee UI"/>
+        <a:font script="Bopo" typeface="Microsoft JhengHei"/>
+        <a:font script="Java" typeface="Javanese Text"/>
+        <a:font script="Lisu" typeface="Segoe UI"/>
+        <a:font script="Mymr" typeface="Myanmar Text"/>
+        <a:font script="Nkoo" typeface="Ebrima"/>
+        <a:font script="Olck" typeface="Nirmala UI"/>
+        <a:font script="Osma" typeface="Ebrima"/>
+        <a:font script="Phag" typeface="Phagspa"/>
+        <a:font script="Syrn" typeface="Estrangelo Edessa"/>
+        <a:font script="Syrj" typeface="Estrangelo Edessa"/>
+        <a:font script="Syre" typeface="Estrangelo Edessa"/>
+        <a:font script="Sora" typeface="Nirmala UI"/>
+        <a:font script="Tale" typeface="Microsoft Tai Le"/>
+        <a:font script="Talu" typeface="Microsoft New Tai Lue"/>
+        <a:font script="Tfng" typeface="Ebrima"/>
+      </a:majorFont>
+      <a:minorFont>
+        <a:latin typeface="Calibri" panose="020F0502020204030204"/>
+        <a:ea typeface=""/>
+        <a:cs typeface=""/>
+        <a:font script="Jpan" typeface="游ゴシック"/>
+        <a:font script="Hang" typeface="맑은 고딕"/>
+        <a:font script="Hans" typeface="等线"/>
+        <a:font script="Hant" typeface="新細明體"/>
+        <a:font script="Arab" typeface="Arial"/>
+        <a:font script="Hebr" typeface="Arial"/>
+        <a:font script="Thai" typeface="Cordia New"/>
+        <a:font script="Ethi" typeface="Nyala"/>
+        <a:font script="Beng" typeface="Vrinda"/>
+        <a:font script="Gujr" typeface="Shruti"/>
+        <a:font script="Khmr" typeface="DaunPenh"/>
+        <a:font script="Knda" typeface="Tunga"/>
+        <a:font script="Guru" typeface="Raavi"/>
+        <a:font script="Cans" typeface="Euphemia"/>
+        <a:font script="Cher" typeface="Plantagenet Cherokee"/>
+        <a:font script="Yiii" typeface="Microsoft Yi Baiti"/>
+        <a:font script="Tibt" typeface="Microsoft Himalaya"/>
+        <a:font script="Thaa" typeface="MV Boli"/>
+        <a:font script="Deva" typeface="Mangal"/>
+        <a:font script="Telu" typeface="Gautami"/>
+        <a:font script="Taml" typeface="Latha"/>
+        <a:font script="Syrc" typeface="Estrangelo Edessa"/>
+        <a:font script="Orya" typeface="Kalinga"/>
+        <a:font script="Mlym" typeface="Kartika"/>
+        <a:font script="Laoo" typeface="DokChampa"/>
+        <a:font script="Sinh" typeface="Iskoola Pota"/>
+        <a:font script="Mong" typeface="Mongolian Baiti"/>
+        <a:font script="Viet" typeface="Arial"/>
+        <a:font script="Uigh" typeface="Microsoft Uighur"/>
+        <a:font script="Geor" typeface="Sylfaen"/>
+        <a:font script="Armn" typeface="Arial"/>
+        <a:font script="Bugi" typeface="Leelawadee UI"/>
+        <a:font script="Bopo" typeface="Microsoft JhengHei"/>
+        <a:font script="Java" typeface="Javanese Text"/>
+        <a:font script="Lisu" typeface="Segoe UI"/>
+        <a:font script="Mymr" typeface="Myanmar Text"/>
+        <a:font script="Nkoo" typeface="Ebrima"/>
+        <a:font script="Olck" typeface="Nirmala UI"/>
+        <a:font script="Osma" typeface="Ebrima"/>
+        <a:font script="Phag" typeface="Phagspa"/>
+        <a:font script="Syrn" typeface="Estrangelo Edessa"/>
+        <a:font script="Syrj" typeface="Estrangelo Edessa"/>
+        <a:font script="Syre" typeface="Estrangelo Edessa"/>
+        <a:font script="Sora" typeface="Nirmala UI"/>
+        <a:font script="Tale" typeface="Microsoft Tai Le"/>
+        <a:font script="Talu" typeface="Microsoft New Tai Lue"/>
+        <a:font script="Tfng" typeface="Ebrima"/>
+      </a:minorFont>
+    </a:fontScheme>
+    <a:fmtScheme name="Office">
+      <a:fillStyleLst>
+        <a:solidFill>
+          <a:schemeClr val="phClr"/>
+        </a:solidFill>
+        <a:gradFill rotWithShape="1">
+          <a:gsLst>
+            <a:gs pos="0">
+              <a:schemeClr val="phClr">
+                <a:lumMod val="110000"/>
+                <a:satMod val="105000"/>
+                <a:tint val="67000"/>
+              </a:schemeClr>
+            </a:gs>
+            <a:gs pos="50000">
+              <a:schemeClr val="phClr">
+                <a:lumMod val="105000"/>
+                <a:satMod val="103000"/>
+                <a:tint val="73000"/>
+              </a:schemeClr>
+            </a:gs>
+            <a:gs pos="100000">
+              <a:schemeClr val="phClr">
+                <a:lumMod val="105000"/>
+                <a:satMod val="109000"/>
+                <a:tint val="81000"/>
+              </a:schemeClr>
+            </a:gs>
+          </a:gsLst>
+          <a:lin ang="5400000" scaled="0"/>
+        </a:gradFill>
+        <a:gradFill rotWithShape="1">
+          <a:gsLst>
+            <a:gs pos="0">
+              <a:schemeClr val="phClr">
+                <a:satMod val="103000"/>
+                <a:lumMod val="102000"/>
+                <a:tint val="94000"/>
+              </a:schemeClr>
+            </a:gs>
+            <a:gs pos="50000">
+              <a:schemeClr val="phClr">
+                <a:satMod val="110000"/>
+                <a:lumMod val="100000"/>
+                <a:shade val="100000"/>
+              </a:schemeClr>
+            </a:gs>
+            <a:gs pos="100000">
+              <a:schemeClr val="phClr">
+                <a:lumMod val="99000"/>
+                <a:satMod val="120000"/>
+                <a:shade val="78000"/>
+              </a:schemeClr>
+            </a:gs>
+          </a:gsLst>
+          <a:lin ang="5400000" scaled="0"/>
+        </a:gradFill>
+      </a:fillStyleLst>
+      <a:lnStyleLst>
+        <a:ln w="6350" cap="flat" cmpd="sng" algn="ctr">
+          <a:solidFill>
+            <a:schemeClr val="phClr"/>
+          </a:solidFill>
+          <a:prstDash val="solid"/>
+          <a:miter lim="800000"/>
+        </a:ln>
+        <a:ln w="12700" cap="flat" cmpd="sng" algn="ctr">
+          <a:solidFill>
+            <a:schemeClr val="phClr"/>
+          </a:solidFill>
+          <a:prstDash val="solid"/>
+          <a:miter lim="800000"/>
+        </a:ln>
+        <a:ln w="19050" cap="flat" cmpd="sng" algn="ctr">
+          <a:solidFill>
+            <a:schemeClr val="phClr"/>
+          </a:solidFill>
+          <a:prstDash val="solid"/>
+          <a:miter lim="800000"/>
+        </a:ln>
+      </a:lnStyleLst>
+      <a:effectStyleLst>
+        <a:effectStyle>
+          <a:effectLst/>
+        </a:effectStyle>
+        <a:effectStyle>
+          <a:effectLst/>
+        </a:effectStyle>
+        <a:effectStyle>
+          <a:effectLst>
+            <a:outerShdw blurRad="57150" dist="19050" dir="5400000" algn="ctr" rotWithShape="0">
+              <a:srgbClr val="000000">
+                <a:alpha val="63000"/>
+              </a:srgbClr>
+            </a:outerShdw>
+          </a:effectLst>
+        </a:effectStyle>
+      </a:effectStyleLst>
+      <a:bgFillStyleLst>
+        <a:solidFill>
+          <a:schemeClr val="phClr"/>
+        </a:solidFill>
+        <a:solidFill>
+          <a:schemeClr val="phClr">
+            <a:tint val="95000"/>
+            <a:satMod val="170000"/>
+          </a:schemeClr>
+        </a:solidFill>
+        <a:gradFill rotWithShape="1">
+          <a:gsLst>
+            <a:gs pos="0">
+              <a:schemeClr val="phClr">
+                <a:tint val="93000"/>
+                <a:satMod val="150000"/>
+                <a:shade val="98000"/>
+                <a:lumMod val="102000"/>
+              </a:schemeClr>
+            </a:gs>
+            <a:gs pos="50000">
+              <a:schemeClr val="phClr">
+                <a:tint val="98000"/>
+                <a:satMod val="130000"/>
+                <a:shade val="90000"/>
+                <a:lumMod val="103000"/>
+              </a:schemeClr>
+            </a:gs>
+            <a:gs pos="100000">
+              <a:schemeClr val="phClr">
+                <a:shade val="63000"/>
+                <a:satMod val="120000"/>
+              </a:schemeClr>
+            </a:gs>
+          </a:gsLst>
+          <a:lin ang="5400000" scaled="0"/>
+        </a:gradFill>
+      </a:bgFillStyleLst>
+    </a:fmtScheme>
+  </a:themeElements>
+  <a:objectDefaults/>
+  <a:extraClrSchemeLst/>
+  <a:extLst>
+    <a:ext uri="{05A4C25C-085E-4340-85A3-A5531E510DB2}">
+      <thm15:themeFamily xmlns:thm15="http://schemas.microsoft.com/office/thememl/2012/main" name="Office Theme" id="{62F939B6-93AF-4DB8-9C6B-D6C7DFDC589F}" vid="{4A3C46E8-61CC-4603-A589-7422A47A8E4A}"/>
+    </a:ext>
+  </a:extLst>
+</a:theme>
 </file>